--- a/beacon.pptx
+++ b/beacon.pptx
@@ -5,17 +5,23 @@
     <p:sldMasterId id="2147483648" r:id="rId1"/>
   </p:sldMasterIdLst>
   <p:notesMasterIdLst>
-    <p:notesMasterId r:id="rId10"/>
+    <p:notesMasterId r:id="rId16"/>
   </p:notesMasterIdLst>
   <p:sldIdLst>
-    <p:sldId id="258" r:id="rId2"/>
-    <p:sldId id="256" r:id="rId3"/>
-    <p:sldId id="261" r:id="rId4"/>
-    <p:sldId id="262" r:id="rId5"/>
-    <p:sldId id="264" r:id="rId6"/>
-    <p:sldId id="263" r:id="rId7"/>
-    <p:sldId id="259" r:id="rId8"/>
-    <p:sldId id="260" r:id="rId9"/>
+    <p:sldId id="265" r:id="rId2"/>
+    <p:sldId id="266" r:id="rId3"/>
+    <p:sldId id="267" r:id="rId4"/>
+    <p:sldId id="268" r:id="rId5"/>
+    <p:sldId id="269" r:id="rId6"/>
+    <p:sldId id="270" r:id="rId7"/>
+    <p:sldId id="258" r:id="rId8"/>
+    <p:sldId id="256" r:id="rId9"/>
+    <p:sldId id="261" r:id="rId10"/>
+    <p:sldId id="262" r:id="rId11"/>
+    <p:sldId id="264" r:id="rId12"/>
+    <p:sldId id="263" r:id="rId13"/>
+    <p:sldId id="259" r:id="rId14"/>
+    <p:sldId id="260" r:id="rId15"/>
   </p:sldIdLst>
   <p:sldSz cx="12192000" cy="6858000"/>
   <p:notesSz cx="6858000" cy="9144000"/>
@@ -122,6 +128,10 @@
 </p:presentation>
 </file>
 
+<file path=ppt/revisionInfo.xml><?xml version="1.0" encoding="utf-8"?>
+<p1510:revInfo xmlns:a="http://schemas.openxmlformats.org/drawingml/2006/main" xmlns:r="http://schemas.openxmlformats.org/officeDocument/2006/relationships" xmlns:p1510="http://schemas.microsoft.com/office/powerpoint/2015/10/main"/>
+</file>
+
 <file path=ppt/notesMasters/notesMaster1.xml><?xml version="1.0" encoding="utf-8"?>
 <p:notesMaster xmlns:a="http://schemas.openxmlformats.org/drawingml/2006/main" xmlns:r="http://schemas.openxmlformats.org/officeDocument/2006/relationships" xmlns:p="http://schemas.openxmlformats.org/presentationml/2006/main">
   <p:cSld>
@@ -204,7 +214,7 @@
           <a:p>
             <a:fld id="{7FB21C59-0C57-A34E-9D89-8F35864411FC}" type="datetimeFigureOut">
               <a:rPr lang="en-US" smtClean="0"/>
-              <a:t>10/28/17</a:t>
+              <a:t>2017-10-28</a:t>
             </a:fld>
             <a:endParaRPr lang="en-US"/>
           </a:p>
@@ -268,35 +278,35 @@
           <a:p>
             <a:pPr lvl="0"/>
             <a:r>
-              <a:rPr lang="de-DE" smtClean="0"/>
+              <a:rPr lang="de-DE"/>
               <a:t>Mastertextformat bearbeiten</a:t>
             </a:r>
           </a:p>
           <a:p>
             <a:pPr lvl="1"/>
             <a:r>
-              <a:rPr lang="de-DE" smtClean="0"/>
+              <a:rPr lang="de-DE"/>
               <a:t>Zweite Ebene</a:t>
             </a:r>
           </a:p>
           <a:p>
             <a:pPr lvl="2"/>
             <a:r>
-              <a:rPr lang="de-DE" smtClean="0"/>
+              <a:rPr lang="de-DE"/>
               <a:t>Dritte Ebene</a:t>
             </a:r>
           </a:p>
           <a:p>
             <a:pPr lvl="3"/>
             <a:r>
-              <a:rPr lang="de-DE" smtClean="0"/>
+              <a:rPr lang="de-DE"/>
               <a:t>Vierte Ebene</a:t>
             </a:r>
           </a:p>
           <a:p>
             <a:pPr lvl="4"/>
             <a:r>
-              <a:rPr lang="de-DE" smtClean="0"/>
+              <a:rPr lang="de-DE"/>
               <a:t>Fünfte Ebene</a:t>
             </a:r>
             <a:endParaRPr lang="en-US"/>
@@ -514,7 +524,7 @@
           </a:lstStyle>
           <a:p>
             <a:r>
-              <a:rPr lang="de-DE" smtClean="0"/>
+              <a:rPr lang="de-DE"/>
               <a:t>Mastertitelformat bearbeiten</a:t>
             </a:r>
             <a:endParaRPr lang="en-US"/>
@@ -579,7 +589,7 @@
           </a:lstStyle>
           <a:p>
             <a:r>
-              <a:rPr lang="de-DE" smtClean="0"/>
+              <a:rPr lang="de-DE"/>
               <a:t>Master-Untertitelformat bearbeiten</a:t>
             </a:r>
             <a:endParaRPr lang="en-US"/>
@@ -603,7 +613,7 @@
           <a:p>
             <a:fld id="{15680C8E-BD82-6C46-BE23-AB0FD4D62C03}" type="datetimeFigureOut">
               <a:rPr lang="en-US" smtClean="0"/>
-              <a:t>10/28/17</a:t>
+              <a:t>2017-10-28</a:t>
             </a:fld>
             <a:endParaRPr lang="en-US"/>
           </a:p>
@@ -697,7 +707,7 @@
           <a:lstStyle/>
           <a:p>
             <a:r>
-              <a:rPr lang="de-DE" smtClean="0"/>
+              <a:rPr lang="de-DE"/>
               <a:t>Mastertitelformat bearbeiten</a:t>
             </a:r>
             <a:endParaRPr lang="en-US"/>
@@ -721,35 +731,35 @@
           <a:p>
             <a:pPr lvl="0"/>
             <a:r>
-              <a:rPr lang="de-DE" smtClean="0"/>
+              <a:rPr lang="de-DE"/>
               <a:t>Mastertextformat bearbeiten</a:t>
             </a:r>
           </a:p>
           <a:p>
             <a:pPr lvl="1"/>
             <a:r>
-              <a:rPr lang="de-DE" smtClean="0"/>
+              <a:rPr lang="de-DE"/>
               <a:t>Zweite Ebene</a:t>
             </a:r>
           </a:p>
           <a:p>
             <a:pPr lvl="2"/>
             <a:r>
-              <a:rPr lang="de-DE" smtClean="0"/>
+              <a:rPr lang="de-DE"/>
               <a:t>Dritte Ebene</a:t>
             </a:r>
           </a:p>
           <a:p>
             <a:pPr lvl="3"/>
             <a:r>
-              <a:rPr lang="de-DE" smtClean="0"/>
+              <a:rPr lang="de-DE"/>
               <a:t>Vierte Ebene</a:t>
             </a:r>
           </a:p>
           <a:p>
             <a:pPr lvl="4"/>
             <a:r>
-              <a:rPr lang="de-DE" smtClean="0"/>
+              <a:rPr lang="de-DE"/>
               <a:t>Fünfte Ebene</a:t>
             </a:r>
             <a:endParaRPr lang="en-US"/>
@@ -773,7 +783,7 @@
           <a:p>
             <a:fld id="{15680C8E-BD82-6C46-BE23-AB0FD4D62C03}" type="datetimeFigureOut">
               <a:rPr lang="en-US" smtClean="0"/>
-              <a:t>10/28/17</a:t>
+              <a:t>2017-10-28</a:t>
             </a:fld>
             <a:endParaRPr lang="en-US"/>
           </a:p>
@@ -872,7 +882,7 @@
           <a:lstStyle/>
           <a:p>
             <a:r>
-              <a:rPr lang="de-DE" smtClean="0"/>
+              <a:rPr lang="de-DE"/>
               <a:t>Mastertitelformat bearbeiten</a:t>
             </a:r>
             <a:endParaRPr lang="en-US"/>
@@ -901,35 +911,35 @@
           <a:p>
             <a:pPr lvl="0"/>
             <a:r>
-              <a:rPr lang="de-DE" smtClean="0"/>
+              <a:rPr lang="de-DE"/>
               <a:t>Mastertextformat bearbeiten</a:t>
             </a:r>
           </a:p>
           <a:p>
             <a:pPr lvl="1"/>
             <a:r>
-              <a:rPr lang="de-DE" smtClean="0"/>
+              <a:rPr lang="de-DE"/>
               <a:t>Zweite Ebene</a:t>
             </a:r>
           </a:p>
           <a:p>
             <a:pPr lvl="2"/>
             <a:r>
-              <a:rPr lang="de-DE" smtClean="0"/>
+              <a:rPr lang="de-DE"/>
               <a:t>Dritte Ebene</a:t>
             </a:r>
           </a:p>
           <a:p>
             <a:pPr lvl="3"/>
             <a:r>
-              <a:rPr lang="de-DE" smtClean="0"/>
+              <a:rPr lang="de-DE"/>
               <a:t>Vierte Ebene</a:t>
             </a:r>
           </a:p>
           <a:p>
             <a:pPr lvl="4"/>
             <a:r>
-              <a:rPr lang="de-DE" smtClean="0"/>
+              <a:rPr lang="de-DE"/>
               <a:t>Fünfte Ebene</a:t>
             </a:r>
             <a:endParaRPr lang="en-US"/>
@@ -953,7 +963,7 @@
           <a:p>
             <a:fld id="{15680C8E-BD82-6C46-BE23-AB0FD4D62C03}" type="datetimeFigureOut">
               <a:rPr lang="en-US" smtClean="0"/>
-              <a:t>10/28/17</a:t>
+              <a:t>2017-10-28</a:t>
             </a:fld>
             <a:endParaRPr lang="en-US"/>
           </a:p>
@@ -1047,7 +1057,7 @@
           <a:lstStyle/>
           <a:p>
             <a:r>
-              <a:rPr lang="de-DE" smtClean="0"/>
+              <a:rPr lang="de-DE"/>
               <a:t>Mastertitelformat bearbeiten</a:t>
             </a:r>
             <a:endParaRPr lang="en-US"/>
@@ -1071,35 +1081,35 @@
           <a:p>
             <a:pPr lvl="0"/>
             <a:r>
-              <a:rPr lang="de-DE" smtClean="0"/>
+              <a:rPr lang="de-DE"/>
               <a:t>Mastertextformat bearbeiten</a:t>
             </a:r>
           </a:p>
           <a:p>
             <a:pPr lvl="1"/>
             <a:r>
-              <a:rPr lang="de-DE" smtClean="0"/>
+              <a:rPr lang="de-DE"/>
               <a:t>Zweite Ebene</a:t>
             </a:r>
           </a:p>
           <a:p>
             <a:pPr lvl="2"/>
             <a:r>
-              <a:rPr lang="de-DE" smtClean="0"/>
+              <a:rPr lang="de-DE"/>
               <a:t>Dritte Ebene</a:t>
             </a:r>
           </a:p>
           <a:p>
             <a:pPr lvl="3"/>
             <a:r>
-              <a:rPr lang="de-DE" smtClean="0"/>
+              <a:rPr lang="de-DE"/>
               <a:t>Vierte Ebene</a:t>
             </a:r>
           </a:p>
           <a:p>
             <a:pPr lvl="4"/>
             <a:r>
-              <a:rPr lang="de-DE" smtClean="0"/>
+              <a:rPr lang="de-DE"/>
               <a:t>Fünfte Ebene</a:t>
             </a:r>
             <a:endParaRPr lang="en-US"/>
@@ -1123,7 +1133,7 @@
           <a:p>
             <a:fld id="{15680C8E-BD82-6C46-BE23-AB0FD4D62C03}" type="datetimeFigureOut">
               <a:rPr lang="en-US" smtClean="0"/>
-              <a:t>10/28/17</a:t>
+              <a:t>2017-10-28</a:t>
             </a:fld>
             <a:endParaRPr lang="en-US"/>
           </a:p>
@@ -1226,7 +1236,7 @@
           </a:lstStyle>
           <a:p>
             <a:r>
-              <a:rPr lang="de-DE" smtClean="0"/>
+              <a:rPr lang="de-DE"/>
               <a:t>Mastertitelformat bearbeiten</a:t>
             </a:r>
             <a:endParaRPr lang="en-US"/>
@@ -1346,7 +1356,7 @@
           <a:p>
             <a:pPr lvl="0"/>
             <a:r>
-              <a:rPr lang="de-DE" smtClean="0"/>
+              <a:rPr lang="de-DE"/>
               <a:t>Mastertextformat bearbeiten</a:t>
             </a:r>
           </a:p>
@@ -1369,7 +1379,7 @@
           <a:p>
             <a:fld id="{15680C8E-BD82-6C46-BE23-AB0FD4D62C03}" type="datetimeFigureOut">
               <a:rPr lang="en-US" smtClean="0"/>
-              <a:t>10/28/17</a:t>
+              <a:t>2017-10-28</a:t>
             </a:fld>
             <a:endParaRPr lang="en-US"/>
           </a:p>
@@ -1463,7 +1473,7 @@
           <a:lstStyle/>
           <a:p>
             <a:r>
-              <a:rPr lang="de-DE" smtClean="0"/>
+              <a:rPr lang="de-DE"/>
               <a:t>Mastertitelformat bearbeiten</a:t>
             </a:r>
             <a:endParaRPr lang="en-US"/>
@@ -1492,35 +1502,35 @@
           <a:p>
             <a:pPr lvl="0"/>
             <a:r>
-              <a:rPr lang="de-DE" smtClean="0"/>
+              <a:rPr lang="de-DE"/>
               <a:t>Mastertextformat bearbeiten</a:t>
             </a:r>
           </a:p>
           <a:p>
             <a:pPr lvl="1"/>
             <a:r>
-              <a:rPr lang="de-DE" smtClean="0"/>
+              <a:rPr lang="de-DE"/>
               <a:t>Zweite Ebene</a:t>
             </a:r>
           </a:p>
           <a:p>
             <a:pPr lvl="2"/>
             <a:r>
-              <a:rPr lang="de-DE" smtClean="0"/>
+              <a:rPr lang="de-DE"/>
               <a:t>Dritte Ebene</a:t>
             </a:r>
           </a:p>
           <a:p>
             <a:pPr lvl="3"/>
             <a:r>
-              <a:rPr lang="de-DE" smtClean="0"/>
+              <a:rPr lang="de-DE"/>
               <a:t>Vierte Ebene</a:t>
             </a:r>
           </a:p>
           <a:p>
             <a:pPr lvl="4"/>
             <a:r>
-              <a:rPr lang="de-DE" smtClean="0"/>
+              <a:rPr lang="de-DE"/>
               <a:t>Fünfte Ebene</a:t>
             </a:r>
             <a:endParaRPr lang="en-US"/>
@@ -1549,35 +1559,35 @@
           <a:p>
             <a:pPr lvl="0"/>
             <a:r>
-              <a:rPr lang="de-DE" smtClean="0"/>
+              <a:rPr lang="de-DE"/>
               <a:t>Mastertextformat bearbeiten</a:t>
             </a:r>
           </a:p>
           <a:p>
             <a:pPr lvl="1"/>
             <a:r>
-              <a:rPr lang="de-DE" smtClean="0"/>
+              <a:rPr lang="de-DE"/>
               <a:t>Zweite Ebene</a:t>
             </a:r>
           </a:p>
           <a:p>
             <a:pPr lvl="2"/>
             <a:r>
-              <a:rPr lang="de-DE" smtClean="0"/>
+              <a:rPr lang="de-DE"/>
               <a:t>Dritte Ebene</a:t>
             </a:r>
           </a:p>
           <a:p>
             <a:pPr lvl="3"/>
             <a:r>
-              <a:rPr lang="de-DE" smtClean="0"/>
+              <a:rPr lang="de-DE"/>
               <a:t>Vierte Ebene</a:t>
             </a:r>
           </a:p>
           <a:p>
             <a:pPr lvl="4"/>
             <a:r>
-              <a:rPr lang="de-DE" smtClean="0"/>
+              <a:rPr lang="de-DE"/>
               <a:t>Fünfte Ebene</a:t>
             </a:r>
             <a:endParaRPr lang="en-US"/>
@@ -1601,7 +1611,7 @@
           <a:p>
             <a:fld id="{15680C8E-BD82-6C46-BE23-AB0FD4D62C03}" type="datetimeFigureOut">
               <a:rPr lang="en-US" smtClean="0"/>
-              <a:t>10/28/17</a:t>
+              <a:t>2017-10-28</a:t>
             </a:fld>
             <a:endParaRPr lang="en-US"/>
           </a:p>
@@ -1700,7 +1710,7 @@
           <a:lstStyle/>
           <a:p>
             <a:r>
-              <a:rPr lang="de-DE" smtClean="0"/>
+              <a:rPr lang="de-DE"/>
               <a:t>Mastertitelformat bearbeiten</a:t>
             </a:r>
             <a:endParaRPr lang="en-US"/>
@@ -1766,7 +1776,7 @@
           <a:p>
             <a:pPr lvl="0"/>
             <a:r>
-              <a:rPr lang="de-DE" smtClean="0"/>
+              <a:rPr lang="de-DE"/>
               <a:t>Mastertextformat bearbeiten</a:t>
             </a:r>
           </a:p>
@@ -1794,35 +1804,35 @@
           <a:p>
             <a:pPr lvl="0"/>
             <a:r>
-              <a:rPr lang="de-DE" smtClean="0"/>
+              <a:rPr lang="de-DE"/>
               <a:t>Mastertextformat bearbeiten</a:t>
             </a:r>
           </a:p>
           <a:p>
             <a:pPr lvl="1"/>
             <a:r>
-              <a:rPr lang="de-DE" smtClean="0"/>
+              <a:rPr lang="de-DE"/>
               <a:t>Zweite Ebene</a:t>
             </a:r>
           </a:p>
           <a:p>
             <a:pPr lvl="2"/>
             <a:r>
-              <a:rPr lang="de-DE" smtClean="0"/>
+              <a:rPr lang="de-DE"/>
               <a:t>Dritte Ebene</a:t>
             </a:r>
           </a:p>
           <a:p>
             <a:pPr lvl="3"/>
             <a:r>
-              <a:rPr lang="de-DE" smtClean="0"/>
+              <a:rPr lang="de-DE"/>
               <a:t>Vierte Ebene</a:t>
             </a:r>
           </a:p>
           <a:p>
             <a:pPr lvl="4"/>
             <a:r>
-              <a:rPr lang="de-DE" smtClean="0"/>
+              <a:rPr lang="de-DE"/>
               <a:t>Fünfte Ebene</a:t>
             </a:r>
             <a:endParaRPr lang="en-US"/>
@@ -1888,7 +1898,7 @@
           <a:p>
             <a:pPr lvl="0"/>
             <a:r>
-              <a:rPr lang="de-DE" smtClean="0"/>
+              <a:rPr lang="de-DE"/>
               <a:t>Mastertextformat bearbeiten</a:t>
             </a:r>
           </a:p>
@@ -1916,35 +1926,35 @@
           <a:p>
             <a:pPr lvl="0"/>
             <a:r>
-              <a:rPr lang="de-DE" smtClean="0"/>
+              <a:rPr lang="de-DE"/>
               <a:t>Mastertextformat bearbeiten</a:t>
             </a:r>
           </a:p>
           <a:p>
             <a:pPr lvl="1"/>
             <a:r>
-              <a:rPr lang="de-DE" smtClean="0"/>
+              <a:rPr lang="de-DE"/>
               <a:t>Zweite Ebene</a:t>
             </a:r>
           </a:p>
           <a:p>
             <a:pPr lvl="2"/>
             <a:r>
-              <a:rPr lang="de-DE" smtClean="0"/>
+              <a:rPr lang="de-DE"/>
               <a:t>Dritte Ebene</a:t>
             </a:r>
           </a:p>
           <a:p>
             <a:pPr lvl="3"/>
             <a:r>
-              <a:rPr lang="de-DE" smtClean="0"/>
+              <a:rPr lang="de-DE"/>
               <a:t>Vierte Ebene</a:t>
             </a:r>
           </a:p>
           <a:p>
             <a:pPr lvl="4"/>
             <a:r>
-              <a:rPr lang="de-DE" smtClean="0"/>
+              <a:rPr lang="de-DE"/>
               <a:t>Fünfte Ebene</a:t>
             </a:r>
             <a:endParaRPr lang="en-US"/>
@@ -1968,7 +1978,7 @@
           <a:p>
             <a:fld id="{15680C8E-BD82-6C46-BE23-AB0FD4D62C03}" type="datetimeFigureOut">
               <a:rPr lang="en-US" smtClean="0"/>
-              <a:t>10/28/17</a:t>
+              <a:t>2017-10-28</a:t>
             </a:fld>
             <a:endParaRPr lang="en-US"/>
           </a:p>
@@ -2062,7 +2072,7 @@
           <a:lstStyle/>
           <a:p>
             <a:r>
-              <a:rPr lang="de-DE" smtClean="0"/>
+              <a:rPr lang="de-DE"/>
               <a:t>Mastertitelformat bearbeiten</a:t>
             </a:r>
             <a:endParaRPr lang="en-US"/>
@@ -2086,7 +2096,7 @@
           <a:p>
             <a:fld id="{15680C8E-BD82-6C46-BE23-AB0FD4D62C03}" type="datetimeFigureOut">
               <a:rPr lang="en-US" smtClean="0"/>
-              <a:t>10/28/17</a:t>
+              <a:t>2017-10-28</a:t>
             </a:fld>
             <a:endParaRPr lang="en-US"/>
           </a:p>
@@ -2181,7 +2191,7 @@
           <a:p>
             <a:fld id="{15680C8E-BD82-6C46-BE23-AB0FD4D62C03}" type="datetimeFigureOut">
               <a:rPr lang="en-US" smtClean="0"/>
-              <a:t>10/28/17</a:t>
+              <a:t>2017-10-28</a:t>
             </a:fld>
             <a:endParaRPr lang="en-US"/>
           </a:p>
@@ -2284,7 +2294,7 @@
           </a:lstStyle>
           <a:p>
             <a:r>
-              <a:rPr lang="de-DE" smtClean="0"/>
+              <a:rPr lang="de-DE"/>
               <a:t>Mastertitelformat bearbeiten</a:t>
             </a:r>
             <a:endParaRPr lang="en-US"/>
@@ -2341,35 +2351,35 @@
           <a:p>
             <a:pPr lvl="0"/>
             <a:r>
-              <a:rPr lang="de-DE" smtClean="0"/>
+              <a:rPr lang="de-DE"/>
               <a:t>Mastertextformat bearbeiten</a:t>
             </a:r>
           </a:p>
           <a:p>
             <a:pPr lvl="1"/>
             <a:r>
-              <a:rPr lang="de-DE" smtClean="0"/>
+              <a:rPr lang="de-DE"/>
               <a:t>Zweite Ebene</a:t>
             </a:r>
           </a:p>
           <a:p>
             <a:pPr lvl="2"/>
             <a:r>
-              <a:rPr lang="de-DE" smtClean="0"/>
+              <a:rPr lang="de-DE"/>
               <a:t>Dritte Ebene</a:t>
             </a:r>
           </a:p>
           <a:p>
             <a:pPr lvl="3"/>
             <a:r>
-              <a:rPr lang="de-DE" smtClean="0"/>
+              <a:rPr lang="de-DE"/>
               <a:t>Vierte Ebene</a:t>
             </a:r>
           </a:p>
           <a:p>
             <a:pPr lvl="4"/>
             <a:r>
-              <a:rPr lang="de-DE" smtClean="0"/>
+              <a:rPr lang="de-DE"/>
               <a:t>Fünfte Ebene</a:t>
             </a:r>
             <a:endParaRPr lang="en-US"/>
@@ -2435,7 +2445,7 @@
           <a:p>
             <a:pPr lvl="0"/>
             <a:r>
-              <a:rPr lang="de-DE" smtClean="0"/>
+              <a:rPr lang="de-DE"/>
               <a:t>Mastertextformat bearbeiten</a:t>
             </a:r>
           </a:p>
@@ -2458,7 +2468,7 @@
           <a:p>
             <a:fld id="{15680C8E-BD82-6C46-BE23-AB0FD4D62C03}" type="datetimeFigureOut">
               <a:rPr lang="en-US" smtClean="0"/>
-              <a:t>10/28/17</a:t>
+              <a:t>2017-10-28</a:t>
             </a:fld>
             <a:endParaRPr lang="en-US"/>
           </a:p>
@@ -2561,7 +2571,7 @@
           </a:lstStyle>
           <a:p>
             <a:r>
-              <a:rPr lang="de-DE" smtClean="0"/>
+              <a:rPr lang="de-DE"/>
               <a:t>Mastertitelformat bearbeiten</a:t>
             </a:r>
             <a:endParaRPr lang="en-US"/>
@@ -2688,7 +2698,7 @@
           <a:p>
             <a:pPr lvl="0"/>
             <a:r>
-              <a:rPr lang="de-DE" smtClean="0"/>
+              <a:rPr lang="de-DE"/>
               <a:t>Mastertextformat bearbeiten</a:t>
             </a:r>
           </a:p>
@@ -2711,7 +2721,7 @@
           <a:p>
             <a:fld id="{15680C8E-BD82-6C46-BE23-AB0FD4D62C03}" type="datetimeFigureOut">
               <a:rPr lang="en-US" smtClean="0"/>
-              <a:t>10/28/17</a:t>
+              <a:t>2017-10-28</a:t>
             </a:fld>
             <a:endParaRPr lang="en-US"/>
           </a:p>
@@ -2820,7 +2830,7 @@
           <a:lstStyle/>
           <a:p>
             <a:r>
-              <a:rPr lang="de-DE" smtClean="0"/>
+              <a:rPr lang="de-DE"/>
               <a:t>Mastertitelformat bearbeiten</a:t>
             </a:r>
             <a:endParaRPr lang="en-US"/>
@@ -2854,35 +2864,35 @@
           <a:p>
             <a:pPr lvl="0"/>
             <a:r>
-              <a:rPr lang="de-DE" smtClean="0"/>
+              <a:rPr lang="de-DE"/>
               <a:t>Mastertextformat bearbeiten</a:t>
             </a:r>
           </a:p>
           <a:p>
             <a:pPr lvl="1"/>
             <a:r>
-              <a:rPr lang="de-DE" smtClean="0"/>
+              <a:rPr lang="de-DE"/>
               <a:t>Zweite Ebene</a:t>
             </a:r>
           </a:p>
           <a:p>
             <a:pPr lvl="2"/>
             <a:r>
-              <a:rPr lang="de-DE" smtClean="0"/>
+              <a:rPr lang="de-DE"/>
               <a:t>Dritte Ebene</a:t>
             </a:r>
           </a:p>
           <a:p>
             <a:pPr lvl="3"/>
             <a:r>
-              <a:rPr lang="de-DE" smtClean="0"/>
+              <a:rPr lang="de-DE"/>
               <a:t>Vierte Ebene</a:t>
             </a:r>
           </a:p>
           <a:p>
             <a:pPr lvl="4"/>
             <a:r>
-              <a:rPr lang="de-DE" smtClean="0"/>
+              <a:rPr lang="de-DE"/>
               <a:t>Fünfte Ebene</a:t>
             </a:r>
             <a:endParaRPr lang="en-US"/>
@@ -2924,7 +2934,7 @@
           <a:p>
             <a:fld id="{15680C8E-BD82-6C46-BE23-AB0FD4D62C03}" type="datetimeFigureOut">
               <a:rPr lang="en-US" smtClean="0"/>
-              <a:t>10/28/17</a:t>
+              <a:t>2017-10-28</a:t>
             </a:fld>
             <a:endParaRPr lang="en-US"/>
           </a:p>
@@ -3329,33 +3339,68 @@
           <a:chExt cx="0" cy="0"/>
         </a:xfrm>
       </p:grpSpPr>
-      <p:pic>
-        <p:nvPicPr>
-          <p:cNvPr id="4" name="Bild 3"/>
-          <p:cNvPicPr>
-            <a:picLocks noChangeAspect="1"/>
-          </p:cNvPicPr>
-          <p:nvPr/>
-        </p:nvPicPr>
-        <p:blipFill rotWithShape="1">
-          <a:blip r:embed="rId2"/>
-          <a:srcRect t="5179"/>
-          <a:stretch/>
-        </p:blipFill>
-        <p:spPr>
-          <a:xfrm>
-            <a:off x="1924050" y="444500"/>
-            <a:ext cx="8343900" cy="5969000"/>
-          </a:xfrm>
-          <a:prstGeom prst="rect">
-            <a:avLst/>
-          </a:prstGeom>
-        </p:spPr>
-      </p:pic>
+      <p:sp>
+        <p:nvSpPr>
+          <p:cNvPr id="2" name="Title 1">
+            <a:extLst>
+              <a:ext uri="{FF2B5EF4-FFF2-40B4-BE49-F238E27FC236}">
+                <a16:creationId xmlns:a16="http://schemas.microsoft.com/office/drawing/2014/main" id="{0CE92C80-E364-4323-AC83-43E2A8783F58}"/>
+              </a:ext>
+            </a:extLst>
+          </p:cNvPr>
+          <p:cNvSpPr>
+            <a:spLocks noGrp="1"/>
+          </p:cNvSpPr>
+          <p:nvPr>
+            <p:ph type="ctrTitle"/>
+          </p:nvPr>
+        </p:nvSpPr>
+        <p:spPr/>
+        <p:txBody>
+          <a:bodyPr/>
+          <a:lstStyle/>
+          <a:p>
+            <a:r>
+              <a:rPr lang="de-CH" b="1" dirty="0"/>
+              <a:t>Smart Arosa</a:t>
+            </a:r>
+            <a:endParaRPr lang="de-CH" dirty="0"/>
+          </a:p>
+        </p:txBody>
+      </p:sp>
+      <p:sp>
+        <p:nvSpPr>
+          <p:cNvPr id="3" name="Content Placeholder 2">
+            <a:extLst>
+              <a:ext uri="{FF2B5EF4-FFF2-40B4-BE49-F238E27FC236}">
+                <a16:creationId xmlns:a16="http://schemas.microsoft.com/office/drawing/2014/main" id="{CE75E0A5-A215-4AAE-8711-CA279A9E2942}"/>
+              </a:ext>
+            </a:extLst>
+          </p:cNvPr>
+          <p:cNvSpPr>
+            <a:spLocks noGrp="1"/>
+          </p:cNvSpPr>
+          <p:nvPr>
+            <p:ph type="subTitle" idx="1"/>
+          </p:nvPr>
+        </p:nvSpPr>
+        <p:spPr/>
+        <p:txBody>
+          <a:bodyPr/>
+          <a:lstStyle/>
+          <a:p>
+            <a:r>
+              <a:rPr lang="en-US" dirty="0"/>
+              <a:t>Connecting the physical space with the information space</a:t>
+            </a:r>
+            <a:endParaRPr lang="de-CH" dirty="0"/>
+          </a:p>
+        </p:txBody>
+      </p:sp>
     </p:spTree>
     <p:extLst>
       <p:ext uri="{BB962C8B-B14F-4D97-AF65-F5344CB8AC3E}">
-        <p14:creationId xmlns:p14="http://schemas.microsoft.com/office/powerpoint/2010/main" val="1906082872"/>
+        <p14:creationId xmlns:p14="http://schemas.microsoft.com/office/powerpoint/2010/main" val="3418579470"/>
       </p:ext>
     </p:extLst>
   </p:cSld>
@@ -3365,689 +3410,7 @@
 </p:sld>
 </file>
 
-<file path=ppt/slides/slide2.xml><?xml version="1.0" encoding="utf-8"?>
-<p:sld xmlns:a="http://schemas.openxmlformats.org/drawingml/2006/main" xmlns:r="http://schemas.openxmlformats.org/officeDocument/2006/relationships" xmlns:p="http://schemas.openxmlformats.org/presentationml/2006/main">
-  <p:cSld>
-    <p:spTree>
-      <p:nvGrpSpPr>
-        <p:cNvPr id="1" name=""/>
-        <p:cNvGrpSpPr/>
-        <p:nvPr/>
-      </p:nvGrpSpPr>
-      <p:grpSpPr>
-        <a:xfrm>
-          <a:off x="0" y="0"/>
-          <a:ext cx="0" cy="0"/>
-          <a:chOff x="0" y="0"/>
-          <a:chExt cx="0" cy="0"/>
-        </a:xfrm>
-      </p:grpSpPr>
-      <p:sp>
-        <p:nvSpPr>
-          <p:cNvPr id="2" name="Titel 1"/>
-          <p:cNvSpPr>
-            <a:spLocks noGrp="1"/>
-          </p:cNvSpPr>
-          <p:nvPr>
-            <p:ph type="ctrTitle"/>
-          </p:nvPr>
-        </p:nvSpPr>
-        <p:spPr/>
-        <p:txBody>
-          <a:bodyPr/>
-          <a:lstStyle/>
-          <a:p>
-            <a:endParaRPr lang="en-US"/>
-          </a:p>
-        </p:txBody>
-      </p:sp>
-      <p:sp>
-        <p:nvSpPr>
-          <p:cNvPr id="3" name="Untertitel 2"/>
-          <p:cNvSpPr>
-            <a:spLocks noGrp="1"/>
-          </p:cNvSpPr>
-          <p:nvPr>
-            <p:ph type="subTitle" idx="1"/>
-          </p:nvPr>
-        </p:nvSpPr>
-        <p:spPr/>
-        <p:txBody>
-          <a:bodyPr/>
-          <a:lstStyle/>
-          <a:p>
-            <a:endParaRPr lang="en-US"/>
-          </a:p>
-        </p:txBody>
-      </p:sp>
-      <p:pic>
-        <p:nvPicPr>
-          <p:cNvPr id="4" name="Bild 3"/>
-          <p:cNvPicPr>
-            <a:picLocks noChangeAspect="1"/>
-          </p:cNvPicPr>
-          <p:nvPr/>
-        </p:nvPicPr>
-        <p:blipFill rotWithShape="1">
-          <a:blip r:embed="rId2"/>
-          <a:srcRect t="5723"/>
-          <a:stretch/>
-        </p:blipFill>
-        <p:spPr>
-          <a:xfrm>
-            <a:off x="1285460" y="389466"/>
-            <a:ext cx="9512577" cy="6415573"/>
-          </a:xfrm>
-          <a:prstGeom prst="rect">
-            <a:avLst/>
-          </a:prstGeom>
-        </p:spPr>
-      </p:pic>
-      <p:sp>
-        <p:nvSpPr>
-          <p:cNvPr id="5" name="Oval 4"/>
-          <p:cNvSpPr/>
-          <p:nvPr/>
-        </p:nvSpPr>
-        <p:spPr>
-          <a:xfrm>
-            <a:off x="5408226" y="2801620"/>
-            <a:ext cx="1296035" cy="1254760"/>
-          </a:xfrm>
-          <a:prstGeom prst="ellipse">
-            <a:avLst/>
-          </a:prstGeom>
-          <a:solidFill>
-            <a:schemeClr val="accent1">
-              <a:alpha val="20000"/>
-            </a:schemeClr>
-          </a:solidFill>
-        </p:spPr>
-        <p:style>
-          <a:lnRef idx="2">
-            <a:schemeClr val="accent1">
-              <a:shade val="50000"/>
-            </a:schemeClr>
-          </a:lnRef>
-          <a:fillRef idx="1">
-            <a:schemeClr val="accent1"/>
-          </a:fillRef>
-          <a:effectRef idx="0">
-            <a:schemeClr val="accent1"/>
-          </a:effectRef>
-          <a:fontRef idx="minor">
-            <a:schemeClr val="lt1"/>
-          </a:fontRef>
-        </p:style>
-        <p:txBody>
-          <a:bodyPr rot="0" spcFirstLastPara="0" vert="horz" wrap="square" lIns="91440" tIns="45720" rIns="91440" bIns="45720" numCol="1" spcCol="0" rtlCol="0" fromWordArt="0" anchor="ctr" anchorCtr="0" forceAA="0" compatLnSpc="1">
-            <a:prstTxWarp prst="textNoShape">
-              <a:avLst/>
-            </a:prstTxWarp>
-            <a:noAutofit/>
-          </a:bodyPr>
-          <a:lstStyle/>
-          <a:p>
-            <a:endParaRPr lang="de-DE"/>
-          </a:p>
-        </p:txBody>
-      </p:sp>
-      <p:sp>
-        <p:nvSpPr>
-          <p:cNvPr id="6" name="Oval 5"/>
-          <p:cNvSpPr/>
-          <p:nvPr/>
-        </p:nvSpPr>
-        <p:spPr>
-          <a:xfrm>
-            <a:off x="4009469" y="3028823"/>
-            <a:ext cx="1296035" cy="1254760"/>
-          </a:xfrm>
-          <a:prstGeom prst="ellipse">
-            <a:avLst/>
-          </a:prstGeom>
-          <a:solidFill>
-            <a:schemeClr val="accent1">
-              <a:alpha val="20000"/>
-            </a:schemeClr>
-          </a:solidFill>
-        </p:spPr>
-        <p:style>
-          <a:lnRef idx="2">
-            <a:schemeClr val="accent1">
-              <a:shade val="50000"/>
-            </a:schemeClr>
-          </a:lnRef>
-          <a:fillRef idx="1">
-            <a:schemeClr val="accent1"/>
-          </a:fillRef>
-          <a:effectRef idx="0">
-            <a:schemeClr val="accent1"/>
-          </a:effectRef>
-          <a:fontRef idx="minor">
-            <a:schemeClr val="lt1"/>
-          </a:fontRef>
-        </p:style>
-        <p:txBody>
-          <a:bodyPr rot="0" spcFirstLastPara="0" vert="horz" wrap="square" lIns="91440" tIns="45720" rIns="91440" bIns="45720" numCol="1" spcCol="0" rtlCol="0" fromWordArt="0" anchor="ctr" anchorCtr="0" forceAA="0" compatLnSpc="1">
-            <a:prstTxWarp prst="textNoShape">
-              <a:avLst/>
-            </a:prstTxWarp>
-            <a:noAutofit/>
-          </a:bodyPr>
-          <a:lstStyle/>
-          <a:p>
-            <a:endParaRPr lang="de-DE"/>
-          </a:p>
-        </p:txBody>
-      </p:sp>
-      <p:sp>
-        <p:nvSpPr>
-          <p:cNvPr id="7" name="Oval 6"/>
-          <p:cNvSpPr/>
-          <p:nvPr/>
-        </p:nvSpPr>
-        <p:spPr>
-          <a:xfrm>
-            <a:off x="2320469" y="2546647"/>
-            <a:ext cx="1296035" cy="1254760"/>
-          </a:xfrm>
-          <a:prstGeom prst="ellipse">
-            <a:avLst/>
-          </a:prstGeom>
-          <a:solidFill>
-            <a:schemeClr val="accent1">
-              <a:alpha val="20000"/>
-            </a:schemeClr>
-          </a:solidFill>
-        </p:spPr>
-        <p:style>
-          <a:lnRef idx="2">
-            <a:schemeClr val="accent1">
-              <a:shade val="50000"/>
-            </a:schemeClr>
-          </a:lnRef>
-          <a:fillRef idx="1">
-            <a:schemeClr val="accent1"/>
-          </a:fillRef>
-          <a:effectRef idx="0">
-            <a:schemeClr val="accent1"/>
-          </a:effectRef>
-          <a:fontRef idx="minor">
-            <a:schemeClr val="lt1"/>
-          </a:fontRef>
-        </p:style>
-        <p:txBody>
-          <a:bodyPr rot="0" spcFirstLastPara="0" vert="horz" wrap="square" lIns="91440" tIns="45720" rIns="91440" bIns="45720" numCol="1" spcCol="0" rtlCol="0" fromWordArt="0" anchor="ctr" anchorCtr="0" forceAA="0" compatLnSpc="1">
-            <a:prstTxWarp prst="textNoShape">
-              <a:avLst/>
-            </a:prstTxWarp>
-            <a:noAutofit/>
-          </a:bodyPr>
-          <a:lstStyle/>
-          <a:p>
-            <a:endParaRPr lang="de-DE"/>
-          </a:p>
-        </p:txBody>
-      </p:sp>
-      <p:sp>
-        <p:nvSpPr>
-          <p:cNvPr id="8" name="Oval 7"/>
-          <p:cNvSpPr/>
-          <p:nvPr/>
-        </p:nvSpPr>
-        <p:spPr>
-          <a:xfrm>
-            <a:off x="7790972" y="1832831"/>
-            <a:ext cx="1296035" cy="1254760"/>
-          </a:xfrm>
-          <a:prstGeom prst="ellipse">
-            <a:avLst/>
-          </a:prstGeom>
-          <a:solidFill>
-            <a:schemeClr val="accent1">
-              <a:alpha val="20000"/>
-            </a:schemeClr>
-          </a:solidFill>
-        </p:spPr>
-        <p:style>
-          <a:lnRef idx="2">
-            <a:schemeClr val="accent1">
-              <a:shade val="50000"/>
-            </a:schemeClr>
-          </a:lnRef>
-          <a:fillRef idx="1">
-            <a:schemeClr val="accent1"/>
-          </a:fillRef>
-          <a:effectRef idx="0">
-            <a:schemeClr val="accent1"/>
-          </a:effectRef>
-          <a:fontRef idx="minor">
-            <a:schemeClr val="lt1"/>
-          </a:fontRef>
-        </p:style>
-        <p:txBody>
-          <a:bodyPr rot="0" spcFirstLastPara="0" vert="horz" wrap="square" lIns="91440" tIns="45720" rIns="91440" bIns="45720" numCol="1" spcCol="0" rtlCol="0" fromWordArt="0" anchor="ctr" anchorCtr="0" forceAA="0" compatLnSpc="1">
-            <a:prstTxWarp prst="textNoShape">
-              <a:avLst/>
-            </a:prstTxWarp>
-            <a:noAutofit/>
-          </a:bodyPr>
-          <a:lstStyle/>
-          <a:p>
-            <a:endParaRPr lang="de-DE"/>
-          </a:p>
-        </p:txBody>
-      </p:sp>
-      <p:sp>
-        <p:nvSpPr>
-          <p:cNvPr id="9" name="Oval 8"/>
-          <p:cNvSpPr/>
-          <p:nvPr/>
-        </p:nvSpPr>
-        <p:spPr>
-          <a:xfrm>
-            <a:off x="2761774" y="4000776"/>
-            <a:ext cx="1296035" cy="1254760"/>
-          </a:xfrm>
-          <a:prstGeom prst="ellipse">
-            <a:avLst/>
-          </a:prstGeom>
-          <a:solidFill>
-            <a:schemeClr val="accent1">
-              <a:alpha val="20000"/>
-            </a:schemeClr>
-          </a:solidFill>
-        </p:spPr>
-        <p:style>
-          <a:lnRef idx="2">
-            <a:schemeClr val="accent1">
-              <a:shade val="50000"/>
-            </a:schemeClr>
-          </a:lnRef>
-          <a:fillRef idx="1">
-            <a:schemeClr val="accent1"/>
-          </a:fillRef>
-          <a:effectRef idx="0">
-            <a:schemeClr val="accent1"/>
-          </a:effectRef>
-          <a:fontRef idx="minor">
-            <a:schemeClr val="lt1"/>
-          </a:fontRef>
-        </p:style>
-        <p:txBody>
-          <a:bodyPr rot="0" spcFirstLastPara="0" vert="horz" wrap="square" lIns="91440" tIns="45720" rIns="91440" bIns="45720" numCol="1" spcCol="0" rtlCol="0" fromWordArt="0" anchor="ctr" anchorCtr="0" forceAA="0" compatLnSpc="1">
-            <a:prstTxWarp prst="textNoShape">
-              <a:avLst/>
-            </a:prstTxWarp>
-            <a:noAutofit/>
-          </a:bodyPr>
-          <a:lstStyle/>
-          <a:p>
-            <a:endParaRPr lang="de-DE"/>
-          </a:p>
-        </p:txBody>
-      </p:sp>
-      <p:sp>
-        <p:nvSpPr>
-          <p:cNvPr id="10" name="Oval 9"/>
-          <p:cNvSpPr/>
-          <p:nvPr/>
-        </p:nvSpPr>
-        <p:spPr>
-          <a:xfrm>
-            <a:off x="7018365" y="4429919"/>
-            <a:ext cx="1296035" cy="1254760"/>
-          </a:xfrm>
-          <a:prstGeom prst="ellipse">
-            <a:avLst/>
-          </a:prstGeom>
-          <a:solidFill>
-            <a:schemeClr val="accent1">
-              <a:alpha val="20000"/>
-            </a:schemeClr>
-          </a:solidFill>
-        </p:spPr>
-        <p:style>
-          <a:lnRef idx="2">
-            <a:schemeClr val="accent1">
-              <a:shade val="50000"/>
-            </a:schemeClr>
-          </a:lnRef>
-          <a:fillRef idx="1">
-            <a:schemeClr val="accent1"/>
-          </a:fillRef>
-          <a:effectRef idx="0">
-            <a:schemeClr val="accent1"/>
-          </a:effectRef>
-          <a:fontRef idx="minor">
-            <a:schemeClr val="lt1"/>
-          </a:fontRef>
-        </p:style>
-        <p:txBody>
-          <a:bodyPr rot="0" spcFirstLastPara="0" vert="horz" wrap="square" lIns="91440" tIns="45720" rIns="91440" bIns="45720" numCol="1" spcCol="0" rtlCol="0" fromWordArt="0" anchor="ctr" anchorCtr="0" forceAA="0" compatLnSpc="1">
-            <a:prstTxWarp prst="textNoShape">
-              <a:avLst/>
-            </a:prstTxWarp>
-            <a:noAutofit/>
-          </a:bodyPr>
-          <a:lstStyle/>
-          <a:p>
-            <a:endParaRPr lang="de-DE"/>
-          </a:p>
-        </p:txBody>
-      </p:sp>
-      <p:sp>
-        <p:nvSpPr>
-          <p:cNvPr id="11" name="Oval 10"/>
-          <p:cNvSpPr/>
-          <p:nvPr/>
-        </p:nvSpPr>
-        <p:spPr>
-          <a:xfrm>
-            <a:off x="6744017" y="2649220"/>
-            <a:ext cx="1296035" cy="1254760"/>
-          </a:xfrm>
-          <a:prstGeom prst="ellipse">
-            <a:avLst/>
-          </a:prstGeom>
-          <a:solidFill>
-            <a:schemeClr val="accent1">
-              <a:alpha val="20000"/>
-            </a:schemeClr>
-          </a:solidFill>
-        </p:spPr>
-        <p:style>
-          <a:lnRef idx="2">
-            <a:schemeClr val="accent1">
-              <a:shade val="50000"/>
-            </a:schemeClr>
-          </a:lnRef>
-          <a:fillRef idx="1">
-            <a:schemeClr val="accent1"/>
-          </a:fillRef>
-          <a:effectRef idx="0">
-            <a:schemeClr val="accent1"/>
-          </a:effectRef>
-          <a:fontRef idx="minor">
-            <a:schemeClr val="lt1"/>
-          </a:fontRef>
-        </p:style>
-        <p:txBody>
-          <a:bodyPr rot="0" spcFirstLastPara="0" vert="horz" wrap="square" lIns="91440" tIns="45720" rIns="91440" bIns="45720" numCol="1" spcCol="0" rtlCol="0" fromWordArt="0" anchor="ctr" anchorCtr="0" forceAA="0" compatLnSpc="1">
-            <a:prstTxWarp prst="textNoShape">
-              <a:avLst/>
-            </a:prstTxWarp>
-            <a:noAutofit/>
-          </a:bodyPr>
-          <a:lstStyle/>
-          <a:p>
-            <a:endParaRPr lang="de-DE"/>
-          </a:p>
-        </p:txBody>
-      </p:sp>
-      <p:sp>
-        <p:nvSpPr>
-          <p:cNvPr id="12" name="Oval 11"/>
-          <p:cNvSpPr/>
-          <p:nvPr/>
-        </p:nvSpPr>
-        <p:spPr>
-          <a:xfrm>
-            <a:off x="2191930" y="5349875"/>
-            <a:ext cx="1296035" cy="1254760"/>
-          </a:xfrm>
-          <a:prstGeom prst="ellipse">
-            <a:avLst/>
-          </a:prstGeom>
-          <a:solidFill>
-            <a:schemeClr val="accent1">
-              <a:alpha val="20000"/>
-            </a:schemeClr>
-          </a:solidFill>
-        </p:spPr>
-        <p:style>
-          <a:lnRef idx="2">
-            <a:schemeClr val="accent1">
-              <a:shade val="50000"/>
-            </a:schemeClr>
-          </a:lnRef>
-          <a:fillRef idx="1">
-            <a:schemeClr val="accent1"/>
-          </a:fillRef>
-          <a:effectRef idx="0">
-            <a:schemeClr val="accent1"/>
-          </a:effectRef>
-          <a:fontRef idx="minor">
-            <a:schemeClr val="lt1"/>
-          </a:fontRef>
-        </p:style>
-        <p:txBody>
-          <a:bodyPr rot="0" spcFirstLastPara="0" vert="horz" wrap="square" lIns="91440" tIns="45720" rIns="91440" bIns="45720" numCol="1" spcCol="0" rtlCol="0" fromWordArt="0" anchor="ctr" anchorCtr="0" forceAA="0" compatLnSpc="1">
-            <a:prstTxWarp prst="textNoShape">
-              <a:avLst/>
-            </a:prstTxWarp>
-            <a:noAutofit/>
-          </a:bodyPr>
-          <a:lstStyle/>
-          <a:p>
-            <a:endParaRPr lang="de-DE"/>
-          </a:p>
-        </p:txBody>
-      </p:sp>
-      <p:sp>
-        <p:nvSpPr>
-          <p:cNvPr id="13" name="Oval 12"/>
-          <p:cNvSpPr/>
-          <p:nvPr/>
-        </p:nvSpPr>
-        <p:spPr>
-          <a:xfrm>
-            <a:off x="4664765" y="4619342"/>
-            <a:ext cx="1296035" cy="1254760"/>
-          </a:xfrm>
-          <a:prstGeom prst="ellipse">
-            <a:avLst/>
-          </a:prstGeom>
-          <a:solidFill>
-            <a:schemeClr val="accent1">
-              <a:alpha val="20000"/>
-            </a:schemeClr>
-          </a:solidFill>
-        </p:spPr>
-        <p:style>
-          <a:lnRef idx="2">
-            <a:schemeClr val="accent1">
-              <a:shade val="50000"/>
-            </a:schemeClr>
-          </a:lnRef>
-          <a:fillRef idx="1">
-            <a:schemeClr val="accent1"/>
-          </a:fillRef>
-          <a:effectRef idx="0">
-            <a:schemeClr val="accent1"/>
-          </a:effectRef>
-          <a:fontRef idx="minor">
-            <a:schemeClr val="lt1"/>
-          </a:fontRef>
-        </p:style>
-        <p:txBody>
-          <a:bodyPr rot="0" spcFirstLastPara="0" vert="horz" wrap="square" lIns="91440" tIns="45720" rIns="91440" bIns="45720" numCol="1" spcCol="0" rtlCol="0" fromWordArt="0" anchor="ctr" anchorCtr="0" forceAA="0" compatLnSpc="1">
-            <a:prstTxWarp prst="textNoShape">
-              <a:avLst/>
-            </a:prstTxWarp>
-            <a:noAutofit/>
-          </a:bodyPr>
-          <a:lstStyle/>
-          <a:p>
-            <a:endParaRPr lang="de-DE"/>
-          </a:p>
-        </p:txBody>
-      </p:sp>
-      <p:sp>
-        <p:nvSpPr>
-          <p:cNvPr id="14" name="Oval 13"/>
-          <p:cNvSpPr/>
-          <p:nvPr/>
-        </p:nvSpPr>
-        <p:spPr>
-          <a:xfrm>
-            <a:off x="2320468" y="1207125"/>
-            <a:ext cx="1296035" cy="1254760"/>
-          </a:xfrm>
-          <a:prstGeom prst="ellipse">
-            <a:avLst/>
-          </a:prstGeom>
-          <a:solidFill>
-            <a:schemeClr val="accent1">
-              <a:alpha val="20000"/>
-            </a:schemeClr>
-          </a:solidFill>
-        </p:spPr>
-        <p:style>
-          <a:lnRef idx="2">
-            <a:schemeClr val="accent1">
-              <a:shade val="50000"/>
-            </a:schemeClr>
-          </a:lnRef>
-          <a:fillRef idx="1">
-            <a:schemeClr val="accent1"/>
-          </a:fillRef>
-          <a:effectRef idx="0">
-            <a:schemeClr val="accent1"/>
-          </a:effectRef>
-          <a:fontRef idx="minor">
-            <a:schemeClr val="lt1"/>
-          </a:fontRef>
-        </p:style>
-        <p:txBody>
-          <a:bodyPr rot="0" spcFirstLastPara="0" vert="horz" wrap="square" lIns="91440" tIns="45720" rIns="91440" bIns="45720" numCol="1" spcCol="0" rtlCol="0" fromWordArt="0" anchor="ctr" anchorCtr="0" forceAA="0" compatLnSpc="1">
-            <a:prstTxWarp prst="textNoShape">
-              <a:avLst/>
-            </a:prstTxWarp>
-            <a:noAutofit/>
-          </a:bodyPr>
-          <a:lstStyle/>
-          <a:p>
-            <a:endParaRPr lang="de-DE"/>
-          </a:p>
-        </p:txBody>
-      </p:sp>
-    </p:spTree>
-    <p:extLst>
-      <p:ext uri="{BB962C8B-B14F-4D97-AF65-F5344CB8AC3E}">
-        <p14:creationId xmlns:p14="http://schemas.microsoft.com/office/powerpoint/2010/main" val="686632633"/>
-      </p:ext>
-    </p:extLst>
-  </p:cSld>
-  <p:clrMapOvr>
-    <a:masterClrMapping/>
-  </p:clrMapOvr>
-</p:sld>
-</file>
-
-<file path=ppt/slides/slide3.xml><?xml version="1.0" encoding="utf-8"?>
-<p:sld xmlns:a="http://schemas.openxmlformats.org/drawingml/2006/main" xmlns:r="http://schemas.openxmlformats.org/officeDocument/2006/relationships" xmlns:p="http://schemas.openxmlformats.org/presentationml/2006/main">
-  <p:cSld>
-    <p:spTree>
-      <p:nvGrpSpPr>
-        <p:cNvPr id="1" name=""/>
-        <p:cNvGrpSpPr/>
-        <p:nvPr/>
-      </p:nvGrpSpPr>
-      <p:grpSpPr>
-        <a:xfrm>
-          <a:off x="0" y="0"/>
-          <a:ext cx="0" cy="0"/>
-          <a:chOff x="0" y="0"/>
-          <a:chExt cx="0" cy="0"/>
-        </a:xfrm>
-      </p:grpSpPr>
-      <p:sp>
-        <p:nvSpPr>
-          <p:cNvPr id="2" name="Titel 1"/>
-          <p:cNvSpPr>
-            <a:spLocks noGrp="1"/>
-          </p:cNvSpPr>
-          <p:nvPr>
-            <p:ph type="title"/>
-          </p:nvPr>
-        </p:nvSpPr>
-        <p:spPr/>
-        <p:txBody>
-          <a:bodyPr/>
-          <a:lstStyle/>
-          <a:p>
-            <a:r>
-              <a:rPr lang="en-US" dirty="0" smtClean="0"/>
-              <a:t>Notification Preferences</a:t>
-            </a:r>
-            <a:endParaRPr lang="en-US" dirty="0"/>
-          </a:p>
-        </p:txBody>
-      </p:sp>
-      <p:pic>
-        <p:nvPicPr>
-          <p:cNvPr id="4" name="Bild 3"/>
-          <p:cNvPicPr>
-            <a:picLocks noChangeAspect="1"/>
-          </p:cNvPicPr>
-          <p:nvPr/>
-        </p:nvPicPr>
-        <p:blipFill>
-          <a:blip r:embed="rId2"/>
-          <a:stretch>
-            <a:fillRect/>
-          </a:stretch>
-        </p:blipFill>
-        <p:spPr>
-          <a:xfrm>
-            <a:off x="838199" y="1825625"/>
-            <a:ext cx="4575483" cy="3753540"/>
-          </a:xfrm>
-          <a:prstGeom prst="rect">
-            <a:avLst/>
-          </a:prstGeom>
-        </p:spPr>
-      </p:pic>
-      <p:pic>
-        <p:nvPicPr>
-          <p:cNvPr id="5" name="Bild 4"/>
-          <p:cNvPicPr>
-            <a:picLocks noChangeAspect="1"/>
-          </p:cNvPicPr>
-          <p:nvPr/>
-        </p:nvPicPr>
-        <p:blipFill>
-          <a:blip r:embed="rId3"/>
-          <a:stretch>
-            <a:fillRect/>
-          </a:stretch>
-        </p:blipFill>
-        <p:spPr>
-          <a:xfrm>
-            <a:off x="6641326" y="1825625"/>
-            <a:ext cx="4712474" cy="3753540"/>
-          </a:xfrm>
-          <a:prstGeom prst="rect">
-            <a:avLst/>
-          </a:prstGeom>
-        </p:spPr>
-      </p:pic>
-    </p:spTree>
-    <p:extLst>
-      <p:ext uri="{BB962C8B-B14F-4D97-AF65-F5344CB8AC3E}">
-        <p14:creationId xmlns:p14="http://schemas.microsoft.com/office/powerpoint/2010/main" val="504889330"/>
-      </p:ext>
-    </p:extLst>
-  </p:cSld>
-  <p:clrMapOvr>
-    <a:masterClrMapping/>
-  </p:clrMapOvr>
-</p:sld>
-</file>
-
-<file path=ppt/slides/slide4.xml><?xml version="1.0" encoding="utf-8"?>
+<file path=ppt/slides/slide10.xml><?xml version="1.0" encoding="utf-8"?>
 <p:sld xmlns:a="http://schemas.openxmlformats.org/drawingml/2006/main" xmlns:r="http://schemas.openxmlformats.org/officeDocument/2006/relationships" xmlns:p="http://schemas.openxmlformats.org/presentationml/2006/main">
   <p:cSld>
     <p:spTree>
@@ -4551,6 +3914,818 @@
 </p:sld>
 </file>
 
+<file path=ppt/slides/slide11.xml><?xml version="1.0" encoding="utf-8"?>
+<p:sld xmlns:a="http://schemas.openxmlformats.org/drawingml/2006/main" xmlns:r="http://schemas.openxmlformats.org/officeDocument/2006/relationships" xmlns:p="http://schemas.openxmlformats.org/presentationml/2006/main">
+  <p:cSld>
+    <p:spTree>
+      <p:nvGrpSpPr>
+        <p:cNvPr id="1" name=""/>
+        <p:cNvGrpSpPr/>
+        <p:nvPr/>
+      </p:nvGrpSpPr>
+      <p:grpSpPr>
+        <a:xfrm>
+          <a:off x="0" y="0"/>
+          <a:ext cx="0" cy="0"/>
+          <a:chOff x="0" y="0"/>
+          <a:chExt cx="0" cy="0"/>
+        </a:xfrm>
+      </p:grpSpPr>
+      <p:sp>
+        <p:nvSpPr>
+          <p:cNvPr id="2" name="Titel 1"/>
+          <p:cNvSpPr>
+            <a:spLocks noGrp="1"/>
+          </p:cNvSpPr>
+          <p:nvPr>
+            <p:ph type="ctrTitle"/>
+          </p:nvPr>
+        </p:nvSpPr>
+        <p:spPr/>
+        <p:txBody>
+          <a:bodyPr/>
+          <a:lstStyle/>
+          <a:p>
+            <a:endParaRPr lang="en-US"/>
+          </a:p>
+        </p:txBody>
+      </p:sp>
+      <p:sp>
+        <p:nvSpPr>
+          <p:cNvPr id="3" name="Untertitel 2"/>
+          <p:cNvSpPr>
+            <a:spLocks noGrp="1"/>
+          </p:cNvSpPr>
+          <p:nvPr>
+            <p:ph type="subTitle" idx="1"/>
+          </p:nvPr>
+        </p:nvSpPr>
+        <p:spPr/>
+        <p:txBody>
+          <a:bodyPr/>
+          <a:lstStyle/>
+          <a:p>
+            <a:endParaRPr lang="en-US"/>
+          </a:p>
+        </p:txBody>
+      </p:sp>
+      <p:pic>
+        <p:nvPicPr>
+          <p:cNvPr id="4" name="Bild 3"/>
+          <p:cNvPicPr>
+            <a:picLocks noChangeAspect="1"/>
+          </p:cNvPicPr>
+          <p:nvPr/>
+        </p:nvPicPr>
+        <p:blipFill rotWithShape="1">
+          <a:blip r:embed="rId2"/>
+          <a:srcRect t="5226"/>
+          <a:stretch/>
+        </p:blipFill>
+        <p:spPr>
+          <a:xfrm>
+            <a:off x="1285460" y="355600"/>
+            <a:ext cx="9512577" cy="6449440"/>
+          </a:xfrm>
+          <a:prstGeom prst="rect">
+            <a:avLst/>
+          </a:prstGeom>
+        </p:spPr>
+      </p:pic>
+      <p:pic>
+        <p:nvPicPr>
+          <p:cNvPr id="30" name="Bild 29"/>
+          <p:cNvPicPr>
+            <a:picLocks noChangeAspect="1"/>
+          </p:cNvPicPr>
+          <p:nvPr/>
+        </p:nvPicPr>
+        <p:blipFill>
+          <a:blip r:embed="rId3"/>
+          <a:stretch>
+            <a:fillRect/>
+          </a:stretch>
+        </p:blipFill>
+        <p:spPr>
+          <a:xfrm>
+            <a:off x="2459401" y="5755287"/>
+            <a:ext cx="734372" cy="730527"/>
+          </a:xfrm>
+          <a:prstGeom prst="rect">
+            <a:avLst/>
+          </a:prstGeom>
+          <a:ln w="127000">
+            <a:solidFill>
+              <a:schemeClr val="accent5">
+                <a:lumMod val="75000"/>
+              </a:schemeClr>
+            </a:solidFill>
+          </a:ln>
+        </p:spPr>
+      </p:pic>
+      <p:sp>
+        <p:nvSpPr>
+          <p:cNvPr id="21" name="Oval 20"/>
+          <p:cNvSpPr/>
+          <p:nvPr/>
+        </p:nvSpPr>
+        <p:spPr>
+          <a:xfrm>
+            <a:off x="2320469" y="2546647"/>
+            <a:ext cx="1296035" cy="1254760"/>
+          </a:xfrm>
+          <a:prstGeom prst="ellipse">
+            <a:avLst/>
+          </a:prstGeom>
+          <a:solidFill>
+            <a:schemeClr val="accent1">
+              <a:alpha val="20000"/>
+            </a:schemeClr>
+          </a:solidFill>
+        </p:spPr>
+        <p:style>
+          <a:lnRef idx="2">
+            <a:schemeClr val="accent1">
+              <a:shade val="50000"/>
+            </a:schemeClr>
+          </a:lnRef>
+          <a:fillRef idx="1">
+            <a:schemeClr val="accent1"/>
+          </a:fillRef>
+          <a:effectRef idx="0">
+            <a:schemeClr val="accent1"/>
+          </a:effectRef>
+          <a:fontRef idx="minor">
+            <a:schemeClr val="lt1"/>
+          </a:fontRef>
+        </p:style>
+        <p:txBody>
+          <a:bodyPr rot="0" spcFirstLastPara="0" vert="horz" wrap="square" lIns="91440" tIns="45720" rIns="91440" bIns="45720" numCol="1" spcCol="0" rtlCol="0" fromWordArt="0" anchor="ctr" anchorCtr="0" forceAA="0" compatLnSpc="1">
+            <a:prstTxWarp prst="textNoShape">
+              <a:avLst/>
+            </a:prstTxWarp>
+            <a:noAutofit/>
+          </a:bodyPr>
+          <a:lstStyle/>
+          <a:p>
+            <a:endParaRPr lang="de-DE"/>
+          </a:p>
+        </p:txBody>
+      </p:sp>
+      <p:pic>
+        <p:nvPicPr>
+          <p:cNvPr id="22" name="Bild 21"/>
+          <p:cNvPicPr>
+            <a:picLocks noChangeAspect="1"/>
+          </p:cNvPicPr>
+          <p:nvPr/>
+        </p:nvPicPr>
+        <p:blipFill>
+          <a:blip r:embed="rId3"/>
+          <a:stretch>
+            <a:fillRect/>
+          </a:stretch>
+        </p:blipFill>
+        <p:spPr>
+          <a:xfrm>
+            <a:off x="7911935" y="757099"/>
+            <a:ext cx="734372" cy="730527"/>
+          </a:xfrm>
+          <a:prstGeom prst="rect">
+            <a:avLst/>
+          </a:prstGeom>
+          <a:solidFill>
+            <a:schemeClr val="bg1"/>
+          </a:solidFill>
+          <a:ln w="127000">
+            <a:solidFill>
+              <a:srgbClr val="00B050"/>
+            </a:solidFill>
+          </a:ln>
+        </p:spPr>
+      </p:pic>
+      <p:sp>
+        <p:nvSpPr>
+          <p:cNvPr id="6" name="Rechteck 5"/>
+          <p:cNvSpPr/>
+          <p:nvPr/>
+        </p:nvSpPr>
+        <p:spPr>
+          <a:xfrm>
+            <a:off x="4284137" y="3875227"/>
+            <a:ext cx="6412302" cy="2830375"/>
+          </a:xfrm>
+          <a:prstGeom prst="rect">
+            <a:avLst/>
+          </a:prstGeom>
+          <a:solidFill>
+            <a:schemeClr val="tx1"/>
+          </a:solidFill>
+        </p:spPr>
+        <p:style>
+          <a:lnRef idx="2">
+            <a:schemeClr val="accent1">
+              <a:shade val="50000"/>
+            </a:schemeClr>
+          </a:lnRef>
+          <a:fillRef idx="1">
+            <a:schemeClr val="accent1"/>
+          </a:fillRef>
+          <a:effectRef idx="0">
+            <a:schemeClr val="accent1"/>
+          </a:effectRef>
+          <a:fontRef idx="minor">
+            <a:schemeClr val="lt1"/>
+          </a:fontRef>
+        </p:style>
+        <p:txBody>
+          <a:bodyPr rtlCol="0" anchor="ctr"/>
+          <a:lstStyle/>
+          <a:p>
+            <a:pPr algn="ctr"/>
+            <a:endParaRPr lang="en-US"/>
+          </a:p>
+        </p:txBody>
+      </p:sp>
+      <p:pic>
+        <p:nvPicPr>
+          <p:cNvPr id="5" name="Bild 4"/>
+          <p:cNvPicPr>
+            <a:picLocks noChangeAspect="1"/>
+          </p:cNvPicPr>
+          <p:nvPr/>
+        </p:nvPicPr>
+        <p:blipFill>
+          <a:blip r:embed="rId4"/>
+          <a:stretch>
+            <a:fillRect/>
+          </a:stretch>
+        </p:blipFill>
+        <p:spPr>
+          <a:xfrm>
+            <a:off x="4402668" y="4061840"/>
+            <a:ext cx="6197600" cy="2743200"/>
+          </a:xfrm>
+          <a:prstGeom prst="rect">
+            <a:avLst/>
+          </a:prstGeom>
+        </p:spPr>
+      </p:pic>
+    </p:spTree>
+    <p:extLst>
+      <p:ext uri="{BB962C8B-B14F-4D97-AF65-F5344CB8AC3E}">
+        <p14:creationId xmlns:p14="http://schemas.microsoft.com/office/powerpoint/2010/main" val="933599951"/>
+      </p:ext>
+    </p:extLst>
+  </p:cSld>
+  <p:clrMapOvr>
+    <a:masterClrMapping/>
+  </p:clrMapOvr>
+</p:sld>
+</file>
+
+<file path=ppt/slides/slide12.xml><?xml version="1.0" encoding="utf-8"?>
+<p:sld xmlns:a="http://schemas.openxmlformats.org/drawingml/2006/main" xmlns:r="http://schemas.openxmlformats.org/officeDocument/2006/relationships" xmlns:p="http://schemas.openxmlformats.org/presentationml/2006/main">
+  <p:cSld>
+    <p:spTree>
+      <p:nvGrpSpPr>
+        <p:cNvPr id="1" name=""/>
+        <p:cNvGrpSpPr/>
+        <p:nvPr/>
+      </p:nvGrpSpPr>
+      <p:grpSpPr>
+        <a:xfrm>
+          <a:off x="0" y="0"/>
+          <a:ext cx="0" cy="0"/>
+          <a:chOff x="0" y="0"/>
+          <a:chExt cx="0" cy="0"/>
+        </a:xfrm>
+      </p:grpSpPr>
+      <p:sp>
+        <p:nvSpPr>
+          <p:cNvPr id="2" name="Titel 1"/>
+          <p:cNvSpPr>
+            <a:spLocks noGrp="1"/>
+          </p:cNvSpPr>
+          <p:nvPr>
+            <p:ph type="title"/>
+          </p:nvPr>
+        </p:nvSpPr>
+        <p:spPr/>
+        <p:txBody>
+          <a:bodyPr/>
+          <a:lstStyle/>
+          <a:p>
+            <a:endParaRPr lang="en-US"/>
+          </a:p>
+        </p:txBody>
+      </p:sp>
+      <p:sp>
+        <p:nvSpPr>
+          <p:cNvPr id="3" name="Inhaltsplatzhalter 2"/>
+          <p:cNvSpPr>
+            <a:spLocks noGrp="1"/>
+          </p:cNvSpPr>
+          <p:nvPr>
+            <p:ph idx="1"/>
+          </p:nvPr>
+        </p:nvSpPr>
+        <p:spPr/>
+        <p:txBody>
+          <a:bodyPr/>
+          <a:lstStyle/>
+          <a:p>
+            <a:endParaRPr lang="en-US" dirty="0"/>
+          </a:p>
+        </p:txBody>
+      </p:sp>
+    </p:spTree>
+    <p:extLst>
+      <p:ext uri="{BB962C8B-B14F-4D97-AF65-F5344CB8AC3E}">
+        <p14:creationId xmlns:p14="http://schemas.microsoft.com/office/powerpoint/2010/main" val="1472641318"/>
+      </p:ext>
+    </p:extLst>
+  </p:cSld>
+  <p:clrMapOvr>
+    <a:masterClrMapping/>
+  </p:clrMapOvr>
+</p:sld>
+</file>
+
+<file path=ppt/slides/slide13.xml><?xml version="1.0" encoding="utf-8"?>
+<p:sld xmlns:a="http://schemas.openxmlformats.org/drawingml/2006/main" xmlns:r="http://schemas.openxmlformats.org/officeDocument/2006/relationships" xmlns:p="http://schemas.openxmlformats.org/presentationml/2006/main">
+  <p:cSld>
+    <p:spTree>
+      <p:nvGrpSpPr>
+        <p:cNvPr id="1" name=""/>
+        <p:cNvGrpSpPr/>
+        <p:nvPr/>
+      </p:nvGrpSpPr>
+      <p:grpSpPr>
+        <a:xfrm>
+          <a:off x="0" y="0"/>
+          <a:ext cx="0" cy="0"/>
+          <a:chOff x="0" y="0"/>
+          <a:chExt cx="0" cy="0"/>
+        </a:xfrm>
+      </p:grpSpPr>
+      <p:pic>
+        <p:nvPicPr>
+          <p:cNvPr id="4" name="Bild 3"/>
+          <p:cNvPicPr>
+            <a:picLocks noChangeAspect="1"/>
+          </p:cNvPicPr>
+          <p:nvPr/>
+        </p:nvPicPr>
+        <p:blipFill>
+          <a:blip r:embed="rId2"/>
+          <a:stretch>
+            <a:fillRect/>
+          </a:stretch>
+        </p:blipFill>
+        <p:spPr>
+          <a:xfrm>
+            <a:off x="1924050" y="444500"/>
+            <a:ext cx="8343900" cy="5969000"/>
+          </a:xfrm>
+          <a:prstGeom prst="rect">
+            <a:avLst/>
+          </a:prstGeom>
+        </p:spPr>
+      </p:pic>
+    </p:spTree>
+    <p:extLst>
+      <p:ext uri="{BB962C8B-B14F-4D97-AF65-F5344CB8AC3E}">
+        <p14:creationId xmlns:p14="http://schemas.microsoft.com/office/powerpoint/2010/main" val="1521267405"/>
+      </p:ext>
+    </p:extLst>
+  </p:cSld>
+  <p:clrMapOvr>
+    <a:masterClrMapping/>
+  </p:clrMapOvr>
+</p:sld>
+</file>
+
+<file path=ppt/slides/slide14.xml><?xml version="1.0" encoding="utf-8"?>
+<p:sld xmlns:a="http://schemas.openxmlformats.org/drawingml/2006/main" xmlns:r="http://schemas.openxmlformats.org/officeDocument/2006/relationships" xmlns:p="http://schemas.openxmlformats.org/presentationml/2006/main">
+  <p:cSld>
+    <p:spTree>
+      <p:nvGrpSpPr>
+        <p:cNvPr id="1" name=""/>
+        <p:cNvGrpSpPr/>
+        <p:nvPr/>
+      </p:nvGrpSpPr>
+      <p:grpSpPr>
+        <a:xfrm>
+          <a:off x="0" y="0"/>
+          <a:ext cx="0" cy="0"/>
+          <a:chOff x="0" y="0"/>
+          <a:chExt cx="0" cy="0"/>
+        </a:xfrm>
+      </p:grpSpPr>
+      <p:pic>
+        <p:nvPicPr>
+          <p:cNvPr id="4" name="Bild 3"/>
+          <p:cNvPicPr>
+            <a:picLocks noChangeAspect="1"/>
+          </p:cNvPicPr>
+          <p:nvPr/>
+        </p:nvPicPr>
+        <p:blipFill>
+          <a:blip r:embed="rId2"/>
+          <a:stretch>
+            <a:fillRect/>
+          </a:stretch>
+        </p:blipFill>
+        <p:spPr>
+          <a:xfrm>
+            <a:off x="1924050" y="444500"/>
+            <a:ext cx="8343900" cy="5969000"/>
+          </a:xfrm>
+          <a:prstGeom prst="rect">
+            <a:avLst/>
+          </a:prstGeom>
+        </p:spPr>
+      </p:pic>
+    </p:spTree>
+    <p:extLst>
+      <p:ext uri="{BB962C8B-B14F-4D97-AF65-F5344CB8AC3E}">
+        <p14:creationId xmlns:p14="http://schemas.microsoft.com/office/powerpoint/2010/main" val="974653"/>
+      </p:ext>
+    </p:extLst>
+  </p:cSld>
+  <p:clrMapOvr>
+    <a:masterClrMapping/>
+  </p:clrMapOvr>
+</p:sld>
+</file>
+
+<file path=ppt/slides/slide2.xml><?xml version="1.0" encoding="utf-8"?>
+<p:sld xmlns:a="http://schemas.openxmlformats.org/drawingml/2006/main" xmlns:r="http://schemas.openxmlformats.org/officeDocument/2006/relationships" xmlns:p="http://schemas.openxmlformats.org/presentationml/2006/main">
+  <p:cSld>
+    <p:spTree>
+      <p:nvGrpSpPr>
+        <p:cNvPr id="1" name=""/>
+        <p:cNvGrpSpPr/>
+        <p:nvPr/>
+      </p:nvGrpSpPr>
+      <p:grpSpPr>
+        <a:xfrm>
+          <a:off x="0" y="0"/>
+          <a:ext cx="0" cy="0"/>
+          <a:chOff x="0" y="0"/>
+          <a:chExt cx="0" cy="0"/>
+        </a:xfrm>
+      </p:grpSpPr>
+      <p:sp>
+        <p:nvSpPr>
+          <p:cNvPr id="2" name="Title 1">
+            <a:extLst>
+              <a:ext uri="{FF2B5EF4-FFF2-40B4-BE49-F238E27FC236}">
+                <a16:creationId xmlns:a16="http://schemas.microsoft.com/office/drawing/2014/main" id="{3867B750-685E-4270-AB0D-F1252741CFFC}"/>
+              </a:ext>
+            </a:extLst>
+          </p:cNvPr>
+          <p:cNvSpPr>
+            <a:spLocks noGrp="1"/>
+          </p:cNvSpPr>
+          <p:nvPr>
+            <p:ph type="title"/>
+          </p:nvPr>
+        </p:nvSpPr>
+        <p:spPr/>
+        <p:txBody>
+          <a:bodyPr/>
+          <a:lstStyle/>
+          <a:p>
+            <a:r>
+              <a:rPr lang="en-US" dirty="0"/>
+              <a:t>There are no tourists</a:t>
+            </a:r>
+            <a:endParaRPr lang="de-CH" dirty="0"/>
+          </a:p>
+        </p:txBody>
+      </p:sp>
+      <p:sp>
+        <p:nvSpPr>
+          <p:cNvPr id="3" name="Content Placeholder 2">
+            <a:extLst>
+              <a:ext uri="{FF2B5EF4-FFF2-40B4-BE49-F238E27FC236}">
+                <a16:creationId xmlns:a16="http://schemas.microsoft.com/office/drawing/2014/main" id="{9CA32EE8-EE27-4349-9595-65C7E5F46908}"/>
+              </a:ext>
+            </a:extLst>
+          </p:cNvPr>
+          <p:cNvSpPr>
+            <a:spLocks noGrp="1"/>
+          </p:cNvSpPr>
+          <p:nvPr>
+            <p:ph idx="1"/>
+          </p:nvPr>
+        </p:nvSpPr>
+        <p:spPr/>
+        <p:txBody>
+          <a:bodyPr/>
+          <a:lstStyle/>
+          <a:p>
+            <a:pPr marL="0" indent="0">
+              <a:buNone/>
+            </a:pPr>
+            <a:r>
+              <a:rPr lang="en-US" dirty="0"/>
+              <a:t>Today's tourists </a:t>
+            </a:r>
+            <a:r>
+              <a:rPr lang="en-US" dirty="0" err="1"/>
+              <a:t>arent</a:t>
+            </a:r>
+            <a:r>
+              <a:rPr lang="en-US" dirty="0"/>
+              <a:t> tourists they a </a:t>
+            </a:r>
+            <a:r>
+              <a:rPr lang="en-US" dirty="0" err="1"/>
+              <a:t>webizens</a:t>
+            </a:r>
+            <a:r>
+              <a:rPr lang="en-US" dirty="0"/>
+              <a:t> pilgrimaging and exploring the physical world.</a:t>
+            </a:r>
+          </a:p>
+        </p:txBody>
+      </p:sp>
+    </p:spTree>
+    <p:extLst>
+      <p:ext uri="{BB962C8B-B14F-4D97-AF65-F5344CB8AC3E}">
+        <p14:creationId xmlns:p14="http://schemas.microsoft.com/office/powerpoint/2010/main" val="2854553462"/>
+      </p:ext>
+    </p:extLst>
+  </p:cSld>
+  <p:clrMapOvr>
+    <a:masterClrMapping/>
+  </p:clrMapOvr>
+</p:sld>
+</file>
+
+<file path=ppt/slides/slide3.xml><?xml version="1.0" encoding="utf-8"?>
+<p:sld xmlns:a="http://schemas.openxmlformats.org/drawingml/2006/main" xmlns:r="http://schemas.openxmlformats.org/officeDocument/2006/relationships" xmlns:p="http://schemas.openxmlformats.org/presentationml/2006/main">
+  <p:cSld>
+    <p:spTree>
+      <p:nvGrpSpPr>
+        <p:cNvPr id="1" name=""/>
+        <p:cNvGrpSpPr/>
+        <p:nvPr/>
+      </p:nvGrpSpPr>
+      <p:grpSpPr>
+        <a:xfrm>
+          <a:off x="0" y="0"/>
+          <a:ext cx="0" cy="0"/>
+          <a:chOff x="0" y="0"/>
+          <a:chExt cx="0" cy="0"/>
+        </a:xfrm>
+      </p:grpSpPr>
+      <p:sp>
+        <p:nvSpPr>
+          <p:cNvPr id="2" name="Title 1">
+            <a:extLst>
+              <a:ext uri="{FF2B5EF4-FFF2-40B4-BE49-F238E27FC236}">
+                <a16:creationId xmlns:a16="http://schemas.microsoft.com/office/drawing/2014/main" id="{294855B8-231E-4436-9C8D-B818E47FEC09}"/>
+              </a:ext>
+            </a:extLst>
+          </p:cNvPr>
+          <p:cNvSpPr>
+            <a:spLocks noGrp="1"/>
+          </p:cNvSpPr>
+          <p:nvPr>
+            <p:ph type="title"/>
+          </p:nvPr>
+        </p:nvSpPr>
+        <p:spPr/>
+        <p:txBody>
+          <a:bodyPr/>
+          <a:lstStyle/>
+          <a:p>
+            <a:r>
+              <a:rPr lang="de-CH" b="1" dirty="0"/>
+              <a:t>Technological </a:t>
+            </a:r>
+            <a:r>
+              <a:rPr lang="de-CH" b="1" dirty="0" err="1"/>
+              <a:t>landscape</a:t>
+            </a:r>
+            <a:endParaRPr lang="de-CH" dirty="0"/>
+          </a:p>
+        </p:txBody>
+      </p:sp>
+      <p:sp>
+        <p:nvSpPr>
+          <p:cNvPr id="3" name="Content Placeholder 2">
+            <a:extLst>
+              <a:ext uri="{FF2B5EF4-FFF2-40B4-BE49-F238E27FC236}">
+                <a16:creationId xmlns:a16="http://schemas.microsoft.com/office/drawing/2014/main" id="{2EEEF804-2A07-4576-8666-6A2A22AA3FF2}"/>
+              </a:ext>
+            </a:extLst>
+          </p:cNvPr>
+          <p:cNvSpPr>
+            <a:spLocks noGrp="1"/>
+          </p:cNvSpPr>
+          <p:nvPr>
+            <p:ph idx="1"/>
+          </p:nvPr>
+        </p:nvSpPr>
+        <p:spPr/>
+        <p:txBody>
+          <a:bodyPr/>
+          <a:lstStyle/>
+          <a:p>
+            <a:r>
+              <a:rPr lang="en-US" dirty="0"/>
+              <a:t>From the web of documents to web of data</a:t>
+            </a:r>
+          </a:p>
+          <a:p>
+            <a:r>
+              <a:rPr lang="en-US" dirty="0"/>
+              <a:t>Linked data connecting persons, places, documents, ideas…</a:t>
+            </a:r>
+          </a:p>
+          <a:p>
+            <a:r>
+              <a:rPr lang="en-US" dirty="0"/>
+              <a:t>Virtually infinite amount of connected data</a:t>
+            </a:r>
+          </a:p>
+          <a:p>
+            <a:r>
+              <a:rPr lang="en-US" dirty="0"/>
+              <a:t>Individual interests, preferences and background</a:t>
+            </a:r>
+          </a:p>
+          <a:p>
+            <a:r>
+              <a:rPr lang="en-US" dirty="0"/>
+              <a:t>Geo-Location -&gt; Limitations in buildings</a:t>
+            </a:r>
+          </a:p>
+          <a:p>
+            <a:r>
+              <a:rPr lang="en-US" dirty="0"/>
+              <a:t>Mobile broadband -&gt; Limitations in the wilderness and when roaming</a:t>
+            </a:r>
+          </a:p>
+          <a:p>
+            <a:pPr marL="0" indent="0">
+              <a:buNone/>
+            </a:pPr>
+            <a:r>
+              <a:rPr lang="en-US" dirty="0"/>
+              <a:t>-&gt; Bluetooth Beacons to </a:t>
+            </a:r>
+            <a:r>
+              <a:rPr lang="en-US" i="1" dirty="0"/>
+              <a:t>annotate</a:t>
+            </a:r>
+            <a:r>
+              <a:rPr lang="en-US" dirty="0"/>
+              <a:t> the physical space</a:t>
+            </a:r>
+            <a:endParaRPr lang="de-CH" dirty="0"/>
+          </a:p>
+        </p:txBody>
+      </p:sp>
+    </p:spTree>
+    <p:extLst>
+      <p:ext uri="{BB962C8B-B14F-4D97-AF65-F5344CB8AC3E}">
+        <p14:creationId xmlns:p14="http://schemas.microsoft.com/office/powerpoint/2010/main" val="2410705375"/>
+      </p:ext>
+    </p:extLst>
+  </p:cSld>
+  <p:clrMapOvr>
+    <a:masterClrMapping/>
+  </p:clrMapOvr>
+</p:sld>
+</file>
+
+<file path=ppt/slides/slide4.xml><?xml version="1.0" encoding="utf-8"?>
+<p:sld xmlns:a="http://schemas.openxmlformats.org/drawingml/2006/main" xmlns:r="http://schemas.openxmlformats.org/officeDocument/2006/relationships" xmlns:p="http://schemas.openxmlformats.org/presentationml/2006/main">
+  <p:cSld>
+    <p:spTree>
+      <p:nvGrpSpPr>
+        <p:cNvPr id="1" name=""/>
+        <p:cNvGrpSpPr/>
+        <p:nvPr/>
+      </p:nvGrpSpPr>
+      <p:grpSpPr>
+        <a:xfrm>
+          <a:off x="0" y="0"/>
+          <a:ext cx="0" cy="0"/>
+          <a:chOff x="0" y="0"/>
+          <a:chExt cx="0" cy="0"/>
+        </a:xfrm>
+      </p:grpSpPr>
+      <p:sp>
+        <p:nvSpPr>
+          <p:cNvPr id="2" name="Title 1">
+            <a:extLst>
+              <a:ext uri="{FF2B5EF4-FFF2-40B4-BE49-F238E27FC236}">
+                <a16:creationId xmlns:a16="http://schemas.microsoft.com/office/drawing/2014/main" id="{5F3D2C60-8B13-47EC-8520-4DFEA1E35057}"/>
+              </a:ext>
+            </a:extLst>
+          </p:cNvPr>
+          <p:cNvSpPr>
+            <a:spLocks noGrp="1"/>
+          </p:cNvSpPr>
+          <p:nvPr>
+            <p:ph type="title"/>
+          </p:nvPr>
+        </p:nvSpPr>
+        <p:spPr/>
+        <p:txBody>
+          <a:bodyPr/>
+          <a:lstStyle/>
+          <a:p>
+            <a:r>
+              <a:rPr lang="de-CH" b="1" dirty="0"/>
+              <a:t>Advantages </a:t>
+            </a:r>
+            <a:r>
+              <a:rPr lang="de-CH" b="1" dirty="0" err="1"/>
+              <a:t>for</a:t>
+            </a:r>
+            <a:r>
+              <a:rPr lang="de-CH" b="1" dirty="0"/>
+              <a:t> Providers</a:t>
+            </a:r>
+            <a:endParaRPr lang="de-CH" dirty="0"/>
+          </a:p>
+        </p:txBody>
+      </p:sp>
+      <p:sp>
+        <p:nvSpPr>
+          <p:cNvPr id="3" name="Content Placeholder 2">
+            <a:extLst>
+              <a:ext uri="{FF2B5EF4-FFF2-40B4-BE49-F238E27FC236}">
+                <a16:creationId xmlns:a16="http://schemas.microsoft.com/office/drawing/2014/main" id="{7C82A1DD-4B53-430D-8291-39B733F9DAEC}"/>
+              </a:ext>
+            </a:extLst>
+          </p:cNvPr>
+          <p:cNvSpPr>
+            <a:spLocks noGrp="1"/>
+          </p:cNvSpPr>
+          <p:nvPr>
+            <p:ph idx="1"/>
+          </p:nvPr>
+        </p:nvSpPr>
+        <p:spPr/>
+        <p:txBody>
+          <a:bodyPr/>
+          <a:lstStyle/>
+          <a:p>
+            <a:r>
+              <a:rPr lang="en-US" dirty="0"/>
+              <a:t>Tourists stay longer</a:t>
+            </a:r>
+          </a:p>
+          <a:p>
+            <a:r>
+              <a:rPr lang="en-US" dirty="0"/>
+              <a:t>Tourists learn about and visit more places</a:t>
+            </a:r>
+          </a:p>
+          <a:p>
+            <a:r>
+              <a:rPr lang="en-US" dirty="0"/>
+              <a:t>More equally </a:t>
+            </a:r>
+            <a:r>
+              <a:rPr lang="en-US" dirty="0" err="1"/>
+              <a:t>ditributed</a:t>
+            </a:r>
+            <a:r>
+              <a:rPr lang="en-US" dirty="0"/>
+              <a:t> stream of visitors</a:t>
+            </a:r>
+          </a:p>
+          <a:p>
+            <a:pPr marL="0" indent="0">
+              <a:buNone/>
+            </a:pPr>
+            <a:endParaRPr lang="de-CH" dirty="0"/>
+          </a:p>
+        </p:txBody>
+      </p:sp>
+    </p:spTree>
+    <p:extLst>
+      <p:ext uri="{BB962C8B-B14F-4D97-AF65-F5344CB8AC3E}">
+        <p14:creationId xmlns:p14="http://schemas.microsoft.com/office/powerpoint/2010/main" val="3007267876"/>
+      </p:ext>
+    </p:extLst>
+  </p:cSld>
+  <p:clrMapOvr>
+    <a:masterClrMapping/>
+  </p:clrMapOvr>
+</p:sld>
+</file>
+
 <file path=ppt/slides/slide5.xml><?xml version="1.0" encoding="utf-8"?>
 <p:sld xmlns:a="http://schemas.openxmlformats.org/drawingml/2006/main" xmlns:r="http://schemas.openxmlformats.org/officeDocument/2006/relationships" xmlns:p="http://schemas.openxmlformats.org/presentationml/2006/main">
   <p:cSld>
@@ -4570,12 +4745,18 @@
       </p:grpSpPr>
       <p:sp>
         <p:nvSpPr>
-          <p:cNvPr id="2" name="Titel 1"/>
-          <p:cNvSpPr>
-            <a:spLocks noGrp="1"/>
-          </p:cNvSpPr>
-          <p:nvPr>
-            <p:ph type="ctrTitle"/>
+          <p:cNvPr id="2" name="Title 1">
+            <a:extLst>
+              <a:ext uri="{FF2B5EF4-FFF2-40B4-BE49-F238E27FC236}">
+                <a16:creationId xmlns:a16="http://schemas.microsoft.com/office/drawing/2014/main" id="{D956F271-0BCC-4362-85C0-9A9F5CE5EB0D}"/>
+              </a:ext>
+            </a:extLst>
+          </p:cNvPr>
+          <p:cNvSpPr>
+            <a:spLocks noGrp="1"/>
+          </p:cNvSpPr>
+          <p:nvPr>
+            <p:ph type="title"/>
           </p:nvPr>
         </p:nvSpPr>
         <p:spPr/>
@@ -4583,18 +4764,40 @@
           <a:bodyPr/>
           <a:lstStyle/>
           <a:p>
-            <a:endParaRPr lang="en-US"/>
-          </a:p>
-        </p:txBody>
-      </p:sp>
-      <p:sp>
-        <p:nvSpPr>
-          <p:cNvPr id="3" name="Untertitel 2"/>
-          <p:cNvSpPr>
-            <a:spLocks noGrp="1"/>
-          </p:cNvSpPr>
-          <p:nvPr>
-            <p:ph type="subTitle" idx="1"/>
+            <a:r>
+              <a:rPr lang="de-CH" b="1" dirty="0"/>
+              <a:t>Advantages </a:t>
+            </a:r>
+            <a:r>
+              <a:rPr lang="de-CH" b="1" dirty="0" err="1"/>
+              <a:t>for</a:t>
+            </a:r>
+            <a:r>
+              <a:rPr lang="de-CH" b="1" dirty="0"/>
+              <a:t> </a:t>
+            </a:r>
+            <a:r>
+              <a:rPr lang="de-CH" b="1" dirty="0" err="1"/>
+              <a:t>Tourists</a:t>
+            </a:r>
+            <a:endParaRPr lang="de-CH" dirty="0"/>
+          </a:p>
+        </p:txBody>
+      </p:sp>
+      <p:sp>
+        <p:nvSpPr>
+          <p:cNvPr id="3" name="Content Placeholder 2">
+            <a:extLst>
+              <a:ext uri="{FF2B5EF4-FFF2-40B4-BE49-F238E27FC236}">
+                <a16:creationId xmlns:a16="http://schemas.microsoft.com/office/drawing/2014/main" id="{028BD986-F847-4D4D-8BE2-19DA7F16BA0F}"/>
+              </a:ext>
+            </a:extLst>
+          </p:cNvPr>
+          <p:cNvSpPr>
+            <a:spLocks noGrp="1"/>
+          </p:cNvSpPr>
+          <p:nvPr>
+            <p:ph idx="1"/>
           </p:nvPr>
         </p:nvSpPr>
         <p:spPr/>
@@ -4602,216 +4805,32 @@
           <a:bodyPr/>
           <a:lstStyle/>
           <a:p>
-            <a:endParaRPr lang="en-US"/>
-          </a:p>
-        </p:txBody>
-      </p:sp>
-      <p:pic>
-        <p:nvPicPr>
-          <p:cNvPr id="4" name="Bild 3"/>
-          <p:cNvPicPr>
-            <a:picLocks noChangeAspect="1"/>
-          </p:cNvPicPr>
-          <p:nvPr/>
-        </p:nvPicPr>
-        <p:blipFill rotWithShape="1">
-          <a:blip r:embed="rId2"/>
-          <a:srcRect t="5226"/>
-          <a:stretch/>
-        </p:blipFill>
-        <p:spPr>
-          <a:xfrm>
-            <a:off x="1285460" y="355600"/>
-            <a:ext cx="9512577" cy="6449440"/>
-          </a:xfrm>
-          <a:prstGeom prst="rect">
-            <a:avLst/>
-          </a:prstGeom>
-        </p:spPr>
-      </p:pic>
-      <p:pic>
-        <p:nvPicPr>
-          <p:cNvPr id="30" name="Bild 29"/>
-          <p:cNvPicPr>
-            <a:picLocks noChangeAspect="1"/>
-          </p:cNvPicPr>
-          <p:nvPr/>
-        </p:nvPicPr>
-        <p:blipFill>
-          <a:blip r:embed="rId3"/>
-          <a:stretch>
-            <a:fillRect/>
-          </a:stretch>
-        </p:blipFill>
-        <p:spPr>
-          <a:xfrm>
-            <a:off x="2459401" y="5755287"/>
-            <a:ext cx="734372" cy="730527"/>
-          </a:xfrm>
-          <a:prstGeom prst="rect">
-            <a:avLst/>
-          </a:prstGeom>
-          <a:ln w="127000">
-            <a:solidFill>
-              <a:schemeClr val="accent5">
-                <a:lumMod val="75000"/>
-              </a:schemeClr>
-            </a:solidFill>
-          </a:ln>
-        </p:spPr>
-      </p:pic>
-      <p:sp>
-        <p:nvSpPr>
-          <p:cNvPr id="21" name="Oval 20"/>
-          <p:cNvSpPr/>
-          <p:nvPr/>
-        </p:nvSpPr>
-        <p:spPr>
-          <a:xfrm>
-            <a:off x="2320469" y="2546647"/>
-            <a:ext cx="1296035" cy="1254760"/>
-          </a:xfrm>
-          <a:prstGeom prst="ellipse">
-            <a:avLst/>
-          </a:prstGeom>
-          <a:solidFill>
-            <a:schemeClr val="accent1">
-              <a:alpha val="20000"/>
-            </a:schemeClr>
-          </a:solidFill>
-        </p:spPr>
-        <p:style>
-          <a:lnRef idx="2">
-            <a:schemeClr val="accent1">
-              <a:shade val="50000"/>
-            </a:schemeClr>
-          </a:lnRef>
-          <a:fillRef idx="1">
-            <a:schemeClr val="accent1"/>
-          </a:fillRef>
-          <a:effectRef idx="0">
-            <a:schemeClr val="accent1"/>
-          </a:effectRef>
-          <a:fontRef idx="minor">
-            <a:schemeClr val="lt1"/>
-          </a:fontRef>
-        </p:style>
-        <p:txBody>
-          <a:bodyPr rot="0" spcFirstLastPara="0" vert="horz" wrap="square" lIns="91440" tIns="45720" rIns="91440" bIns="45720" numCol="1" spcCol="0" rtlCol="0" fromWordArt="0" anchor="ctr" anchorCtr="0" forceAA="0" compatLnSpc="1">
-            <a:prstTxWarp prst="textNoShape">
-              <a:avLst/>
-            </a:prstTxWarp>
-            <a:noAutofit/>
-          </a:bodyPr>
-          <a:lstStyle/>
-          <a:p>
-            <a:endParaRPr lang="de-DE"/>
-          </a:p>
-        </p:txBody>
-      </p:sp>
-      <p:pic>
-        <p:nvPicPr>
-          <p:cNvPr id="22" name="Bild 21"/>
-          <p:cNvPicPr>
-            <a:picLocks noChangeAspect="1"/>
-          </p:cNvPicPr>
-          <p:nvPr/>
-        </p:nvPicPr>
-        <p:blipFill>
-          <a:blip r:embed="rId3"/>
-          <a:stretch>
-            <a:fillRect/>
-          </a:stretch>
-        </p:blipFill>
-        <p:spPr>
-          <a:xfrm>
-            <a:off x="7911935" y="757099"/>
-            <a:ext cx="734372" cy="730527"/>
-          </a:xfrm>
-          <a:prstGeom prst="rect">
-            <a:avLst/>
-          </a:prstGeom>
-          <a:solidFill>
-            <a:schemeClr val="bg1"/>
-          </a:solidFill>
-          <a:ln w="127000">
-            <a:solidFill>
-              <a:srgbClr val="00B050"/>
-            </a:solidFill>
-          </a:ln>
-        </p:spPr>
-      </p:pic>
-      <p:sp>
-        <p:nvSpPr>
-          <p:cNvPr id="6" name="Rechteck 5"/>
-          <p:cNvSpPr/>
-          <p:nvPr/>
-        </p:nvSpPr>
-        <p:spPr>
-          <a:xfrm>
-            <a:off x="4284137" y="3875227"/>
-            <a:ext cx="6412302" cy="2830375"/>
-          </a:xfrm>
-          <a:prstGeom prst="rect">
-            <a:avLst/>
-          </a:prstGeom>
-          <a:solidFill>
-            <a:schemeClr val="tx1"/>
-          </a:solidFill>
-        </p:spPr>
-        <p:style>
-          <a:lnRef idx="2">
-            <a:schemeClr val="accent1">
-              <a:shade val="50000"/>
-            </a:schemeClr>
-          </a:lnRef>
-          <a:fillRef idx="1">
-            <a:schemeClr val="accent1"/>
-          </a:fillRef>
-          <a:effectRef idx="0">
-            <a:schemeClr val="accent1"/>
-          </a:effectRef>
-          <a:fontRef idx="minor">
-            <a:schemeClr val="lt1"/>
-          </a:fontRef>
-        </p:style>
-        <p:txBody>
-          <a:bodyPr rtlCol="0" anchor="ctr"/>
-          <a:lstStyle/>
-          <a:p>
-            <a:pPr algn="ctr"/>
-            <a:endParaRPr lang="en-US"/>
-          </a:p>
-        </p:txBody>
-      </p:sp>
-      <p:pic>
-        <p:nvPicPr>
-          <p:cNvPr id="5" name="Bild 4"/>
-          <p:cNvPicPr>
-            <a:picLocks noChangeAspect="1"/>
-          </p:cNvPicPr>
-          <p:nvPr/>
-        </p:nvPicPr>
-        <p:blipFill>
-          <a:blip r:embed="rId4"/>
-          <a:stretch>
-            <a:fillRect/>
-          </a:stretch>
-        </p:blipFill>
-        <p:spPr>
-          <a:xfrm>
-            <a:off x="4402668" y="4061840"/>
-            <a:ext cx="6197600" cy="2743200"/>
-          </a:xfrm>
-          <a:prstGeom prst="rect">
-            <a:avLst/>
-          </a:prstGeom>
-        </p:spPr>
-      </p:pic>
+            <a:r>
+              <a:rPr lang="en-US" dirty="0"/>
+              <a:t>They aren't tourists: they discover on their own</a:t>
+            </a:r>
+          </a:p>
+          <a:p>
+            <a:r>
+              <a:rPr lang="en-US" dirty="0"/>
+              <a:t>They can see through walls: thy can take see what other places there are behind the wall of the museum they're visiting</a:t>
+            </a:r>
+          </a:p>
+          <a:p>
+            <a:r>
+              <a:rPr lang="en-US" dirty="0"/>
+              <a:t>They avoid they queue buy having real-time data and know on which ski lift there's not a lot of people</a:t>
+            </a:r>
+          </a:p>
+          <a:p>
+            <a:endParaRPr lang="de-CH" dirty="0"/>
+          </a:p>
+        </p:txBody>
+      </p:sp>
     </p:spTree>
     <p:extLst>
       <p:ext uri="{BB962C8B-B14F-4D97-AF65-F5344CB8AC3E}">
-        <p14:creationId xmlns:p14="http://schemas.microsoft.com/office/powerpoint/2010/main" val="933599951"/>
+        <p14:creationId xmlns:p14="http://schemas.microsoft.com/office/powerpoint/2010/main" val="4076089706"/>
       </p:ext>
     </p:extLst>
   </p:cSld>
@@ -4840,7 +4859,13 @@
       </p:grpSpPr>
       <p:sp>
         <p:nvSpPr>
-          <p:cNvPr id="2" name="Titel 1"/>
+          <p:cNvPr id="7" name="Title 6">
+            <a:extLst>
+              <a:ext uri="{FF2B5EF4-FFF2-40B4-BE49-F238E27FC236}">
+                <a16:creationId xmlns:a16="http://schemas.microsoft.com/office/drawing/2014/main" id="{3974C7F3-0BB9-4561-882E-5EEA323CF374}"/>
+              </a:ext>
+            </a:extLst>
+          </p:cNvPr>
           <p:cNvSpPr>
             <a:spLocks noGrp="1"/>
           </p:cNvSpPr>
@@ -4853,18 +4878,28 @@
           <a:bodyPr/>
           <a:lstStyle/>
           <a:p>
-            <a:endParaRPr lang="en-US"/>
-          </a:p>
-        </p:txBody>
-      </p:sp>
-      <p:sp>
-        <p:nvSpPr>
-          <p:cNvPr id="3" name="Inhaltsplatzhalter 2"/>
-          <p:cNvSpPr>
-            <a:spLocks noGrp="1"/>
-          </p:cNvSpPr>
-          <p:nvPr>
-            <p:ph idx="1"/>
+            <a:r>
+              <a:rPr lang="en-US" dirty="0"/>
+              <a:t>Data</a:t>
+            </a:r>
+            <a:endParaRPr lang="de-CH" dirty="0"/>
+          </a:p>
+        </p:txBody>
+      </p:sp>
+      <p:sp>
+        <p:nvSpPr>
+          <p:cNvPr id="8" name="Text Placeholder 7">
+            <a:extLst>
+              <a:ext uri="{FF2B5EF4-FFF2-40B4-BE49-F238E27FC236}">
+                <a16:creationId xmlns:a16="http://schemas.microsoft.com/office/drawing/2014/main" id="{3F292449-CC7A-4BE5-A6E6-C304D22DC786}"/>
+              </a:ext>
+            </a:extLst>
+          </p:cNvPr>
+          <p:cNvSpPr>
+            <a:spLocks noGrp="1"/>
+          </p:cNvSpPr>
+          <p:nvPr>
+            <p:ph type="body" idx="1"/>
           </p:nvPr>
         </p:nvSpPr>
         <p:spPr/>
@@ -4872,14 +4907,140 @@
           <a:bodyPr/>
           <a:lstStyle/>
           <a:p>
+            <a:r>
+              <a:rPr lang="en-US" dirty="0"/>
+              <a:t>Data used</a:t>
+            </a:r>
+            <a:endParaRPr lang="de-CH" dirty="0"/>
+          </a:p>
+        </p:txBody>
+      </p:sp>
+      <p:sp>
+        <p:nvSpPr>
+          <p:cNvPr id="9" name="Content Placeholder 8">
+            <a:extLst>
+              <a:ext uri="{FF2B5EF4-FFF2-40B4-BE49-F238E27FC236}">
+                <a16:creationId xmlns:a16="http://schemas.microsoft.com/office/drawing/2014/main" id="{EB7C74FB-0210-4EE8-AC35-7C80CF7C3B7E}"/>
+              </a:ext>
+            </a:extLst>
+          </p:cNvPr>
+          <p:cNvSpPr>
+            <a:spLocks noGrp="1"/>
+          </p:cNvSpPr>
+          <p:nvPr>
+            <p:ph sz="half" idx="2"/>
+          </p:nvPr>
+        </p:nvSpPr>
+        <p:spPr/>
+        <p:txBody>
+          <a:bodyPr/>
+          <a:lstStyle/>
+          <a:p>
+            <a:r>
+              <a:rPr lang="en-US" dirty="0"/>
+              <a:t>A small subset of </a:t>
+            </a:r>
+            <a:r>
+              <a:rPr lang="en-US" dirty="0" err="1"/>
+              <a:t>wikidata</a:t>
+            </a:r>
             <a:endParaRPr lang="en-US" dirty="0"/>
+          </a:p>
+          <a:p>
+            <a:r>
+              <a:rPr lang="en-US" dirty="0"/>
+              <a:t>Transport data ("Where do I go next?")</a:t>
+            </a:r>
+          </a:p>
+          <a:p>
+            <a:endParaRPr lang="de-CH" dirty="0"/>
+          </a:p>
+        </p:txBody>
+      </p:sp>
+      <p:sp>
+        <p:nvSpPr>
+          <p:cNvPr id="10" name="Text Placeholder 9">
+            <a:extLst>
+              <a:ext uri="{FF2B5EF4-FFF2-40B4-BE49-F238E27FC236}">
+                <a16:creationId xmlns:a16="http://schemas.microsoft.com/office/drawing/2014/main" id="{CCAA0838-4D77-47BE-A6E0-EAF14B4432F6}"/>
+              </a:ext>
+            </a:extLst>
+          </p:cNvPr>
+          <p:cNvSpPr>
+            <a:spLocks noGrp="1"/>
+          </p:cNvSpPr>
+          <p:nvPr>
+            <p:ph type="body" sz="quarter" idx="3"/>
+          </p:nvPr>
+        </p:nvSpPr>
+        <p:spPr/>
+        <p:txBody>
+          <a:bodyPr/>
+          <a:lstStyle/>
+          <a:p>
+            <a:r>
+              <a:rPr lang="en-US" dirty="0"/>
+              <a:t>Data we missed</a:t>
+            </a:r>
+            <a:endParaRPr lang="de-CH" dirty="0"/>
+          </a:p>
+        </p:txBody>
+      </p:sp>
+      <p:sp>
+        <p:nvSpPr>
+          <p:cNvPr id="11" name="Content Placeholder 10">
+            <a:extLst>
+              <a:ext uri="{FF2B5EF4-FFF2-40B4-BE49-F238E27FC236}">
+                <a16:creationId xmlns:a16="http://schemas.microsoft.com/office/drawing/2014/main" id="{95FE4E3D-F791-4903-8CE8-A283809918B3}"/>
+              </a:ext>
+            </a:extLst>
+          </p:cNvPr>
+          <p:cNvSpPr>
+            <a:spLocks noGrp="1"/>
+          </p:cNvSpPr>
+          <p:nvPr>
+            <p:ph sz="quarter" idx="4"/>
+          </p:nvPr>
+        </p:nvSpPr>
+        <p:spPr/>
+        <p:txBody>
+          <a:bodyPr/>
+          <a:lstStyle/>
+          <a:p>
+            <a:r>
+              <a:rPr lang="en-US" dirty="0"/>
+              <a:t>Real time data on usage of facilities</a:t>
+            </a:r>
+          </a:p>
+          <a:p>
+            <a:r>
+              <a:rPr lang="en-US" dirty="0"/>
+              <a:t>Geotagged pictures</a:t>
+            </a:r>
+          </a:p>
+          <a:p>
+            <a:r>
+              <a:rPr lang="en-US" dirty="0"/>
+              <a:t>More </a:t>
+            </a:r>
+            <a:r>
+              <a:rPr lang="en-US" dirty="0" err="1"/>
+              <a:t>informtaion</a:t>
+            </a:r>
+            <a:r>
+              <a:rPr lang="en-US" dirty="0"/>
+              <a:t> about monuments/places</a:t>
+            </a:r>
+          </a:p>
+          <a:p>
+            <a:endParaRPr lang="de-CH" dirty="0"/>
           </a:p>
         </p:txBody>
       </p:sp>
     </p:spTree>
     <p:extLst>
       <p:ext uri="{BB962C8B-B14F-4D97-AF65-F5344CB8AC3E}">
-        <p14:creationId xmlns:p14="http://schemas.microsoft.com/office/powerpoint/2010/main" val="1472641318"/>
+        <p14:creationId xmlns:p14="http://schemas.microsoft.com/office/powerpoint/2010/main" val="3087162716"/>
       </p:ext>
     </p:extLst>
   </p:cSld>
@@ -4914,11 +5075,10 @@
           </p:cNvPicPr>
           <p:nvPr/>
         </p:nvPicPr>
-        <p:blipFill>
+        <p:blipFill rotWithShape="1">
           <a:blip r:embed="rId2"/>
-          <a:stretch>
-            <a:fillRect/>
-          </a:stretch>
+          <a:srcRect t="5179"/>
+          <a:stretch/>
         </p:blipFill>
         <p:spPr>
           <a:xfrm>
@@ -4933,7 +5093,7 @@
     </p:spTree>
     <p:extLst>
       <p:ext uri="{BB962C8B-B14F-4D97-AF65-F5344CB8AC3E}">
-        <p14:creationId xmlns:p14="http://schemas.microsoft.com/office/powerpoint/2010/main" val="1521267405"/>
+        <p14:creationId xmlns:p14="http://schemas.microsoft.com/office/powerpoint/2010/main" val="1906082872"/>
       </p:ext>
     </p:extLst>
   </p:cSld>
@@ -4960,6 +5120,609 @@
           <a:chExt cx="0" cy="0"/>
         </a:xfrm>
       </p:grpSpPr>
+      <p:sp>
+        <p:nvSpPr>
+          <p:cNvPr id="2" name="Titel 1"/>
+          <p:cNvSpPr>
+            <a:spLocks noGrp="1"/>
+          </p:cNvSpPr>
+          <p:nvPr>
+            <p:ph type="ctrTitle"/>
+          </p:nvPr>
+        </p:nvSpPr>
+        <p:spPr/>
+        <p:txBody>
+          <a:bodyPr/>
+          <a:lstStyle/>
+          <a:p>
+            <a:endParaRPr lang="en-US"/>
+          </a:p>
+        </p:txBody>
+      </p:sp>
+      <p:sp>
+        <p:nvSpPr>
+          <p:cNvPr id="3" name="Untertitel 2"/>
+          <p:cNvSpPr>
+            <a:spLocks noGrp="1"/>
+          </p:cNvSpPr>
+          <p:nvPr>
+            <p:ph type="subTitle" idx="1"/>
+          </p:nvPr>
+        </p:nvSpPr>
+        <p:spPr/>
+        <p:txBody>
+          <a:bodyPr/>
+          <a:lstStyle/>
+          <a:p>
+            <a:endParaRPr lang="en-US"/>
+          </a:p>
+        </p:txBody>
+      </p:sp>
+      <p:pic>
+        <p:nvPicPr>
+          <p:cNvPr id="4" name="Bild 3"/>
+          <p:cNvPicPr>
+            <a:picLocks noChangeAspect="1"/>
+          </p:cNvPicPr>
+          <p:nvPr/>
+        </p:nvPicPr>
+        <p:blipFill rotWithShape="1">
+          <a:blip r:embed="rId2"/>
+          <a:srcRect t="5723"/>
+          <a:stretch/>
+        </p:blipFill>
+        <p:spPr>
+          <a:xfrm>
+            <a:off x="1285460" y="389466"/>
+            <a:ext cx="9512577" cy="6415573"/>
+          </a:xfrm>
+          <a:prstGeom prst="rect">
+            <a:avLst/>
+          </a:prstGeom>
+        </p:spPr>
+      </p:pic>
+      <p:sp>
+        <p:nvSpPr>
+          <p:cNvPr id="5" name="Oval 4"/>
+          <p:cNvSpPr/>
+          <p:nvPr/>
+        </p:nvSpPr>
+        <p:spPr>
+          <a:xfrm>
+            <a:off x="5408226" y="2801620"/>
+            <a:ext cx="1296035" cy="1254760"/>
+          </a:xfrm>
+          <a:prstGeom prst="ellipse">
+            <a:avLst/>
+          </a:prstGeom>
+          <a:solidFill>
+            <a:schemeClr val="accent1">
+              <a:alpha val="20000"/>
+            </a:schemeClr>
+          </a:solidFill>
+        </p:spPr>
+        <p:style>
+          <a:lnRef idx="2">
+            <a:schemeClr val="accent1">
+              <a:shade val="50000"/>
+            </a:schemeClr>
+          </a:lnRef>
+          <a:fillRef idx="1">
+            <a:schemeClr val="accent1"/>
+          </a:fillRef>
+          <a:effectRef idx="0">
+            <a:schemeClr val="accent1"/>
+          </a:effectRef>
+          <a:fontRef idx="minor">
+            <a:schemeClr val="lt1"/>
+          </a:fontRef>
+        </p:style>
+        <p:txBody>
+          <a:bodyPr rot="0" spcFirstLastPara="0" vert="horz" wrap="square" lIns="91440" tIns="45720" rIns="91440" bIns="45720" numCol="1" spcCol="0" rtlCol="0" fromWordArt="0" anchor="ctr" anchorCtr="0" forceAA="0" compatLnSpc="1">
+            <a:prstTxWarp prst="textNoShape">
+              <a:avLst/>
+            </a:prstTxWarp>
+            <a:noAutofit/>
+          </a:bodyPr>
+          <a:lstStyle/>
+          <a:p>
+            <a:endParaRPr lang="de-DE"/>
+          </a:p>
+        </p:txBody>
+      </p:sp>
+      <p:sp>
+        <p:nvSpPr>
+          <p:cNvPr id="6" name="Oval 5"/>
+          <p:cNvSpPr/>
+          <p:nvPr/>
+        </p:nvSpPr>
+        <p:spPr>
+          <a:xfrm>
+            <a:off x="4009469" y="3028823"/>
+            <a:ext cx="1296035" cy="1254760"/>
+          </a:xfrm>
+          <a:prstGeom prst="ellipse">
+            <a:avLst/>
+          </a:prstGeom>
+          <a:solidFill>
+            <a:schemeClr val="accent1">
+              <a:alpha val="20000"/>
+            </a:schemeClr>
+          </a:solidFill>
+        </p:spPr>
+        <p:style>
+          <a:lnRef idx="2">
+            <a:schemeClr val="accent1">
+              <a:shade val="50000"/>
+            </a:schemeClr>
+          </a:lnRef>
+          <a:fillRef idx="1">
+            <a:schemeClr val="accent1"/>
+          </a:fillRef>
+          <a:effectRef idx="0">
+            <a:schemeClr val="accent1"/>
+          </a:effectRef>
+          <a:fontRef idx="minor">
+            <a:schemeClr val="lt1"/>
+          </a:fontRef>
+        </p:style>
+        <p:txBody>
+          <a:bodyPr rot="0" spcFirstLastPara="0" vert="horz" wrap="square" lIns="91440" tIns="45720" rIns="91440" bIns="45720" numCol="1" spcCol="0" rtlCol="0" fromWordArt="0" anchor="ctr" anchorCtr="0" forceAA="0" compatLnSpc="1">
+            <a:prstTxWarp prst="textNoShape">
+              <a:avLst/>
+            </a:prstTxWarp>
+            <a:noAutofit/>
+          </a:bodyPr>
+          <a:lstStyle/>
+          <a:p>
+            <a:endParaRPr lang="de-DE"/>
+          </a:p>
+        </p:txBody>
+      </p:sp>
+      <p:sp>
+        <p:nvSpPr>
+          <p:cNvPr id="7" name="Oval 6"/>
+          <p:cNvSpPr/>
+          <p:nvPr/>
+        </p:nvSpPr>
+        <p:spPr>
+          <a:xfrm>
+            <a:off x="2320469" y="2546647"/>
+            <a:ext cx="1296035" cy="1254760"/>
+          </a:xfrm>
+          <a:prstGeom prst="ellipse">
+            <a:avLst/>
+          </a:prstGeom>
+          <a:solidFill>
+            <a:schemeClr val="accent1">
+              <a:alpha val="20000"/>
+            </a:schemeClr>
+          </a:solidFill>
+        </p:spPr>
+        <p:style>
+          <a:lnRef idx="2">
+            <a:schemeClr val="accent1">
+              <a:shade val="50000"/>
+            </a:schemeClr>
+          </a:lnRef>
+          <a:fillRef idx="1">
+            <a:schemeClr val="accent1"/>
+          </a:fillRef>
+          <a:effectRef idx="0">
+            <a:schemeClr val="accent1"/>
+          </a:effectRef>
+          <a:fontRef idx="minor">
+            <a:schemeClr val="lt1"/>
+          </a:fontRef>
+        </p:style>
+        <p:txBody>
+          <a:bodyPr rot="0" spcFirstLastPara="0" vert="horz" wrap="square" lIns="91440" tIns="45720" rIns="91440" bIns="45720" numCol="1" spcCol="0" rtlCol="0" fromWordArt="0" anchor="ctr" anchorCtr="0" forceAA="0" compatLnSpc="1">
+            <a:prstTxWarp prst="textNoShape">
+              <a:avLst/>
+            </a:prstTxWarp>
+            <a:noAutofit/>
+          </a:bodyPr>
+          <a:lstStyle/>
+          <a:p>
+            <a:endParaRPr lang="de-DE"/>
+          </a:p>
+        </p:txBody>
+      </p:sp>
+      <p:sp>
+        <p:nvSpPr>
+          <p:cNvPr id="8" name="Oval 7"/>
+          <p:cNvSpPr/>
+          <p:nvPr/>
+        </p:nvSpPr>
+        <p:spPr>
+          <a:xfrm>
+            <a:off x="7790972" y="1832831"/>
+            <a:ext cx="1296035" cy="1254760"/>
+          </a:xfrm>
+          <a:prstGeom prst="ellipse">
+            <a:avLst/>
+          </a:prstGeom>
+          <a:solidFill>
+            <a:schemeClr val="accent1">
+              <a:alpha val="20000"/>
+            </a:schemeClr>
+          </a:solidFill>
+        </p:spPr>
+        <p:style>
+          <a:lnRef idx="2">
+            <a:schemeClr val="accent1">
+              <a:shade val="50000"/>
+            </a:schemeClr>
+          </a:lnRef>
+          <a:fillRef idx="1">
+            <a:schemeClr val="accent1"/>
+          </a:fillRef>
+          <a:effectRef idx="0">
+            <a:schemeClr val="accent1"/>
+          </a:effectRef>
+          <a:fontRef idx="minor">
+            <a:schemeClr val="lt1"/>
+          </a:fontRef>
+        </p:style>
+        <p:txBody>
+          <a:bodyPr rot="0" spcFirstLastPara="0" vert="horz" wrap="square" lIns="91440" tIns="45720" rIns="91440" bIns="45720" numCol="1" spcCol="0" rtlCol="0" fromWordArt="0" anchor="ctr" anchorCtr="0" forceAA="0" compatLnSpc="1">
+            <a:prstTxWarp prst="textNoShape">
+              <a:avLst/>
+            </a:prstTxWarp>
+            <a:noAutofit/>
+          </a:bodyPr>
+          <a:lstStyle/>
+          <a:p>
+            <a:endParaRPr lang="de-DE"/>
+          </a:p>
+        </p:txBody>
+      </p:sp>
+      <p:sp>
+        <p:nvSpPr>
+          <p:cNvPr id="9" name="Oval 8"/>
+          <p:cNvSpPr/>
+          <p:nvPr/>
+        </p:nvSpPr>
+        <p:spPr>
+          <a:xfrm>
+            <a:off x="2761774" y="4000776"/>
+            <a:ext cx="1296035" cy="1254760"/>
+          </a:xfrm>
+          <a:prstGeom prst="ellipse">
+            <a:avLst/>
+          </a:prstGeom>
+          <a:solidFill>
+            <a:schemeClr val="accent1">
+              <a:alpha val="20000"/>
+            </a:schemeClr>
+          </a:solidFill>
+        </p:spPr>
+        <p:style>
+          <a:lnRef idx="2">
+            <a:schemeClr val="accent1">
+              <a:shade val="50000"/>
+            </a:schemeClr>
+          </a:lnRef>
+          <a:fillRef idx="1">
+            <a:schemeClr val="accent1"/>
+          </a:fillRef>
+          <a:effectRef idx="0">
+            <a:schemeClr val="accent1"/>
+          </a:effectRef>
+          <a:fontRef idx="minor">
+            <a:schemeClr val="lt1"/>
+          </a:fontRef>
+        </p:style>
+        <p:txBody>
+          <a:bodyPr rot="0" spcFirstLastPara="0" vert="horz" wrap="square" lIns="91440" tIns="45720" rIns="91440" bIns="45720" numCol="1" spcCol="0" rtlCol="0" fromWordArt="0" anchor="ctr" anchorCtr="0" forceAA="0" compatLnSpc="1">
+            <a:prstTxWarp prst="textNoShape">
+              <a:avLst/>
+            </a:prstTxWarp>
+            <a:noAutofit/>
+          </a:bodyPr>
+          <a:lstStyle/>
+          <a:p>
+            <a:endParaRPr lang="de-DE"/>
+          </a:p>
+        </p:txBody>
+      </p:sp>
+      <p:sp>
+        <p:nvSpPr>
+          <p:cNvPr id="10" name="Oval 9"/>
+          <p:cNvSpPr/>
+          <p:nvPr/>
+        </p:nvSpPr>
+        <p:spPr>
+          <a:xfrm>
+            <a:off x="7018365" y="4429919"/>
+            <a:ext cx="1296035" cy="1254760"/>
+          </a:xfrm>
+          <a:prstGeom prst="ellipse">
+            <a:avLst/>
+          </a:prstGeom>
+          <a:solidFill>
+            <a:schemeClr val="accent1">
+              <a:alpha val="20000"/>
+            </a:schemeClr>
+          </a:solidFill>
+        </p:spPr>
+        <p:style>
+          <a:lnRef idx="2">
+            <a:schemeClr val="accent1">
+              <a:shade val="50000"/>
+            </a:schemeClr>
+          </a:lnRef>
+          <a:fillRef idx="1">
+            <a:schemeClr val="accent1"/>
+          </a:fillRef>
+          <a:effectRef idx="0">
+            <a:schemeClr val="accent1"/>
+          </a:effectRef>
+          <a:fontRef idx="minor">
+            <a:schemeClr val="lt1"/>
+          </a:fontRef>
+        </p:style>
+        <p:txBody>
+          <a:bodyPr rot="0" spcFirstLastPara="0" vert="horz" wrap="square" lIns="91440" tIns="45720" rIns="91440" bIns="45720" numCol="1" spcCol="0" rtlCol="0" fromWordArt="0" anchor="ctr" anchorCtr="0" forceAA="0" compatLnSpc="1">
+            <a:prstTxWarp prst="textNoShape">
+              <a:avLst/>
+            </a:prstTxWarp>
+            <a:noAutofit/>
+          </a:bodyPr>
+          <a:lstStyle/>
+          <a:p>
+            <a:endParaRPr lang="de-DE"/>
+          </a:p>
+        </p:txBody>
+      </p:sp>
+      <p:sp>
+        <p:nvSpPr>
+          <p:cNvPr id="11" name="Oval 10"/>
+          <p:cNvSpPr/>
+          <p:nvPr/>
+        </p:nvSpPr>
+        <p:spPr>
+          <a:xfrm>
+            <a:off x="6744017" y="2649220"/>
+            <a:ext cx="1296035" cy="1254760"/>
+          </a:xfrm>
+          <a:prstGeom prst="ellipse">
+            <a:avLst/>
+          </a:prstGeom>
+          <a:solidFill>
+            <a:schemeClr val="accent1">
+              <a:alpha val="20000"/>
+            </a:schemeClr>
+          </a:solidFill>
+        </p:spPr>
+        <p:style>
+          <a:lnRef idx="2">
+            <a:schemeClr val="accent1">
+              <a:shade val="50000"/>
+            </a:schemeClr>
+          </a:lnRef>
+          <a:fillRef idx="1">
+            <a:schemeClr val="accent1"/>
+          </a:fillRef>
+          <a:effectRef idx="0">
+            <a:schemeClr val="accent1"/>
+          </a:effectRef>
+          <a:fontRef idx="minor">
+            <a:schemeClr val="lt1"/>
+          </a:fontRef>
+        </p:style>
+        <p:txBody>
+          <a:bodyPr rot="0" spcFirstLastPara="0" vert="horz" wrap="square" lIns="91440" tIns="45720" rIns="91440" bIns="45720" numCol="1" spcCol="0" rtlCol="0" fromWordArt="0" anchor="ctr" anchorCtr="0" forceAA="0" compatLnSpc="1">
+            <a:prstTxWarp prst="textNoShape">
+              <a:avLst/>
+            </a:prstTxWarp>
+            <a:noAutofit/>
+          </a:bodyPr>
+          <a:lstStyle/>
+          <a:p>
+            <a:endParaRPr lang="de-DE"/>
+          </a:p>
+        </p:txBody>
+      </p:sp>
+      <p:sp>
+        <p:nvSpPr>
+          <p:cNvPr id="12" name="Oval 11"/>
+          <p:cNvSpPr/>
+          <p:nvPr/>
+        </p:nvSpPr>
+        <p:spPr>
+          <a:xfrm>
+            <a:off x="2191930" y="5349875"/>
+            <a:ext cx="1296035" cy="1254760"/>
+          </a:xfrm>
+          <a:prstGeom prst="ellipse">
+            <a:avLst/>
+          </a:prstGeom>
+          <a:solidFill>
+            <a:schemeClr val="accent1">
+              <a:alpha val="20000"/>
+            </a:schemeClr>
+          </a:solidFill>
+        </p:spPr>
+        <p:style>
+          <a:lnRef idx="2">
+            <a:schemeClr val="accent1">
+              <a:shade val="50000"/>
+            </a:schemeClr>
+          </a:lnRef>
+          <a:fillRef idx="1">
+            <a:schemeClr val="accent1"/>
+          </a:fillRef>
+          <a:effectRef idx="0">
+            <a:schemeClr val="accent1"/>
+          </a:effectRef>
+          <a:fontRef idx="minor">
+            <a:schemeClr val="lt1"/>
+          </a:fontRef>
+        </p:style>
+        <p:txBody>
+          <a:bodyPr rot="0" spcFirstLastPara="0" vert="horz" wrap="square" lIns="91440" tIns="45720" rIns="91440" bIns="45720" numCol="1" spcCol="0" rtlCol="0" fromWordArt="0" anchor="ctr" anchorCtr="0" forceAA="0" compatLnSpc="1">
+            <a:prstTxWarp prst="textNoShape">
+              <a:avLst/>
+            </a:prstTxWarp>
+            <a:noAutofit/>
+          </a:bodyPr>
+          <a:lstStyle/>
+          <a:p>
+            <a:endParaRPr lang="de-DE"/>
+          </a:p>
+        </p:txBody>
+      </p:sp>
+      <p:sp>
+        <p:nvSpPr>
+          <p:cNvPr id="13" name="Oval 12"/>
+          <p:cNvSpPr/>
+          <p:nvPr/>
+        </p:nvSpPr>
+        <p:spPr>
+          <a:xfrm>
+            <a:off x="4664765" y="4619342"/>
+            <a:ext cx="1296035" cy="1254760"/>
+          </a:xfrm>
+          <a:prstGeom prst="ellipse">
+            <a:avLst/>
+          </a:prstGeom>
+          <a:solidFill>
+            <a:schemeClr val="accent1">
+              <a:alpha val="20000"/>
+            </a:schemeClr>
+          </a:solidFill>
+        </p:spPr>
+        <p:style>
+          <a:lnRef idx="2">
+            <a:schemeClr val="accent1">
+              <a:shade val="50000"/>
+            </a:schemeClr>
+          </a:lnRef>
+          <a:fillRef idx="1">
+            <a:schemeClr val="accent1"/>
+          </a:fillRef>
+          <a:effectRef idx="0">
+            <a:schemeClr val="accent1"/>
+          </a:effectRef>
+          <a:fontRef idx="minor">
+            <a:schemeClr val="lt1"/>
+          </a:fontRef>
+        </p:style>
+        <p:txBody>
+          <a:bodyPr rot="0" spcFirstLastPara="0" vert="horz" wrap="square" lIns="91440" tIns="45720" rIns="91440" bIns="45720" numCol="1" spcCol="0" rtlCol="0" fromWordArt="0" anchor="ctr" anchorCtr="0" forceAA="0" compatLnSpc="1">
+            <a:prstTxWarp prst="textNoShape">
+              <a:avLst/>
+            </a:prstTxWarp>
+            <a:noAutofit/>
+          </a:bodyPr>
+          <a:lstStyle/>
+          <a:p>
+            <a:endParaRPr lang="de-DE"/>
+          </a:p>
+        </p:txBody>
+      </p:sp>
+      <p:sp>
+        <p:nvSpPr>
+          <p:cNvPr id="14" name="Oval 13"/>
+          <p:cNvSpPr/>
+          <p:nvPr/>
+        </p:nvSpPr>
+        <p:spPr>
+          <a:xfrm>
+            <a:off x="2320468" y="1207125"/>
+            <a:ext cx="1296035" cy="1254760"/>
+          </a:xfrm>
+          <a:prstGeom prst="ellipse">
+            <a:avLst/>
+          </a:prstGeom>
+          <a:solidFill>
+            <a:schemeClr val="accent1">
+              <a:alpha val="20000"/>
+            </a:schemeClr>
+          </a:solidFill>
+        </p:spPr>
+        <p:style>
+          <a:lnRef idx="2">
+            <a:schemeClr val="accent1">
+              <a:shade val="50000"/>
+            </a:schemeClr>
+          </a:lnRef>
+          <a:fillRef idx="1">
+            <a:schemeClr val="accent1"/>
+          </a:fillRef>
+          <a:effectRef idx="0">
+            <a:schemeClr val="accent1"/>
+          </a:effectRef>
+          <a:fontRef idx="minor">
+            <a:schemeClr val="lt1"/>
+          </a:fontRef>
+        </p:style>
+        <p:txBody>
+          <a:bodyPr rot="0" spcFirstLastPara="0" vert="horz" wrap="square" lIns="91440" tIns="45720" rIns="91440" bIns="45720" numCol="1" spcCol="0" rtlCol="0" fromWordArt="0" anchor="ctr" anchorCtr="0" forceAA="0" compatLnSpc="1">
+            <a:prstTxWarp prst="textNoShape">
+              <a:avLst/>
+            </a:prstTxWarp>
+            <a:noAutofit/>
+          </a:bodyPr>
+          <a:lstStyle/>
+          <a:p>
+            <a:endParaRPr lang="de-DE"/>
+          </a:p>
+        </p:txBody>
+      </p:sp>
+    </p:spTree>
+    <p:extLst>
+      <p:ext uri="{BB962C8B-B14F-4D97-AF65-F5344CB8AC3E}">
+        <p14:creationId xmlns:p14="http://schemas.microsoft.com/office/powerpoint/2010/main" val="686632633"/>
+      </p:ext>
+    </p:extLst>
+  </p:cSld>
+  <p:clrMapOvr>
+    <a:masterClrMapping/>
+  </p:clrMapOvr>
+</p:sld>
+</file>
+
+<file path=ppt/slides/slide9.xml><?xml version="1.0" encoding="utf-8"?>
+<p:sld xmlns:a="http://schemas.openxmlformats.org/drawingml/2006/main" xmlns:r="http://schemas.openxmlformats.org/officeDocument/2006/relationships" xmlns:p="http://schemas.openxmlformats.org/presentationml/2006/main">
+  <p:cSld>
+    <p:spTree>
+      <p:nvGrpSpPr>
+        <p:cNvPr id="1" name=""/>
+        <p:cNvGrpSpPr/>
+        <p:nvPr/>
+      </p:nvGrpSpPr>
+      <p:grpSpPr>
+        <a:xfrm>
+          <a:off x="0" y="0"/>
+          <a:ext cx="0" cy="0"/>
+          <a:chOff x="0" y="0"/>
+          <a:chExt cx="0" cy="0"/>
+        </a:xfrm>
+      </p:grpSpPr>
+      <p:sp>
+        <p:nvSpPr>
+          <p:cNvPr id="2" name="Titel 1"/>
+          <p:cNvSpPr>
+            <a:spLocks noGrp="1"/>
+          </p:cNvSpPr>
+          <p:nvPr>
+            <p:ph type="title"/>
+          </p:nvPr>
+        </p:nvSpPr>
+        <p:spPr/>
+        <p:txBody>
+          <a:bodyPr/>
+          <a:lstStyle/>
+          <a:p>
+            <a:r>
+              <a:rPr lang="en-US" dirty="0"/>
+              <a:t>Notification Preferences</a:t>
+            </a:r>
+          </a:p>
+        </p:txBody>
+      </p:sp>
       <p:pic>
         <p:nvPicPr>
           <p:cNvPr id="4" name="Bild 3"/>
@@ -4976,8 +5739,32 @@
         </p:blipFill>
         <p:spPr>
           <a:xfrm>
-            <a:off x="1924050" y="444500"/>
-            <a:ext cx="8343900" cy="5969000"/>
+            <a:off x="838199" y="1825625"/>
+            <a:ext cx="4575483" cy="3753540"/>
+          </a:xfrm>
+          <a:prstGeom prst="rect">
+            <a:avLst/>
+          </a:prstGeom>
+        </p:spPr>
+      </p:pic>
+      <p:pic>
+        <p:nvPicPr>
+          <p:cNvPr id="5" name="Bild 4"/>
+          <p:cNvPicPr>
+            <a:picLocks noChangeAspect="1"/>
+          </p:cNvPicPr>
+          <p:nvPr/>
+        </p:nvPicPr>
+        <p:blipFill>
+          <a:blip r:embed="rId3"/>
+          <a:stretch>
+            <a:fillRect/>
+          </a:stretch>
+        </p:blipFill>
+        <p:spPr>
+          <a:xfrm>
+            <a:off x="6641326" y="1825625"/>
+            <a:ext cx="4712474" cy="3753540"/>
           </a:xfrm>
           <a:prstGeom prst="rect">
             <a:avLst/>
@@ -4987,7 +5774,7 @@
     </p:spTree>
     <p:extLst>
       <p:ext uri="{BB962C8B-B14F-4D97-AF65-F5344CB8AC3E}">
-        <p14:creationId xmlns:p14="http://schemas.microsoft.com/office/powerpoint/2010/main" val="974653"/>
+        <p14:creationId xmlns:p14="http://schemas.microsoft.com/office/powerpoint/2010/main" val="504889330"/>
       </p:ext>
     </p:extLst>
   </p:cSld>

--- a/beacon.pptx
+++ b/beacon.pptx
@@ -2,10 +2,10 @@
 <file path=ppt/presentation.xml><?xml version="1.0" encoding="utf-8"?>
 <p:presentation xmlns:a="http://schemas.openxmlformats.org/drawingml/2006/main" xmlns:r="http://schemas.openxmlformats.org/officeDocument/2006/relationships" xmlns:p="http://schemas.openxmlformats.org/presentationml/2006/main" saveSubsetFonts="1" autoCompressPictures="0">
   <p:sldMasterIdLst>
-    <p:sldMasterId id="2147483648" r:id="rId1"/>
+    <p:sldMasterId id="2147483744" r:id="rId1"/>
   </p:sldMasterIdLst>
   <p:notesMasterIdLst>
-    <p:notesMasterId r:id="rId16"/>
+    <p:notesMasterId r:id="rId13"/>
   </p:notesMasterIdLst>
   <p:sldIdLst>
     <p:sldId id="265" r:id="rId2"/>
@@ -19,17 +19,14 @@
     <p:sldId id="261" r:id="rId10"/>
     <p:sldId id="262" r:id="rId11"/>
     <p:sldId id="264" r:id="rId12"/>
-    <p:sldId id="263" r:id="rId13"/>
-    <p:sldId id="259" r:id="rId14"/>
-    <p:sldId id="260" r:id="rId15"/>
   </p:sldIdLst>
   <p:sldSz cx="12192000" cy="6858000"/>
   <p:notesSz cx="6858000" cy="9144000"/>
   <p:defaultTextStyle>
     <a:defPPr>
-      <a:defRPr lang="de-DE"/>
+      <a:defRPr lang="en-US"/>
     </a:defPPr>
-    <a:lvl1pPr marL="0" algn="l" defTabSz="914400" rtl="0" eaLnBrk="1" latinLnBrk="0" hangingPunct="1">
+    <a:lvl1pPr marL="0" algn="l" defTabSz="457200" rtl="0" eaLnBrk="1" latinLnBrk="0" hangingPunct="1">
       <a:defRPr sz="1800" kern="1200">
         <a:solidFill>
           <a:schemeClr val="tx1"/>
@@ -39,7 +36,7 @@
         <a:cs typeface="+mn-cs"/>
       </a:defRPr>
     </a:lvl1pPr>
-    <a:lvl2pPr marL="457200" algn="l" defTabSz="914400" rtl="0" eaLnBrk="1" latinLnBrk="0" hangingPunct="1">
+    <a:lvl2pPr marL="457200" algn="l" defTabSz="457200" rtl="0" eaLnBrk="1" latinLnBrk="0" hangingPunct="1">
       <a:defRPr sz="1800" kern="1200">
         <a:solidFill>
           <a:schemeClr val="tx1"/>
@@ -49,7 +46,7 @@
         <a:cs typeface="+mn-cs"/>
       </a:defRPr>
     </a:lvl2pPr>
-    <a:lvl3pPr marL="914400" algn="l" defTabSz="914400" rtl="0" eaLnBrk="1" latinLnBrk="0" hangingPunct="1">
+    <a:lvl3pPr marL="914400" algn="l" defTabSz="457200" rtl="0" eaLnBrk="1" latinLnBrk="0" hangingPunct="1">
       <a:defRPr sz="1800" kern="1200">
         <a:solidFill>
           <a:schemeClr val="tx1"/>
@@ -59,7 +56,7 @@
         <a:cs typeface="+mn-cs"/>
       </a:defRPr>
     </a:lvl3pPr>
-    <a:lvl4pPr marL="1371600" algn="l" defTabSz="914400" rtl="0" eaLnBrk="1" latinLnBrk="0" hangingPunct="1">
+    <a:lvl4pPr marL="1371600" algn="l" defTabSz="457200" rtl="0" eaLnBrk="1" latinLnBrk="0" hangingPunct="1">
       <a:defRPr sz="1800" kern="1200">
         <a:solidFill>
           <a:schemeClr val="tx1"/>
@@ -69,7 +66,7 @@
         <a:cs typeface="+mn-cs"/>
       </a:defRPr>
     </a:lvl4pPr>
-    <a:lvl5pPr marL="1828800" algn="l" defTabSz="914400" rtl="0" eaLnBrk="1" latinLnBrk="0" hangingPunct="1">
+    <a:lvl5pPr marL="1828800" algn="l" defTabSz="457200" rtl="0" eaLnBrk="1" latinLnBrk="0" hangingPunct="1">
       <a:defRPr sz="1800" kern="1200">
         <a:solidFill>
           <a:schemeClr val="tx1"/>
@@ -79,7 +76,7 @@
         <a:cs typeface="+mn-cs"/>
       </a:defRPr>
     </a:lvl5pPr>
-    <a:lvl6pPr marL="2286000" algn="l" defTabSz="914400" rtl="0" eaLnBrk="1" latinLnBrk="0" hangingPunct="1">
+    <a:lvl6pPr marL="2286000" algn="l" defTabSz="457200" rtl="0" eaLnBrk="1" latinLnBrk="0" hangingPunct="1">
       <a:defRPr sz="1800" kern="1200">
         <a:solidFill>
           <a:schemeClr val="tx1"/>
@@ -89,7 +86,7 @@
         <a:cs typeface="+mn-cs"/>
       </a:defRPr>
     </a:lvl6pPr>
-    <a:lvl7pPr marL="2743200" algn="l" defTabSz="914400" rtl="0" eaLnBrk="1" latinLnBrk="0" hangingPunct="1">
+    <a:lvl7pPr marL="2743200" algn="l" defTabSz="457200" rtl="0" eaLnBrk="1" latinLnBrk="0" hangingPunct="1">
       <a:defRPr sz="1800" kern="1200">
         <a:solidFill>
           <a:schemeClr val="tx1"/>
@@ -99,7 +96,7 @@
         <a:cs typeface="+mn-cs"/>
       </a:defRPr>
     </a:lvl7pPr>
-    <a:lvl8pPr marL="3200400" algn="l" defTabSz="914400" rtl="0" eaLnBrk="1" latinLnBrk="0" hangingPunct="1">
+    <a:lvl8pPr marL="3200400" algn="l" defTabSz="457200" rtl="0" eaLnBrk="1" latinLnBrk="0" hangingPunct="1">
       <a:defRPr sz="1800" kern="1200">
         <a:solidFill>
           <a:schemeClr val="tx1"/>
@@ -109,7 +106,7 @@
         <a:cs typeface="+mn-cs"/>
       </a:defRPr>
     </a:lvl8pPr>
-    <a:lvl9pPr marL="3657600" algn="l" defTabSz="914400" rtl="0" eaLnBrk="1" latinLnBrk="0" hangingPunct="1">
+    <a:lvl9pPr marL="3657600" algn="l" defTabSz="457200" rtl="0" eaLnBrk="1" latinLnBrk="0" hangingPunct="1">
       <a:defRPr sz="1800" kern="1200">
         <a:solidFill>
           <a:schemeClr val="tx1"/>
@@ -483,8 +480,8 @@
 </file>
 
 <file path=ppt/slideLayouts/slideLayout1.xml><?xml version="1.0" encoding="utf-8"?>
-<p:sldLayout xmlns:a="http://schemas.openxmlformats.org/drawingml/2006/main" xmlns:r="http://schemas.openxmlformats.org/officeDocument/2006/relationships" xmlns:p="http://schemas.openxmlformats.org/presentationml/2006/main" type="title" preserve="1">
-  <p:cSld name="Titelfolie">
+<p:sldLayout xmlns:a="http://schemas.openxmlformats.org/drawingml/2006/main" xmlns:r="http://schemas.openxmlformats.org/officeDocument/2006/relationships" xmlns:p="http://schemas.openxmlformats.org/presentationml/2006/main" showMasterSp="0" type="title" preserve="1">
+  <p:cSld name="Title Slide">
     <p:spTree>
       <p:nvGrpSpPr>
         <p:cNvPr id="1" name=""/>
@@ -501,7 +498,85 @@
       </p:grpSpPr>
       <p:sp>
         <p:nvSpPr>
-          <p:cNvPr id="2" name="Titel 1"/>
+          <p:cNvPr id="7" name="Rectangle 6"/>
+          <p:cNvSpPr/>
+          <p:nvPr/>
+        </p:nvSpPr>
+        <p:spPr>
+          <a:xfrm>
+            <a:off x="3175" y="6400800"/>
+            <a:ext cx="12188825" cy="457200"/>
+          </a:xfrm>
+          <a:prstGeom prst="rect">
+            <a:avLst/>
+          </a:prstGeom>
+          <a:solidFill>
+            <a:schemeClr val="accent4">
+              <a:lumMod val="75000"/>
+            </a:schemeClr>
+          </a:solidFill>
+          <a:ln>
+            <a:noFill/>
+          </a:ln>
+        </p:spPr>
+        <p:style>
+          <a:lnRef idx="2">
+            <a:schemeClr val="accent1">
+              <a:shade val="50000"/>
+            </a:schemeClr>
+          </a:lnRef>
+          <a:fillRef idx="1">
+            <a:schemeClr val="accent1"/>
+          </a:fillRef>
+          <a:effectRef idx="0">
+            <a:schemeClr val="accent1"/>
+          </a:effectRef>
+          <a:fontRef idx="minor">
+            <a:schemeClr val="lt1"/>
+          </a:fontRef>
+        </p:style>
+      </p:sp>
+      <p:sp>
+        <p:nvSpPr>
+          <p:cNvPr id="8" name="Rectangle 7"/>
+          <p:cNvSpPr/>
+          <p:nvPr/>
+        </p:nvSpPr>
+        <p:spPr>
+          <a:xfrm>
+            <a:off x="15" y="6334316"/>
+            <a:ext cx="12188825" cy="64008"/>
+          </a:xfrm>
+          <a:prstGeom prst="rect">
+            <a:avLst/>
+          </a:prstGeom>
+          <a:solidFill>
+            <a:schemeClr val="accent4"/>
+          </a:solidFill>
+          <a:ln>
+            <a:noFill/>
+          </a:ln>
+        </p:spPr>
+        <p:style>
+          <a:lnRef idx="2">
+            <a:schemeClr val="accent1">
+              <a:shade val="50000"/>
+            </a:schemeClr>
+          </a:lnRef>
+          <a:fillRef idx="1">
+            <a:schemeClr val="accent1"/>
+          </a:fillRef>
+          <a:effectRef idx="0">
+            <a:schemeClr val="accent1"/>
+          </a:effectRef>
+          <a:fontRef idx="minor">
+            <a:schemeClr val="lt1"/>
+          </a:fontRef>
+        </p:style>
+      </p:sp>
+      <p:sp>
+        <p:nvSpPr>
+          <p:cNvPr id="2" name="Title 1"/>
           <p:cNvSpPr>
             <a:spLocks noGrp="1"/>
           </p:cNvSpPr>
@@ -511,29 +586,41 @@
         </p:nvSpPr>
         <p:spPr>
           <a:xfrm>
-            <a:off x="1524000" y="1122363"/>
-            <a:ext cx="9144000" cy="2387600"/>
-          </a:xfrm>
-        </p:spPr>
-        <p:txBody>
-          <a:bodyPr anchor="b"/>
+            <a:off x="1097280" y="758952"/>
+            <a:ext cx="10058400" cy="3566160"/>
+          </a:xfrm>
+        </p:spPr>
+        <p:txBody>
+          <a:bodyPr anchor="b">
+            <a:normAutofit/>
+          </a:bodyPr>
           <a:lstStyle>
-            <a:lvl1pPr algn="ctr">
-              <a:defRPr sz="6000"/>
+            <a:lvl1pPr algn="l">
+              <a:lnSpc>
+                <a:spcPct val="85000"/>
+              </a:lnSpc>
+              <a:defRPr sz="8000" spc="-50" baseline="0">
+                <a:solidFill>
+                  <a:schemeClr val="tx1">
+                    <a:lumMod val="85000"/>
+                    <a:lumOff val="15000"/>
+                  </a:schemeClr>
+                </a:solidFill>
+              </a:defRPr>
             </a:lvl1pPr>
           </a:lstStyle>
           <a:p>
             <a:r>
-              <a:rPr lang="de-DE"/>
-              <a:t>Mastertitelformat bearbeiten</a:t>
-            </a:r>
-            <a:endParaRPr lang="en-US"/>
-          </a:p>
-        </p:txBody>
-      </p:sp>
-      <p:sp>
-        <p:nvSpPr>
-          <p:cNvPr id="3" name="Untertitel 2"/>
+              <a:rPr lang="en-US"/>
+              <a:t>Click to edit Master title style</a:t>
+            </a:r>
+            <a:endParaRPr lang="en-US" dirty="0"/>
+          </a:p>
+        </p:txBody>
+      </p:sp>
+      <p:sp>
+        <p:nvSpPr>
+          <p:cNvPr id="3" name="Subtitle 2"/>
           <p:cNvSpPr>
             <a:spLocks noGrp="1"/>
           </p:cNvSpPr>
@@ -543,62 +630,69 @@
         </p:nvSpPr>
         <p:spPr>
           <a:xfrm>
-            <a:off x="1524000" y="3602038"/>
-            <a:ext cx="9144000" cy="1655762"/>
-          </a:xfrm>
-        </p:spPr>
-        <p:txBody>
-          <a:bodyPr/>
+            <a:off x="1100051" y="4455621"/>
+            <a:ext cx="10058400" cy="1143000"/>
+          </a:xfrm>
+        </p:spPr>
+        <p:txBody>
+          <a:bodyPr lIns="91440" rIns="91440">
+            <a:normAutofit/>
+          </a:bodyPr>
           <a:lstStyle>
-            <a:lvl1pPr marL="0" indent="0" algn="ctr">
-              <a:buNone/>
-              <a:defRPr sz="2400"/>
+            <a:lvl1pPr marL="0" indent="0" algn="l">
+              <a:buNone/>
+              <a:defRPr sz="2400" cap="all" spc="200" baseline="0">
+                <a:solidFill>
+                  <a:schemeClr val="tx2"/>
+                </a:solidFill>
+                <a:latin typeface="+mj-lt"/>
+              </a:defRPr>
             </a:lvl1pPr>
             <a:lvl2pPr marL="457200" indent="0" algn="ctr">
               <a:buNone/>
-              <a:defRPr sz="2000"/>
+              <a:defRPr sz="2400"/>
             </a:lvl2pPr>
             <a:lvl3pPr marL="914400" indent="0" algn="ctr">
               <a:buNone/>
-              <a:defRPr sz="1800"/>
+              <a:defRPr sz="2400"/>
             </a:lvl3pPr>
             <a:lvl4pPr marL="1371600" indent="0" algn="ctr">
               <a:buNone/>
-              <a:defRPr sz="1600"/>
+              <a:defRPr sz="2000"/>
             </a:lvl4pPr>
             <a:lvl5pPr marL="1828800" indent="0" algn="ctr">
               <a:buNone/>
-              <a:defRPr sz="1600"/>
+              <a:defRPr sz="2000"/>
             </a:lvl5pPr>
             <a:lvl6pPr marL="2286000" indent="0" algn="ctr">
               <a:buNone/>
-              <a:defRPr sz="1600"/>
+              <a:defRPr sz="2000"/>
             </a:lvl6pPr>
             <a:lvl7pPr marL="2743200" indent="0" algn="ctr">
               <a:buNone/>
-              <a:defRPr sz="1600"/>
+              <a:defRPr sz="2000"/>
             </a:lvl7pPr>
             <a:lvl8pPr marL="3200400" indent="0" algn="ctr">
               <a:buNone/>
-              <a:defRPr sz="1600"/>
+              <a:defRPr sz="2000"/>
             </a:lvl8pPr>
             <a:lvl9pPr marL="3657600" indent="0" algn="ctr">
               <a:buNone/>
-              <a:defRPr sz="1600"/>
+              <a:defRPr sz="2000"/>
             </a:lvl9pPr>
           </a:lstStyle>
           <a:p>
             <a:r>
-              <a:rPr lang="de-DE"/>
-              <a:t>Master-Untertitelformat bearbeiten</a:t>
-            </a:r>
-            <a:endParaRPr lang="en-US"/>
-          </a:p>
-        </p:txBody>
-      </p:sp>
-      <p:sp>
-        <p:nvSpPr>
-          <p:cNvPr id="4" name="Datumsplatzhalter 3"/>
+              <a:rPr lang="en-US"/>
+              <a:t>Click to edit Master subtitle style</a:t>
+            </a:r>
+            <a:endParaRPr lang="en-US" dirty="0"/>
+          </a:p>
+        </p:txBody>
+      </p:sp>
+      <p:sp>
+        <p:nvSpPr>
+          <p:cNvPr id="4" name="Date Placeholder 3"/>
           <p:cNvSpPr>
             <a:spLocks noGrp="1"/>
           </p:cNvSpPr>
@@ -621,7 +715,7 @@
       </p:sp>
       <p:sp>
         <p:nvSpPr>
-          <p:cNvPr id="5" name="Fußzeilenplatzhalter 4"/>
+          <p:cNvPr id="5" name="Footer Placeholder 4"/>
           <p:cNvSpPr>
             <a:spLocks noGrp="1"/>
           </p:cNvSpPr>
@@ -640,7 +734,7 @@
       </p:sp>
       <p:sp>
         <p:nvSpPr>
-          <p:cNvPr id="6" name="Foliennummernplatzhalter 5"/>
+          <p:cNvPr id="6" name="Slide Number Placeholder 5"/>
           <p:cNvSpPr>
             <a:spLocks noGrp="1"/>
           </p:cNvSpPr>
@@ -661,10 +755,48 @@
           </a:p>
         </p:txBody>
       </p:sp>
+      <p:cxnSp>
+        <p:nvCxnSpPr>
+          <p:cNvPr id="9" name="Straight Connector 8"/>
+          <p:cNvCxnSpPr/>
+          <p:nvPr/>
+        </p:nvCxnSpPr>
+        <p:spPr>
+          <a:xfrm>
+            <a:off x="1207658" y="4343400"/>
+            <a:ext cx="9875520" cy="0"/>
+          </a:xfrm>
+          <a:prstGeom prst="line">
+            <a:avLst/>
+          </a:prstGeom>
+          <a:ln w="6350">
+            <a:solidFill>
+              <a:schemeClr val="tx1">
+                <a:lumMod val="50000"/>
+                <a:lumOff val="50000"/>
+              </a:schemeClr>
+            </a:solidFill>
+          </a:ln>
+        </p:spPr>
+        <p:style>
+          <a:lnRef idx="1">
+            <a:schemeClr val="accent1"/>
+          </a:lnRef>
+          <a:fillRef idx="0">
+            <a:schemeClr val="accent1"/>
+          </a:fillRef>
+          <a:effectRef idx="0">
+            <a:schemeClr val="accent1"/>
+          </a:effectRef>
+          <a:fontRef idx="minor">
+            <a:schemeClr val="tx1"/>
+          </a:fontRef>
+        </p:style>
+      </p:cxnSp>
     </p:spTree>
     <p:extLst>
       <p:ext uri="{BB962C8B-B14F-4D97-AF65-F5344CB8AC3E}">
-        <p14:creationId xmlns:p14="http://schemas.microsoft.com/office/powerpoint/2010/main" val="1295146990"/>
+        <p14:creationId xmlns:p14="http://schemas.microsoft.com/office/powerpoint/2010/main" val="3446827841"/>
       </p:ext>
     </p:extLst>
   </p:cSld>
@@ -676,7 +808,7 @@
 
 <file path=ppt/slideLayouts/slideLayout10.xml><?xml version="1.0" encoding="utf-8"?>
 <p:sldLayout xmlns:a="http://schemas.openxmlformats.org/drawingml/2006/main" xmlns:r="http://schemas.openxmlformats.org/officeDocument/2006/relationships" xmlns:p="http://schemas.openxmlformats.org/presentationml/2006/main" type="vertTx" preserve="1">
-  <p:cSld name="Titel und vertikaler Text">
+  <p:cSld name="Title and Vertical Text">
     <p:spTree>
       <p:nvGrpSpPr>
         <p:cNvPr id="1" name=""/>
@@ -693,7 +825,7 @@
       </p:grpSpPr>
       <p:sp>
         <p:nvSpPr>
-          <p:cNvPr id="2" name="Titel 1"/>
+          <p:cNvPr id="2" name="Title 1"/>
           <p:cNvSpPr>
             <a:spLocks noGrp="1"/>
           </p:cNvSpPr>
@@ -707,16 +839,16 @@
           <a:lstStyle/>
           <a:p>
             <a:r>
-              <a:rPr lang="de-DE"/>
-              <a:t>Mastertitelformat bearbeiten</a:t>
-            </a:r>
-            <a:endParaRPr lang="en-US"/>
-          </a:p>
-        </p:txBody>
-      </p:sp>
-      <p:sp>
-        <p:nvSpPr>
-          <p:cNvPr id="3" name="Platzhalter für vertikalen Text 2"/>
+              <a:rPr lang="en-US"/>
+              <a:t>Click to edit Master title style</a:t>
+            </a:r>
+            <a:endParaRPr lang="en-US" dirty="0"/>
+          </a:p>
+        </p:txBody>
+      </p:sp>
+      <p:sp>
+        <p:nvSpPr>
+          <p:cNvPr id="3" name="Vertical Text Placeholder 2"/>
           <p:cNvSpPr>
             <a:spLocks noGrp="1"/>
           </p:cNvSpPr>
@@ -726,49 +858,49 @@
         </p:nvSpPr>
         <p:spPr/>
         <p:txBody>
-          <a:bodyPr vert="eaVert"/>
+          <a:bodyPr vert="eaVert" lIns="45720" tIns="0" rIns="45720" bIns="0"/>
           <a:lstStyle/>
           <a:p>
             <a:pPr lvl="0"/>
             <a:r>
-              <a:rPr lang="de-DE"/>
-              <a:t>Mastertextformat bearbeiten</a:t>
+              <a:rPr lang="en-US"/>
+              <a:t>Edit Master text styles</a:t>
             </a:r>
           </a:p>
           <a:p>
             <a:pPr lvl="1"/>
             <a:r>
-              <a:rPr lang="de-DE"/>
-              <a:t>Zweite Ebene</a:t>
+              <a:rPr lang="en-US"/>
+              <a:t>Second level</a:t>
             </a:r>
           </a:p>
           <a:p>
             <a:pPr lvl="2"/>
             <a:r>
-              <a:rPr lang="de-DE"/>
-              <a:t>Dritte Ebene</a:t>
+              <a:rPr lang="en-US"/>
+              <a:t>Third level</a:t>
             </a:r>
           </a:p>
           <a:p>
             <a:pPr lvl="3"/>
             <a:r>
-              <a:rPr lang="de-DE"/>
-              <a:t>Vierte Ebene</a:t>
+              <a:rPr lang="en-US"/>
+              <a:t>Fourth level</a:t>
             </a:r>
           </a:p>
           <a:p>
             <a:pPr lvl="4"/>
             <a:r>
-              <a:rPr lang="de-DE"/>
-              <a:t>Fünfte Ebene</a:t>
-            </a:r>
-            <a:endParaRPr lang="en-US"/>
-          </a:p>
-        </p:txBody>
-      </p:sp>
-      <p:sp>
-        <p:nvSpPr>
-          <p:cNvPr id="4" name="Datumsplatzhalter 3"/>
+              <a:rPr lang="en-US"/>
+              <a:t>Fifth level</a:t>
+            </a:r>
+            <a:endParaRPr lang="en-US" dirty="0"/>
+          </a:p>
+        </p:txBody>
+      </p:sp>
+      <p:sp>
+        <p:nvSpPr>
+          <p:cNvPr id="4" name="Date Placeholder 3"/>
           <p:cNvSpPr>
             <a:spLocks noGrp="1"/>
           </p:cNvSpPr>
@@ -791,7 +923,7 @@
       </p:sp>
       <p:sp>
         <p:nvSpPr>
-          <p:cNvPr id="5" name="Fußzeilenplatzhalter 4"/>
+          <p:cNvPr id="5" name="Footer Placeholder 4"/>
           <p:cNvSpPr>
             <a:spLocks noGrp="1"/>
           </p:cNvSpPr>
@@ -810,7 +942,7 @@
       </p:sp>
       <p:sp>
         <p:nvSpPr>
-          <p:cNvPr id="6" name="Foliennummernplatzhalter 5"/>
+          <p:cNvPr id="6" name="Slide Number Placeholder 5"/>
           <p:cNvSpPr>
             <a:spLocks noGrp="1"/>
           </p:cNvSpPr>
@@ -834,7 +966,7 @@
     </p:spTree>
     <p:extLst>
       <p:ext uri="{BB962C8B-B14F-4D97-AF65-F5344CB8AC3E}">
-        <p14:creationId xmlns:p14="http://schemas.microsoft.com/office/powerpoint/2010/main" val="723931105"/>
+        <p14:creationId xmlns:p14="http://schemas.microsoft.com/office/powerpoint/2010/main" val="2563548457"/>
       </p:ext>
     </p:extLst>
   </p:cSld>
@@ -845,8 +977,8 @@
 </file>
 
 <file path=ppt/slideLayouts/slideLayout11.xml><?xml version="1.0" encoding="utf-8"?>
-<p:sldLayout xmlns:a="http://schemas.openxmlformats.org/drawingml/2006/main" xmlns:r="http://schemas.openxmlformats.org/officeDocument/2006/relationships" xmlns:p="http://schemas.openxmlformats.org/presentationml/2006/main" type="vertTitleAndTx" preserve="1">
-  <p:cSld name="Vertikaler Titel und Text">
+<p:sldLayout xmlns:a="http://schemas.openxmlformats.org/drawingml/2006/main" xmlns:r="http://schemas.openxmlformats.org/officeDocument/2006/relationships" xmlns:p="http://schemas.openxmlformats.org/presentationml/2006/main" showMasterSp="0" type="vertTitleAndTx" preserve="1">
+  <p:cSld name="Vertical Title and Text">
     <p:spTree>
       <p:nvGrpSpPr>
         <p:cNvPr id="1" name=""/>
@@ -863,7 +995,85 @@
       </p:grpSpPr>
       <p:sp>
         <p:nvSpPr>
-          <p:cNvPr id="2" name="Vertikaler Titel 1"/>
+          <p:cNvPr id="7" name="Rectangle 6"/>
+          <p:cNvSpPr/>
+          <p:nvPr/>
+        </p:nvSpPr>
+        <p:spPr>
+          <a:xfrm>
+            <a:off x="3175" y="6400800"/>
+            <a:ext cx="12188825" cy="457200"/>
+          </a:xfrm>
+          <a:prstGeom prst="rect">
+            <a:avLst/>
+          </a:prstGeom>
+          <a:solidFill>
+            <a:schemeClr val="accent4">
+              <a:lumMod val="75000"/>
+            </a:schemeClr>
+          </a:solidFill>
+          <a:ln>
+            <a:noFill/>
+          </a:ln>
+        </p:spPr>
+        <p:style>
+          <a:lnRef idx="2">
+            <a:schemeClr val="accent1">
+              <a:shade val="50000"/>
+            </a:schemeClr>
+          </a:lnRef>
+          <a:fillRef idx="1">
+            <a:schemeClr val="accent1"/>
+          </a:fillRef>
+          <a:effectRef idx="0">
+            <a:schemeClr val="accent1"/>
+          </a:effectRef>
+          <a:fontRef idx="minor">
+            <a:schemeClr val="lt1"/>
+          </a:fontRef>
+        </p:style>
+      </p:sp>
+      <p:sp>
+        <p:nvSpPr>
+          <p:cNvPr id="8" name="Rectangle 7"/>
+          <p:cNvSpPr/>
+          <p:nvPr/>
+        </p:nvSpPr>
+        <p:spPr>
+          <a:xfrm>
+            <a:off x="15" y="6334316"/>
+            <a:ext cx="12188825" cy="64008"/>
+          </a:xfrm>
+          <a:prstGeom prst="rect">
+            <a:avLst/>
+          </a:prstGeom>
+          <a:solidFill>
+            <a:schemeClr val="accent4"/>
+          </a:solidFill>
+          <a:ln>
+            <a:noFill/>
+          </a:ln>
+        </p:spPr>
+        <p:style>
+          <a:lnRef idx="2">
+            <a:schemeClr val="accent1">
+              <a:shade val="50000"/>
+            </a:schemeClr>
+          </a:lnRef>
+          <a:fillRef idx="1">
+            <a:schemeClr val="accent1"/>
+          </a:fillRef>
+          <a:effectRef idx="0">
+            <a:schemeClr val="accent1"/>
+          </a:effectRef>
+          <a:fontRef idx="minor">
+            <a:schemeClr val="lt1"/>
+          </a:fontRef>
+        </p:style>
+      </p:sp>
+      <p:sp>
+        <p:nvSpPr>
+          <p:cNvPr id="2" name="Vertical Title 1"/>
           <p:cNvSpPr>
             <a:spLocks noGrp="1"/>
           </p:cNvSpPr>
@@ -873,8 +1083,8 @@
         </p:nvSpPr>
         <p:spPr>
           <a:xfrm>
-            <a:off x="8724900" y="365125"/>
-            <a:ext cx="2628900" cy="5811838"/>
+            <a:off x="8724900" y="412302"/>
+            <a:ext cx="2628900" cy="5759898"/>
           </a:xfrm>
         </p:spPr>
         <p:txBody>
@@ -882,16 +1092,16 @@
           <a:lstStyle/>
           <a:p>
             <a:r>
-              <a:rPr lang="de-DE"/>
-              <a:t>Mastertitelformat bearbeiten</a:t>
-            </a:r>
-            <a:endParaRPr lang="en-US"/>
-          </a:p>
-        </p:txBody>
-      </p:sp>
-      <p:sp>
-        <p:nvSpPr>
-          <p:cNvPr id="3" name="Platzhalter für vertikalen Text 2"/>
+              <a:rPr lang="en-US"/>
+              <a:t>Click to edit Master title style</a:t>
+            </a:r>
+            <a:endParaRPr lang="en-US" dirty="0"/>
+          </a:p>
+        </p:txBody>
+      </p:sp>
+      <p:sp>
+        <p:nvSpPr>
+          <p:cNvPr id="3" name="Vertical Text Placeholder 2"/>
           <p:cNvSpPr>
             <a:spLocks noGrp="1"/>
           </p:cNvSpPr>
@@ -901,54 +1111,54 @@
         </p:nvSpPr>
         <p:spPr>
           <a:xfrm>
-            <a:off x="838200" y="365125"/>
-            <a:ext cx="7734300" cy="5811838"/>
-          </a:xfrm>
-        </p:spPr>
-        <p:txBody>
-          <a:bodyPr vert="eaVert"/>
+            <a:off x="838200" y="412302"/>
+            <a:ext cx="7734300" cy="5759898"/>
+          </a:xfrm>
+        </p:spPr>
+        <p:txBody>
+          <a:bodyPr vert="eaVert" lIns="45720" tIns="0" rIns="45720" bIns="0"/>
           <a:lstStyle/>
           <a:p>
             <a:pPr lvl="0"/>
             <a:r>
-              <a:rPr lang="de-DE"/>
-              <a:t>Mastertextformat bearbeiten</a:t>
+              <a:rPr lang="en-US"/>
+              <a:t>Edit Master text styles</a:t>
             </a:r>
           </a:p>
           <a:p>
             <a:pPr lvl="1"/>
             <a:r>
-              <a:rPr lang="de-DE"/>
-              <a:t>Zweite Ebene</a:t>
+              <a:rPr lang="en-US"/>
+              <a:t>Second level</a:t>
             </a:r>
           </a:p>
           <a:p>
             <a:pPr lvl="2"/>
             <a:r>
-              <a:rPr lang="de-DE"/>
-              <a:t>Dritte Ebene</a:t>
+              <a:rPr lang="en-US"/>
+              <a:t>Third level</a:t>
             </a:r>
           </a:p>
           <a:p>
             <a:pPr lvl="3"/>
             <a:r>
-              <a:rPr lang="de-DE"/>
-              <a:t>Vierte Ebene</a:t>
+              <a:rPr lang="en-US"/>
+              <a:t>Fourth level</a:t>
             </a:r>
           </a:p>
           <a:p>
             <a:pPr lvl="4"/>
             <a:r>
-              <a:rPr lang="de-DE"/>
-              <a:t>Fünfte Ebene</a:t>
-            </a:r>
-            <a:endParaRPr lang="en-US"/>
-          </a:p>
-        </p:txBody>
-      </p:sp>
-      <p:sp>
-        <p:nvSpPr>
-          <p:cNvPr id="4" name="Datumsplatzhalter 3"/>
+              <a:rPr lang="en-US"/>
+              <a:t>Fifth level</a:t>
+            </a:r>
+            <a:endParaRPr lang="en-US" dirty="0"/>
+          </a:p>
+        </p:txBody>
+      </p:sp>
+      <p:sp>
+        <p:nvSpPr>
+          <p:cNvPr id="4" name="Date Placeholder 3"/>
           <p:cNvSpPr>
             <a:spLocks noGrp="1"/>
           </p:cNvSpPr>
@@ -971,7 +1181,7 @@
       </p:sp>
       <p:sp>
         <p:nvSpPr>
-          <p:cNvPr id="5" name="Fußzeilenplatzhalter 4"/>
+          <p:cNvPr id="5" name="Footer Placeholder 4"/>
           <p:cNvSpPr>
             <a:spLocks noGrp="1"/>
           </p:cNvSpPr>
@@ -990,7 +1200,7 @@
       </p:sp>
       <p:sp>
         <p:nvSpPr>
-          <p:cNvPr id="6" name="Foliennummernplatzhalter 5"/>
+          <p:cNvPr id="6" name="Slide Number Placeholder 5"/>
           <p:cNvSpPr>
             <a:spLocks noGrp="1"/>
           </p:cNvSpPr>
@@ -1014,7 +1224,7 @@
     </p:spTree>
     <p:extLst>
       <p:ext uri="{BB962C8B-B14F-4D97-AF65-F5344CB8AC3E}">
-        <p14:creationId xmlns:p14="http://schemas.microsoft.com/office/powerpoint/2010/main" val="1615221480"/>
+        <p14:creationId xmlns:p14="http://schemas.microsoft.com/office/powerpoint/2010/main" val="3085569102"/>
       </p:ext>
     </p:extLst>
   </p:cSld>
@@ -1026,7 +1236,7 @@
 
 <file path=ppt/slideLayouts/slideLayout2.xml><?xml version="1.0" encoding="utf-8"?>
 <p:sldLayout xmlns:a="http://schemas.openxmlformats.org/drawingml/2006/main" xmlns:r="http://schemas.openxmlformats.org/officeDocument/2006/relationships" xmlns:p="http://schemas.openxmlformats.org/presentationml/2006/main" type="obj" preserve="1">
-  <p:cSld name="Titel und Inhalt">
+  <p:cSld name="Title and Content">
     <p:spTree>
       <p:nvGrpSpPr>
         <p:cNvPr id="1" name=""/>
@@ -1043,7 +1253,7 @@
       </p:grpSpPr>
       <p:sp>
         <p:nvSpPr>
-          <p:cNvPr id="2" name="Titel 1"/>
+          <p:cNvPr id="2" name="Title 1"/>
           <p:cNvSpPr>
             <a:spLocks noGrp="1"/>
           </p:cNvSpPr>
@@ -1057,16 +1267,16 @@
           <a:lstStyle/>
           <a:p>
             <a:r>
-              <a:rPr lang="de-DE"/>
-              <a:t>Mastertitelformat bearbeiten</a:t>
-            </a:r>
-            <a:endParaRPr lang="en-US"/>
-          </a:p>
-        </p:txBody>
-      </p:sp>
-      <p:sp>
-        <p:nvSpPr>
-          <p:cNvPr id="3" name="Inhaltsplatzhalter 2"/>
+              <a:rPr lang="en-US"/>
+              <a:t>Click to edit Master title style</a:t>
+            </a:r>
+            <a:endParaRPr lang="en-US" dirty="0"/>
+          </a:p>
+        </p:txBody>
+      </p:sp>
+      <p:sp>
+        <p:nvSpPr>
+          <p:cNvPr id="3" name="Content Placeholder 2"/>
           <p:cNvSpPr>
             <a:spLocks noGrp="1"/>
           </p:cNvSpPr>
@@ -1081,44 +1291,44 @@
           <a:p>
             <a:pPr lvl="0"/>
             <a:r>
-              <a:rPr lang="de-DE"/>
-              <a:t>Mastertextformat bearbeiten</a:t>
+              <a:rPr lang="en-US"/>
+              <a:t>Edit Master text styles</a:t>
             </a:r>
           </a:p>
           <a:p>
             <a:pPr lvl="1"/>
             <a:r>
-              <a:rPr lang="de-DE"/>
-              <a:t>Zweite Ebene</a:t>
+              <a:rPr lang="en-US"/>
+              <a:t>Second level</a:t>
             </a:r>
           </a:p>
           <a:p>
             <a:pPr lvl="2"/>
             <a:r>
-              <a:rPr lang="de-DE"/>
-              <a:t>Dritte Ebene</a:t>
+              <a:rPr lang="en-US"/>
+              <a:t>Third level</a:t>
             </a:r>
           </a:p>
           <a:p>
             <a:pPr lvl="3"/>
             <a:r>
-              <a:rPr lang="de-DE"/>
-              <a:t>Vierte Ebene</a:t>
+              <a:rPr lang="en-US"/>
+              <a:t>Fourth level</a:t>
             </a:r>
           </a:p>
           <a:p>
             <a:pPr lvl="4"/>
             <a:r>
-              <a:rPr lang="de-DE"/>
-              <a:t>Fünfte Ebene</a:t>
-            </a:r>
-            <a:endParaRPr lang="en-US"/>
-          </a:p>
-        </p:txBody>
-      </p:sp>
-      <p:sp>
-        <p:nvSpPr>
-          <p:cNvPr id="4" name="Datumsplatzhalter 3"/>
+              <a:rPr lang="en-US"/>
+              <a:t>Fifth level</a:t>
+            </a:r>
+            <a:endParaRPr lang="en-US" dirty="0"/>
+          </a:p>
+        </p:txBody>
+      </p:sp>
+      <p:sp>
+        <p:nvSpPr>
+          <p:cNvPr id="4" name="Date Placeholder 3"/>
           <p:cNvSpPr>
             <a:spLocks noGrp="1"/>
           </p:cNvSpPr>
@@ -1141,7 +1351,7 @@
       </p:sp>
       <p:sp>
         <p:nvSpPr>
-          <p:cNvPr id="5" name="Fußzeilenplatzhalter 4"/>
+          <p:cNvPr id="5" name="Footer Placeholder 4"/>
           <p:cNvSpPr>
             <a:spLocks noGrp="1"/>
           </p:cNvSpPr>
@@ -1160,7 +1370,7 @@
       </p:sp>
       <p:sp>
         <p:nvSpPr>
-          <p:cNvPr id="6" name="Foliennummernplatzhalter 5"/>
+          <p:cNvPr id="6" name="Slide Number Placeholder 5"/>
           <p:cNvSpPr>
             <a:spLocks noGrp="1"/>
           </p:cNvSpPr>
@@ -1184,7 +1394,7 @@
     </p:spTree>
     <p:extLst>
       <p:ext uri="{BB962C8B-B14F-4D97-AF65-F5344CB8AC3E}">
-        <p14:creationId xmlns:p14="http://schemas.microsoft.com/office/powerpoint/2010/main" val="641214938"/>
+        <p14:creationId xmlns:p14="http://schemas.microsoft.com/office/powerpoint/2010/main" val="3828408103"/>
       </p:ext>
     </p:extLst>
   </p:cSld>
@@ -1195,8 +1405,8 @@
 </file>
 
 <file path=ppt/slideLayouts/slideLayout3.xml><?xml version="1.0" encoding="utf-8"?>
-<p:sldLayout xmlns:a="http://schemas.openxmlformats.org/drawingml/2006/main" xmlns:r="http://schemas.openxmlformats.org/officeDocument/2006/relationships" xmlns:p="http://schemas.openxmlformats.org/presentationml/2006/main" type="secHead" preserve="1">
-  <p:cSld name="Abschnittsüberschrift">
+<p:sldLayout xmlns:a="http://schemas.openxmlformats.org/drawingml/2006/main" xmlns:r="http://schemas.openxmlformats.org/officeDocument/2006/relationships" xmlns:p="http://schemas.openxmlformats.org/presentationml/2006/main" showMasterSp="0" type="secHead" preserve="1">
+  <p:cSld name="Section Header">
     <p:spTree>
       <p:nvGrpSpPr>
         <p:cNvPr id="1" name=""/>
@@ -1213,7 +1423,85 @@
       </p:grpSpPr>
       <p:sp>
         <p:nvSpPr>
-          <p:cNvPr id="2" name="Titel 1"/>
+          <p:cNvPr id="7" name="Rectangle 6"/>
+          <p:cNvSpPr/>
+          <p:nvPr/>
+        </p:nvSpPr>
+        <p:spPr>
+          <a:xfrm>
+            <a:off x="3175" y="6400800"/>
+            <a:ext cx="12188825" cy="457200"/>
+          </a:xfrm>
+          <a:prstGeom prst="rect">
+            <a:avLst/>
+          </a:prstGeom>
+          <a:solidFill>
+            <a:schemeClr val="accent4">
+              <a:lumMod val="75000"/>
+            </a:schemeClr>
+          </a:solidFill>
+          <a:ln>
+            <a:noFill/>
+          </a:ln>
+        </p:spPr>
+        <p:style>
+          <a:lnRef idx="2">
+            <a:schemeClr val="accent1">
+              <a:shade val="50000"/>
+            </a:schemeClr>
+          </a:lnRef>
+          <a:fillRef idx="1">
+            <a:schemeClr val="accent1"/>
+          </a:fillRef>
+          <a:effectRef idx="0">
+            <a:schemeClr val="accent1"/>
+          </a:effectRef>
+          <a:fontRef idx="minor">
+            <a:schemeClr val="lt1"/>
+          </a:fontRef>
+        </p:style>
+      </p:sp>
+      <p:sp>
+        <p:nvSpPr>
+          <p:cNvPr id="8" name="Rectangle 7"/>
+          <p:cNvSpPr/>
+          <p:nvPr/>
+        </p:nvSpPr>
+        <p:spPr>
+          <a:xfrm>
+            <a:off x="15" y="6334316"/>
+            <a:ext cx="12188825" cy="64008"/>
+          </a:xfrm>
+          <a:prstGeom prst="rect">
+            <a:avLst/>
+          </a:prstGeom>
+          <a:solidFill>
+            <a:schemeClr val="accent4"/>
+          </a:solidFill>
+          <a:ln>
+            <a:noFill/>
+          </a:ln>
+        </p:spPr>
+        <p:style>
+          <a:lnRef idx="2">
+            <a:schemeClr val="accent1">
+              <a:shade val="50000"/>
+            </a:schemeClr>
+          </a:lnRef>
+          <a:fillRef idx="1">
+            <a:schemeClr val="accent1"/>
+          </a:fillRef>
+          <a:effectRef idx="0">
+            <a:schemeClr val="accent1"/>
+          </a:effectRef>
+          <a:fontRef idx="minor">
+            <a:schemeClr val="lt1"/>
+          </a:fontRef>
+        </p:style>
+      </p:sp>
+      <p:sp>
+        <p:nvSpPr>
+          <p:cNvPr id="2" name="Title 1"/>
           <p:cNvSpPr>
             <a:spLocks noGrp="1"/>
           </p:cNvSpPr>
@@ -1223,58 +1511,71 @@
         </p:nvSpPr>
         <p:spPr>
           <a:xfrm>
-            <a:off x="831850" y="1709738"/>
-            <a:ext cx="10515600" cy="2852737"/>
-          </a:xfrm>
-        </p:spPr>
-        <p:txBody>
-          <a:bodyPr anchor="b"/>
+            <a:off x="1097280" y="758952"/>
+            <a:ext cx="10058400" cy="3566160"/>
+          </a:xfrm>
+        </p:spPr>
+        <p:txBody>
+          <a:bodyPr anchor="b" anchorCtr="0">
+            <a:normAutofit/>
+          </a:bodyPr>
           <a:lstStyle>
             <a:lvl1pPr>
-              <a:defRPr sz="6000"/>
-            </a:lvl1pPr>
-          </a:lstStyle>
-          <a:p>
-            <a:r>
-              <a:rPr lang="de-DE"/>
-              <a:t>Mastertitelformat bearbeiten</a:t>
-            </a:r>
-            <a:endParaRPr lang="en-US"/>
-          </a:p>
-        </p:txBody>
-      </p:sp>
-      <p:sp>
-        <p:nvSpPr>
-          <p:cNvPr id="3" name="Textplatzhalter 2"/>
-          <p:cNvSpPr>
-            <a:spLocks noGrp="1"/>
-          </p:cNvSpPr>
-          <p:nvPr>
-            <p:ph type="body" idx="1"/>
-          </p:nvPr>
-        </p:nvSpPr>
-        <p:spPr>
-          <a:xfrm>
-            <a:off x="831850" y="4589463"/>
-            <a:ext cx="10515600" cy="1500187"/>
-          </a:xfrm>
-        </p:spPr>
-        <p:txBody>
-          <a:bodyPr/>
-          <a:lstStyle>
-            <a:lvl1pPr marL="0" indent="0">
-              <a:buNone/>
-              <a:defRPr sz="2400">
+              <a:lnSpc>
+                <a:spcPct val="85000"/>
+              </a:lnSpc>
+              <a:defRPr sz="8000" b="0">
                 <a:solidFill>
                   <a:schemeClr val="tx1">
-                    <a:tint val="75000"/>
+                    <a:lumMod val="85000"/>
+                    <a:lumOff val="15000"/>
                   </a:schemeClr>
                 </a:solidFill>
               </a:defRPr>
             </a:lvl1pPr>
+          </a:lstStyle>
+          <a:p>
+            <a:r>
+              <a:rPr lang="en-US"/>
+              <a:t>Click to edit Master title style</a:t>
+            </a:r>
+            <a:endParaRPr lang="en-US" dirty="0"/>
+          </a:p>
+        </p:txBody>
+      </p:sp>
+      <p:sp>
+        <p:nvSpPr>
+          <p:cNvPr id="3" name="Text Placeholder 2"/>
+          <p:cNvSpPr>
+            <a:spLocks noGrp="1"/>
+          </p:cNvSpPr>
+          <p:nvPr>
+            <p:ph type="body" idx="1"/>
+          </p:nvPr>
+        </p:nvSpPr>
+        <p:spPr>
+          <a:xfrm>
+            <a:off x="1097280" y="4453128"/>
+            <a:ext cx="10058400" cy="1143000"/>
+          </a:xfrm>
+        </p:spPr>
+        <p:txBody>
+          <a:bodyPr lIns="91440" rIns="91440" anchor="t" anchorCtr="0">
+            <a:normAutofit/>
+          </a:bodyPr>
+          <a:lstStyle>
+            <a:lvl1pPr marL="0" indent="0">
+              <a:buNone/>
+              <a:defRPr sz="2400" cap="all" spc="200" baseline="0">
+                <a:solidFill>
+                  <a:schemeClr val="tx2"/>
+                </a:solidFill>
+                <a:latin typeface="+mj-lt"/>
+              </a:defRPr>
+            </a:lvl1pPr>
             <a:lvl2pPr marL="457200" indent="0">
               <a:buNone/>
-              <a:defRPr sz="2000">
+              <a:defRPr sz="1800">
                 <a:solidFill>
                   <a:schemeClr val="tx1">
                     <a:tint val="75000"/>
@@ -1284,7 +1585,7 @@
             </a:lvl2pPr>
             <a:lvl3pPr marL="914400" indent="0">
               <a:buNone/>
-              <a:defRPr sz="1800">
+              <a:defRPr sz="1600">
                 <a:solidFill>
                   <a:schemeClr val="tx1">
                     <a:tint val="75000"/>
@@ -1294,7 +1595,7 @@
             </a:lvl3pPr>
             <a:lvl4pPr marL="1371600" indent="0">
               <a:buNone/>
-              <a:defRPr sz="1600">
+              <a:defRPr sz="1400">
                 <a:solidFill>
                   <a:schemeClr val="tx1">
                     <a:tint val="75000"/>
@@ -1304,7 +1605,7 @@
             </a:lvl4pPr>
             <a:lvl5pPr marL="1828800" indent="0">
               <a:buNone/>
-              <a:defRPr sz="1600">
+              <a:defRPr sz="1400">
                 <a:solidFill>
                   <a:schemeClr val="tx1">
                     <a:tint val="75000"/>
@@ -1314,7 +1615,7 @@
             </a:lvl5pPr>
             <a:lvl6pPr marL="2286000" indent="0">
               <a:buNone/>
-              <a:defRPr sz="1600">
+              <a:defRPr sz="1400">
                 <a:solidFill>
                   <a:schemeClr val="tx1">
                     <a:tint val="75000"/>
@@ -1324,7 +1625,7 @@
             </a:lvl6pPr>
             <a:lvl7pPr marL="2743200" indent="0">
               <a:buNone/>
-              <a:defRPr sz="1600">
+              <a:defRPr sz="1400">
                 <a:solidFill>
                   <a:schemeClr val="tx1">
                     <a:tint val="75000"/>
@@ -1334,7 +1635,7 @@
             </a:lvl7pPr>
             <a:lvl8pPr marL="3200400" indent="0">
               <a:buNone/>
-              <a:defRPr sz="1600">
+              <a:defRPr sz="1400">
                 <a:solidFill>
                   <a:schemeClr val="tx1">
                     <a:tint val="75000"/>
@@ -1344,7 +1645,7 @@
             </a:lvl8pPr>
             <a:lvl9pPr marL="3657600" indent="0">
               <a:buNone/>
-              <a:defRPr sz="1600">
+              <a:defRPr sz="1400">
                 <a:solidFill>
                   <a:schemeClr val="tx1">
                     <a:tint val="75000"/>
@@ -1356,15 +1657,15 @@
           <a:p>
             <a:pPr lvl="0"/>
             <a:r>
-              <a:rPr lang="de-DE"/>
-              <a:t>Mastertextformat bearbeiten</a:t>
-            </a:r>
-          </a:p>
-        </p:txBody>
-      </p:sp>
-      <p:sp>
-        <p:nvSpPr>
-          <p:cNvPr id="4" name="Datumsplatzhalter 3"/>
+              <a:rPr lang="en-US"/>
+              <a:t>Edit Master text styles</a:t>
+            </a:r>
+          </a:p>
+        </p:txBody>
+      </p:sp>
+      <p:sp>
+        <p:nvSpPr>
+          <p:cNvPr id="4" name="Date Placeholder 3"/>
           <p:cNvSpPr>
             <a:spLocks noGrp="1"/>
           </p:cNvSpPr>
@@ -1387,7 +1688,7 @@
       </p:sp>
       <p:sp>
         <p:nvSpPr>
-          <p:cNvPr id="5" name="Fußzeilenplatzhalter 4"/>
+          <p:cNvPr id="5" name="Footer Placeholder 4"/>
           <p:cNvSpPr>
             <a:spLocks noGrp="1"/>
           </p:cNvSpPr>
@@ -1406,7 +1707,7 @@
       </p:sp>
       <p:sp>
         <p:nvSpPr>
-          <p:cNvPr id="6" name="Foliennummernplatzhalter 5"/>
+          <p:cNvPr id="6" name="Slide Number Placeholder 5"/>
           <p:cNvSpPr>
             <a:spLocks noGrp="1"/>
           </p:cNvSpPr>
@@ -1427,10 +1728,48 @@
           </a:p>
         </p:txBody>
       </p:sp>
+      <p:cxnSp>
+        <p:nvCxnSpPr>
+          <p:cNvPr id="9" name="Straight Connector 8"/>
+          <p:cNvCxnSpPr/>
+          <p:nvPr/>
+        </p:nvCxnSpPr>
+        <p:spPr>
+          <a:xfrm>
+            <a:off x="1207658" y="4343400"/>
+            <a:ext cx="9875520" cy="0"/>
+          </a:xfrm>
+          <a:prstGeom prst="line">
+            <a:avLst/>
+          </a:prstGeom>
+          <a:ln w="6350">
+            <a:solidFill>
+              <a:schemeClr val="tx1">
+                <a:lumMod val="50000"/>
+                <a:lumOff val="50000"/>
+              </a:schemeClr>
+            </a:solidFill>
+          </a:ln>
+        </p:spPr>
+        <p:style>
+          <a:lnRef idx="1">
+            <a:schemeClr val="accent1"/>
+          </a:lnRef>
+          <a:fillRef idx="0">
+            <a:schemeClr val="accent1"/>
+          </a:fillRef>
+          <a:effectRef idx="0">
+            <a:schemeClr val="accent1"/>
+          </a:effectRef>
+          <a:fontRef idx="minor">
+            <a:schemeClr val="tx1"/>
+          </a:fontRef>
+        </p:style>
+      </p:cxnSp>
     </p:spTree>
     <p:extLst>
       <p:ext uri="{BB962C8B-B14F-4D97-AF65-F5344CB8AC3E}">
-        <p14:creationId xmlns:p14="http://schemas.microsoft.com/office/powerpoint/2010/main" val="826522320"/>
+        <p14:creationId xmlns:p14="http://schemas.microsoft.com/office/powerpoint/2010/main" val="888921979"/>
       </p:ext>
     </p:extLst>
   </p:cSld>
@@ -1442,7 +1781,7 @@
 
 <file path=ppt/slideLayouts/slideLayout4.xml><?xml version="1.0" encoding="utf-8"?>
 <p:sldLayout xmlns:a="http://schemas.openxmlformats.org/drawingml/2006/main" xmlns:r="http://schemas.openxmlformats.org/officeDocument/2006/relationships" xmlns:p="http://schemas.openxmlformats.org/presentationml/2006/main" type="twoObj" preserve="1">
-  <p:cSld name="Zwei Inhalte">
+  <p:cSld name="Two Content">
     <p:spTree>
       <p:nvGrpSpPr>
         <p:cNvPr id="1" name=""/>
@@ -1459,7 +1798,7 @@
       </p:grpSpPr>
       <p:sp>
         <p:nvSpPr>
-          <p:cNvPr id="2" name="Titel 1"/>
+          <p:cNvPr id="8" name="Title 7"/>
           <p:cNvSpPr>
             <a:spLocks noGrp="1"/>
           </p:cNvSpPr>
@@ -1467,22 +1806,27 @@
             <p:ph type="title"/>
           </p:nvPr>
         </p:nvSpPr>
-        <p:spPr/>
+        <p:spPr>
+          <a:xfrm>
+            <a:off x="1097280" y="286603"/>
+            <a:ext cx="10058400" cy="1450757"/>
+          </a:xfrm>
+        </p:spPr>
         <p:txBody>
           <a:bodyPr/>
           <a:lstStyle/>
           <a:p>
             <a:r>
-              <a:rPr lang="de-DE"/>
-              <a:t>Mastertitelformat bearbeiten</a:t>
-            </a:r>
-            <a:endParaRPr lang="en-US"/>
-          </a:p>
-        </p:txBody>
-      </p:sp>
-      <p:sp>
-        <p:nvSpPr>
-          <p:cNvPr id="3" name="Inhaltsplatzhalter 2"/>
+              <a:rPr lang="en-US"/>
+              <a:t>Click to edit Master title style</a:t>
+            </a:r>
+            <a:endParaRPr lang="en-US" dirty="0"/>
+          </a:p>
+        </p:txBody>
+      </p:sp>
+      <p:sp>
+        <p:nvSpPr>
+          <p:cNvPr id="3" name="Content Placeholder 2"/>
           <p:cNvSpPr>
             <a:spLocks noGrp="1"/>
           </p:cNvSpPr>
@@ -1492,8 +1836,8 @@
         </p:nvSpPr>
         <p:spPr>
           <a:xfrm>
-            <a:off x="838200" y="1825625"/>
-            <a:ext cx="5181600" cy="4351338"/>
+            <a:off x="1097278" y="1845734"/>
+            <a:ext cx="4937760" cy="4023360"/>
           </a:xfrm>
         </p:spPr>
         <p:txBody>
@@ -1502,44 +1846,44 @@
           <a:p>
             <a:pPr lvl="0"/>
             <a:r>
-              <a:rPr lang="de-DE"/>
-              <a:t>Mastertextformat bearbeiten</a:t>
+              <a:rPr lang="en-US"/>
+              <a:t>Edit Master text styles</a:t>
             </a:r>
           </a:p>
           <a:p>
             <a:pPr lvl="1"/>
             <a:r>
-              <a:rPr lang="de-DE"/>
-              <a:t>Zweite Ebene</a:t>
+              <a:rPr lang="en-US"/>
+              <a:t>Second level</a:t>
             </a:r>
           </a:p>
           <a:p>
             <a:pPr lvl="2"/>
             <a:r>
-              <a:rPr lang="de-DE"/>
-              <a:t>Dritte Ebene</a:t>
+              <a:rPr lang="en-US"/>
+              <a:t>Third level</a:t>
             </a:r>
           </a:p>
           <a:p>
             <a:pPr lvl="3"/>
             <a:r>
-              <a:rPr lang="de-DE"/>
-              <a:t>Vierte Ebene</a:t>
+              <a:rPr lang="en-US"/>
+              <a:t>Fourth level</a:t>
             </a:r>
           </a:p>
           <a:p>
             <a:pPr lvl="4"/>
             <a:r>
-              <a:rPr lang="de-DE"/>
-              <a:t>Fünfte Ebene</a:t>
-            </a:r>
-            <a:endParaRPr lang="en-US"/>
-          </a:p>
-        </p:txBody>
-      </p:sp>
-      <p:sp>
-        <p:nvSpPr>
-          <p:cNvPr id="4" name="Inhaltsplatzhalter 3"/>
+              <a:rPr lang="en-US"/>
+              <a:t>Fifth level</a:t>
+            </a:r>
+            <a:endParaRPr lang="en-US" dirty="0"/>
+          </a:p>
+        </p:txBody>
+      </p:sp>
+      <p:sp>
+        <p:nvSpPr>
+          <p:cNvPr id="4" name="Content Placeholder 3"/>
           <p:cNvSpPr>
             <a:spLocks noGrp="1"/>
           </p:cNvSpPr>
@@ -1549,8 +1893,8 @@
         </p:nvSpPr>
         <p:spPr>
           <a:xfrm>
-            <a:off x="6172200" y="1825625"/>
-            <a:ext cx="5181600" cy="4351338"/>
+            <a:off x="6217920" y="1845735"/>
+            <a:ext cx="4937760" cy="4023360"/>
           </a:xfrm>
         </p:spPr>
         <p:txBody>
@@ -1559,44 +1903,44 @@
           <a:p>
             <a:pPr lvl="0"/>
             <a:r>
-              <a:rPr lang="de-DE"/>
-              <a:t>Mastertextformat bearbeiten</a:t>
+              <a:rPr lang="en-US"/>
+              <a:t>Edit Master text styles</a:t>
             </a:r>
           </a:p>
           <a:p>
             <a:pPr lvl="1"/>
             <a:r>
-              <a:rPr lang="de-DE"/>
-              <a:t>Zweite Ebene</a:t>
+              <a:rPr lang="en-US"/>
+              <a:t>Second level</a:t>
             </a:r>
           </a:p>
           <a:p>
             <a:pPr lvl="2"/>
             <a:r>
-              <a:rPr lang="de-DE"/>
-              <a:t>Dritte Ebene</a:t>
+              <a:rPr lang="en-US"/>
+              <a:t>Third level</a:t>
             </a:r>
           </a:p>
           <a:p>
             <a:pPr lvl="3"/>
             <a:r>
-              <a:rPr lang="de-DE"/>
-              <a:t>Vierte Ebene</a:t>
+              <a:rPr lang="en-US"/>
+              <a:t>Fourth level</a:t>
             </a:r>
           </a:p>
           <a:p>
             <a:pPr lvl="4"/>
             <a:r>
-              <a:rPr lang="de-DE"/>
-              <a:t>Fünfte Ebene</a:t>
-            </a:r>
-            <a:endParaRPr lang="en-US"/>
-          </a:p>
-        </p:txBody>
-      </p:sp>
-      <p:sp>
-        <p:nvSpPr>
-          <p:cNvPr id="5" name="Datumsplatzhalter 4"/>
+              <a:rPr lang="en-US"/>
+              <a:t>Fifth level</a:t>
+            </a:r>
+            <a:endParaRPr lang="en-US" dirty="0"/>
+          </a:p>
+        </p:txBody>
+      </p:sp>
+      <p:sp>
+        <p:nvSpPr>
+          <p:cNvPr id="5" name="Date Placeholder 4"/>
           <p:cNvSpPr>
             <a:spLocks noGrp="1"/>
           </p:cNvSpPr>
@@ -1619,7 +1963,7 @@
       </p:sp>
       <p:sp>
         <p:nvSpPr>
-          <p:cNvPr id="6" name="Fußzeilenplatzhalter 5"/>
+          <p:cNvPr id="6" name="Footer Placeholder 5"/>
           <p:cNvSpPr>
             <a:spLocks noGrp="1"/>
           </p:cNvSpPr>
@@ -1638,7 +1982,7 @@
       </p:sp>
       <p:sp>
         <p:nvSpPr>
-          <p:cNvPr id="7" name="Foliennummernplatzhalter 6"/>
+          <p:cNvPr id="7" name="Slide Number Placeholder 6"/>
           <p:cNvSpPr>
             <a:spLocks noGrp="1"/>
           </p:cNvSpPr>
@@ -1662,7 +2006,7 @@
     </p:spTree>
     <p:extLst>
       <p:ext uri="{BB962C8B-B14F-4D97-AF65-F5344CB8AC3E}">
-        <p14:creationId xmlns:p14="http://schemas.microsoft.com/office/powerpoint/2010/main" val="1436403444"/>
+        <p14:creationId xmlns:p14="http://schemas.microsoft.com/office/powerpoint/2010/main" val="2552976648"/>
       </p:ext>
     </p:extLst>
   </p:cSld>
@@ -1674,7 +2018,7 @@
 
 <file path=ppt/slideLayouts/slideLayout5.xml><?xml version="1.0" encoding="utf-8"?>
 <p:sldLayout xmlns:a="http://schemas.openxmlformats.org/drawingml/2006/main" xmlns:r="http://schemas.openxmlformats.org/officeDocument/2006/relationships" xmlns:p="http://schemas.openxmlformats.org/presentationml/2006/main" type="twoTxTwoObj" preserve="1">
-  <p:cSld name="Vergleich">
+  <p:cSld name="Comparison">
     <p:spTree>
       <p:nvGrpSpPr>
         <p:cNvPr id="1" name=""/>
@@ -1691,7 +2035,7 @@
       </p:grpSpPr>
       <p:sp>
         <p:nvSpPr>
-          <p:cNvPr id="2" name="Titel 1"/>
+          <p:cNvPr id="10" name="Title 9"/>
           <p:cNvSpPr>
             <a:spLocks noGrp="1"/>
           </p:cNvSpPr>
@@ -1701,8 +2045,8 @@
         </p:nvSpPr>
         <p:spPr>
           <a:xfrm>
-            <a:off x="839788" y="365125"/>
-            <a:ext cx="10515600" cy="1325563"/>
+            <a:off x="1097280" y="286603"/>
+            <a:ext cx="10058400" cy="1450757"/>
           </a:xfrm>
         </p:spPr>
         <p:txBody>
@@ -1710,16 +2054,16 @@
           <a:lstStyle/>
           <a:p>
             <a:r>
-              <a:rPr lang="de-DE"/>
-              <a:t>Mastertitelformat bearbeiten</a:t>
-            </a:r>
-            <a:endParaRPr lang="en-US"/>
-          </a:p>
-        </p:txBody>
-      </p:sp>
-      <p:sp>
-        <p:nvSpPr>
-          <p:cNvPr id="3" name="Textplatzhalter 2"/>
+              <a:rPr lang="en-US"/>
+              <a:t>Click to edit Master title style</a:t>
+            </a:r>
+            <a:endParaRPr lang="en-US" dirty="0"/>
+          </a:p>
+        </p:txBody>
+      </p:sp>
+      <p:sp>
+        <p:nvSpPr>
+          <p:cNvPr id="3" name="Text Placeholder 2"/>
           <p:cNvSpPr>
             <a:spLocks noGrp="1"/>
           </p:cNvSpPr>
@@ -1729,16 +2073,22 @@
         </p:nvSpPr>
         <p:spPr>
           <a:xfrm>
-            <a:off x="839788" y="1681163"/>
-            <a:ext cx="5157787" cy="823912"/>
-          </a:xfrm>
-        </p:spPr>
-        <p:txBody>
-          <a:bodyPr anchor="b"/>
+            <a:off x="1097280" y="1846052"/>
+            <a:ext cx="4937760" cy="736282"/>
+          </a:xfrm>
+        </p:spPr>
+        <p:txBody>
+          <a:bodyPr lIns="91440" rIns="91440" anchor="ctr">
+            <a:normAutofit/>
+          </a:bodyPr>
           <a:lstStyle>
             <a:lvl1pPr marL="0" indent="0">
               <a:buNone/>
-              <a:defRPr sz="2400" b="1"/>
+              <a:defRPr sz="2000" b="0" cap="all" baseline="0">
+                <a:solidFill>
+                  <a:schemeClr val="tx2"/>
+                </a:solidFill>
+              </a:defRPr>
             </a:lvl1pPr>
             <a:lvl2pPr marL="457200" indent="0">
               <a:buNone/>
@@ -1776,15 +2126,15 @@
           <a:p>
             <a:pPr lvl="0"/>
             <a:r>
-              <a:rPr lang="de-DE"/>
-              <a:t>Mastertextformat bearbeiten</a:t>
-            </a:r>
-          </a:p>
-        </p:txBody>
-      </p:sp>
-      <p:sp>
-        <p:nvSpPr>
-          <p:cNvPr id="4" name="Inhaltsplatzhalter 3"/>
+              <a:rPr lang="en-US"/>
+              <a:t>Edit Master text styles</a:t>
+            </a:r>
+          </a:p>
+        </p:txBody>
+      </p:sp>
+      <p:sp>
+        <p:nvSpPr>
+          <p:cNvPr id="4" name="Content Placeholder 3"/>
           <p:cNvSpPr>
             <a:spLocks noGrp="1"/>
           </p:cNvSpPr>
@@ -1794,8 +2144,8 @@
         </p:nvSpPr>
         <p:spPr>
           <a:xfrm>
-            <a:off x="839788" y="2505075"/>
-            <a:ext cx="5157787" cy="3684588"/>
+            <a:off x="1097280" y="2582334"/>
+            <a:ext cx="4937760" cy="3378200"/>
           </a:xfrm>
         </p:spPr>
         <p:txBody>
@@ -1804,44 +2154,44 @@
           <a:p>
             <a:pPr lvl="0"/>
             <a:r>
-              <a:rPr lang="de-DE"/>
-              <a:t>Mastertextformat bearbeiten</a:t>
+              <a:rPr lang="en-US"/>
+              <a:t>Edit Master text styles</a:t>
             </a:r>
           </a:p>
           <a:p>
             <a:pPr lvl="1"/>
             <a:r>
-              <a:rPr lang="de-DE"/>
-              <a:t>Zweite Ebene</a:t>
+              <a:rPr lang="en-US"/>
+              <a:t>Second level</a:t>
             </a:r>
           </a:p>
           <a:p>
             <a:pPr lvl="2"/>
             <a:r>
-              <a:rPr lang="de-DE"/>
-              <a:t>Dritte Ebene</a:t>
+              <a:rPr lang="en-US"/>
+              <a:t>Third level</a:t>
             </a:r>
           </a:p>
           <a:p>
             <a:pPr lvl="3"/>
             <a:r>
-              <a:rPr lang="de-DE"/>
-              <a:t>Vierte Ebene</a:t>
+              <a:rPr lang="en-US"/>
+              <a:t>Fourth level</a:t>
             </a:r>
           </a:p>
           <a:p>
             <a:pPr lvl="4"/>
             <a:r>
-              <a:rPr lang="de-DE"/>
-              <a:t>Fünfte Ebene</a:t>
-            </a:r>
-            <a:endParaRPr lang="en-US"/>
-          </a:p>
-        </p:txBody>
-      </p:sp>
-      <p:sp>
-        <p:nvSpPr>
-          <p:cNvPr id="5" name="Textplatzhalter 4"/>
+              <a:rPr lang="en-US"/>
+              <a:t>Fifth level</a:t>
+            </a:r>
+            <a:endParaRPr lang="en-US" dirty="0"/>
+          </a:p>
+        </p:txBody>
+      </p:sp>
+      <p:sp>
+        <p:nvSpPr>
+          <p:cNvPr id="5" name="Text Placeholder 4"/>
           <p:cNvSpPr>
             <a:spLocks noGrp="1"/>
           </p:cNvSpPr>
@@ -1851,16 +2201,22 @@
         </p:nvSpPr>
         <p:spPr>
           <a:xfrm>
-            <a:off x="6172200" y="1681163"/>
-            <a:ext cx="5183188" cy="823912"/>
-          </a:xfrm>
-        </p:spPr>
-        <p:txBody>
-          <a:bodyPr anchor="b"/>
+            <a:off x="6217920" y="1846052"/>
+            <a:ext cx="4937760" cy="736282"/>
+          </a:xfrm>
+        </p:spPr>
+        <p:txBody>
+          <a:bodyPr lIns="91440" rIns="91440" anchor="ctr">
+            <a:normAutofit/>
+          </a:bodyPr>
           <a:lstStyle>
             <a:lvl1pPr marL="0" indent="0">
               <a:buNone/>
-              <a:defRPr sz="2400" b="1"/>
+              <a:defRPr sz="2000" b="0" cap="all" baseline="0">
+                <a:solidFill>
+                  <a:schemeClr val="tx2"/>
+                </a:solidFill>
+              </a:defRPr>
             </a:lvl1pPr>
             <a:lvl2pPr marL="457200" indent="0">
               <a:buNone/>
@@ -1898,15 +2254,15 @@
           <a:p>
             <a:pPr lvl="0"/>
             <a:r>
-              <a:rPr lang="de-DE"/>
-              <a:t>Mastertextformat bearbeiten</a:t>
-            </a:r>
-          </a:p>
-        </p:txBody>
-      </p:sp>
-      <p:sp>
-        <p:nvSpPr>
-          <p:cNvPr id="6" name="Inhaltsplatzhalter 5"/>
+              <a:rPr lang="en-US"/>
+              <a:t>Edit Master text styles</a:t>
+            </a:r>
+          </a:p>
+        </p:txBody>
+      </p:sp>
+      <p:sp>
+        <p:nvSpPr>
+          <p:cNvPr id="6" name="Content Placeholder 5"/>
           <p:cNvSpPr>
             <a:spLocks noGrp="1"/>
           </p:cNvSpPr>
@@ -1916,8 +2272,8 @@
         </p:nvSpPr>
         <p:spPr>
           <a:xfrm>
-            <a:off x="6172200" y="2505075"/>
-            <a:ext cx="5183188" cy="3684588"/>
+            <a:off x="6217920" y="2582334"/>
+            <a:ext cx="4937760" cy="3378200"/>
           </a:xfrm>
         </p:spPr>
         <p:txBody>
@@ -1926,44 +2282,44 @@
           <a:p>
             <a:pPr lvl="0"/>
             <a:r>
-              <a:rPr lang="de-DE"/>
-              <a:t>Mastertextformat bearbeiten</a:t>
+              <a:rPr lang="en-US"/>
+              <a:t>Edit Master text styles</a:t>
             </a:r>
           </a:p>
           <a:p>
             <a:pPr lvl="1"/>
             <a:r>
-              <a:rPr lang="de-DE"/>
-              <a:t>Zweite Ebene</a:t>
+              <a:rPr lang="en-US"/>
+              <a:t>Second level</a:t>
             </a:r>
           </a:p>
           <a:p>
             <a:pPr lvl="2"/>
             <a:r>
-              <a:rPr lang="de-DE"/>
-              <a:t>Dritte Ebene</a:t>
+              <a:rPr lang="en-US"/>
+              <a:t>Third level</a:t>
             </a:r>
           </a:p>
           <a:p>
             <a:pPr lvl="3"/>
             <a:r>
-              <a:rPr lang="de-DE"/>
-              <a:t>Vierte Ebene</a:t>
+              <a:rPr lang="en-US"/>
+              <a:t>Fourth level</a:t>
             </a:r>
           </a:p>
           <a:p>
             <a:pPr lvl="4"/>
             <a:r>
-              <a:rPr lang="de-DE"/>
-              <a:t>Fünfte Ebene</a:t>
-            </a:r>
-            <a:endParaRPr lang="en-US"/>
-          </a:p>
-        </p:txBody>
-      </p:sp>
-      <p:sp>
-        <p:nvSpPr>
-          <p:cNvPr id="7" name="Datumsplatzhalter 6"/>
+              <a:rPr lang="en-US"/>
+              <a:t>Fifth level</a:t>
+            </a:r>
+            <a:endParaRPr lang="en-US" dirty="0"/>
+          </a:p>
+        </p:txBody>
+      </p:sp>
+      <p:sp>
+        <p:nvSpPr>
+          <p:cNvPr id="7" name="Date Placeholder 6"/>
           <p:cNvSpPr>
             <a:spLocks noGrp="1"/>
           </p:cNvSpPr>
@@ -1986,7 +2342,7 @@
       </p:sp>
       <p:sp>
         <p:nvSpPr>
-          <p:cNvPr id="8" name="Fußzeilenplatzhalter 7"/>
+          <p:cNvPr id="8" name="Footer Placeholder 7"/>
           <p:cNvSpPr>
             <a:spLocks noGrp="1"/>
           </p:cNvSpPr>
@@ -2005,7 +2361,7 @@
       </p:sp>
       <p:sp>
         <p:nvSpPr>
-          <p:cNvPr id="9" name="Foliennummernplatzhalter 8"/>
+          <p:cNvPr id="9" name="Slide Number Placeholder 8"/>
           <p:cNvSpPr>
             <a:spLocks noGrp="1"/>
           </p:cNvSpPr>
@@ -2029,7 +2385,7 @@
     </p:spTree>
     <p:extLst>
       <p:ext uri="{BB962C8B-B14F-4D97-AF65-F5344CB8AC3E}">
-        <p14:creationId xmlns:p14="http://schemas.microsoft.com/office/powerpoint/2010/main" val="1769007381"/>
+        <p14:creationId xmlns:p14="http://schemas.microsoft.com/office/powerpoint/2010/main" val="1104761231"/>
       </p:ext>
     </p:extLst>
   </p:cSld>
@@ -2041,7 +2397,7 @@
 
 <file path=ppt/slideLayouts/slideLayout6.xml><?xml version="1.0" encoding="utf-8"?>
 <p:sldLayout xmlns:a="http://schemas.openxmlformats.org/drawingml/2006/main" xmlns:r="http://schemas.openxmlformats.org/officeDocument/2006/relationships" xmlns:p="http://schemas.openxmlformats.org/presentationml/2006/main" type="titleOnly" preserve="1">
-  <p:cSld name="Nur Titel">
+  <p:cSld name="Title Only">
     <p:spTree>
       <p:nvGrpSpPr>
         <p:cNvPr id="1" name=""/>
@@ -2058,7 +2414,7 @@
       </p:grpSpPr>
       <p:sp>
         <p:nvSpPr>
-          <p:cNvPr id="2" name="Titel 1"/>
+          <p:cNvPr id="2" name="Title 1"/>
           <p:cNvSpPr>
             <a:spLocks noGrp="1"/>
           </p:cNvSpPr>
@@ -2072,16 +2428,16 @@
           <a:lstStyle/>
           <a:p>
             <a:r>
-              <a:rPr lang="de-DE"/>
-              <a:t>Mastertitelformat bearbeiten</a:t>
-            </a:r>
-            <a:endParaRPr lang="en-US"/>
-          </a:p>
-        </p:txBody>
-      </p:sp>
-      <p:sp>
-        <p:nvSpPr>
-          <p:cNvPr id="3" name="Datumsplatzhalter 2"/>
+              <a:rPr lang="en-US"/>
+              <a:t>Click to edit Master title style</a:t>
+            </a:r>
+            <a:endParaRPr lang="en-US" dirty="0"/>
+          </a:p>
+        </p:txBody>
+      </p:sp>
+      <p:sp>
+        <p:nvSpPr>
+          <p:cNvPr id="3" name="Date Placeholder 2"/>
           <p:cNvSpPr>
             <a:spLocks noGrp="1"/>
           </p:cNvSpPr>
@@ -2104,7 +2460,7 @@
       </p:sp>
       <p:sp>
         <p:nvSpPr>
-          <p:cNvPr id="4" name="Fußzeilenplatzhalter 3"/>
+          <p:cNvPr id="4" name="Footer Placeholder 3"/>
           <p:cNvSpPr>
             <a:spLocks noGrp="1"/>
           </p:cNvSpPr>
@@ -2123,7 +2479,7 @@
       </p:sp>
       <p:sp>
         <p:nvSpPr>
-          <p:cNvPr id="5" name="Foliennummernplatzhalter 4"/>
+          <p:cNvPr id="5" name="Slide Number Placeholder 4"/>
           <p:cNvSpPr>
             <a:spLocks noGrp="1"/>
           </p:cNvSpPr>
@@ -2147,7 +2503,7 @@
     </p:spTree>
     <p:extLst>
       <p:ext uri="{BB962C8B-B14F-4D97-AF65-F5344CB8AC3E}">
-        <p14:creationId xmlns:p14="http://schemas.microsoft.com/office/powerpoint/2010/main" val="1943443399"/>
+        <p14:creationId xmlns:p14="http://schemas.microsoft.com/office/powerpoint/2010/main" val="2839337615"/>
       </p:ext>
     </p:extLst>
   </p:cSld>
@@ -2158,8 +2514,8 @@
 </file>
 
 <file path=ppt/slideLayouts/slideLayout7.xml><?xml version="1.0" encoding="utf-8"?>
-<p:sldLayout xmlns:a="http://schemas.openxmlformats.org/drawingml/2006/main" xmlns:r="http://schemas.openxmlformats.org/officeDocument/2006/relationships" xmlns:p="http://schemas.openxmlformats.org/presentationml/2006/main" type="blank" preserve="1">
-  <p:cSld name="Leer">
+<p:sldLayout xmlns:a="http://schemas.openxmlformats.org/drawingml/2006/main" xmlns:r="http://schemas.openxmlformats.org/officeDocument/2006/relationships" xmlns:p="http://schemas.openxmlformats.org/presentationml/2006/main" showMasterSp="0" type="blank" preserve="1">
+  <p:cSld name="Blank">
     <p:spTree>
       <p:nvGrpSpPr>
         <p:cNvPr id="1" name=""/>
@@ -2176,7 +2532,85 @@
       </p:grpSpPr>
       <p:sp>
         <p:nvSpPr>
-          <p:cNvPr id="2" name="Datumsplatzhalter 1"/>
+          <p:cNvPr id="5" name="Rectangle 4"/>
+          <p:cNvSpPr/>
+          <p:nvPr/>
+        </p:nvSpPr>
+        <p:spPr>
+          <a:xfrm>
+            <a:off x="3175" y="6400800"/>
+            <a:ext cx="12188825" cy="457200"/>
+          </a:xfrm>
+          <a:prstGeom prst="rect">
+            <a:avLst/>
+          </a:prstGeom>
+          <a:solidFill>
+            <a:schemeClr val="accent4">
+              <a:lumMod val="75000"/>
+            </a:schemeClr>
+          </a:solidFill>
+          <a:ln>
+            <a:noFill/>
+          </a:ln>
+        </p:spPr>
+        <p:style>
+          <a:lnRef idx="2">
+            <a:schemeClr val="accent1">
+              <a:shade val="50000"/>
+            </a:schemeClr>
+          </a:lnRef>
+          <a:fillRef idx="1">
+            <a:schemeClr val="accent1"/>
+          </a:fillRef>
+          <a:effectRef idx="0">
+            <a:schemeClr val="accent1"/>
+          </a:effectRef>
+          <a:fontRef idx="minor">
+            <a:schemeClr val="lt1"/>
+          </a:fontRef>
+        </p:style>
+      </p:sp>
+      <p:sp>
+        <p:nvSpPr>
+          <p:cNvPr id="6" name="Rectangle 5"/>
+          <p:cNvSpPr/>
+          <p:nvPr/>
+        </p:nvSpPr>
+        <p:spPr>
+          <a:xfrm>
+            <a:off x="15" y="6334316"/>
+            <a:ext cx="12188825" cy="64008"/>
+          </a:xfrm>
+          <a:prstGeom prst="rect">
+            <a:avLst/>
+          </a:prstGeom>
+          <a:solidFill>
+            <a:schemeClr val="accent4"/>
+          </a:solidFill>
+          <a:ln>
+            <a:noFill/>
+          </a:ln>
+        </p:spPr>
+        <p:style>
+          <a:lnRef idx="2">
+            <a:schemeClr val="accent1">
+              <a:shade val="50000"/>
+            </a:schemeClr>
+          </a:lnRef>
+          <a:fillRef idx="1">
+            <a:schemeClr val="accent1"/>
+          </a:fillRef>
+          <a:effectRef idx="0">
+            <a:schemeClr val="accent1"/>
+          </a:effectRef>
+          <a:fontRef idx="minor">
+            <a:schemeClr val="lt1"/>
+          </a:fontRef>
+        </p:style>
+      </p:sp>
+      <p:sp>
+        <p:nvSpPr>
+          <p:cNvPr id="7" name="Date Placeholder 6"/>
           <p:cNvSpPr>
             <a:spLocks noGrp="1"/>
           </p:cNvSpPr>
@@ -2199,7 +2633,7 @@
       </p:sp>
       <p:sp>
         <p:nvSpPr>
-          <p:cNvPr id="3" name="Fußzeilenplatzhalter 2"/>
+          <p:cNvPr id="8" name="Footer Placeholder 7"/>
           <p:cNvSpPr>
             <a:spLocks noGrp="1"/>
           </p:cNvSpPr>
@@ -2210,7 +2644,15 @@
         <p:spPr/>
         <p:txBody>
           <a:bodyPr/>
-          <a:lstStyle/>
+          <a:lstStyle>
+            <a:lvl1pPr>
+              <a:defRPr>
+                <a:solidFill>
+                  <a:srgbClr val="FFFFFF"/>
+                </a:solidFill>
+              </a:defRPr>
+            </a:lvl1pPr>
+          </a:lstStyle>
           <a:p>
             <a:endParaRPr lang="en-US"/>
           </a:p>
@@ -2218,7 +2660,7 @@
       </p:sp>
       <p:sp>
         <p:nvSpPr>
-          <p:cNvPr id="4" name="Foliennummernplatzhalter 3"/>
+          <p:cNvPr id="9" name="Slide Number Placeholder 8"/>
           <p:cNvSpPr>
             <a:spLocks noGrp="1"/>
           </p:cNvSpPr>
@@ -2242,7 +2684,7 @@
     </p:spTree>
     <p:extLst>
       <p:ext uri="{BB962C8B-B14F-4D97-AF65-F5344CB8AC3E}">
-        <p14:creationId xmlns:p14="http://schemas.microsoft.com/office/powerpoint/2010/main" val="226936123"/>
+        <p14:creationId xmlns:p14="http://schemas.microsoft.com/office/powerpoint/2010/main" val="102126242"/>
       </p:ext>
     </p:extLst>
   </p:cSld>
@@ -2253,8 +2695,8 @@
 </file>
 
 <file path=ppt/slideLayouts/slideLayout8.xml><?xml version="1.0" encoding="utf-8"?>
-<p:sldLayout xmlns:a="http://schemas.openxmlformats.org/drawingml/2006/main" xmlns:r="http://schemas.openxmlformats.org/officeDocument/2006/relationships" xmlns:p="http://schemas.openxmlformats.org/presentationml/2006/main" type="objTx" preserve="1">
-  <p:cSld name="Inhalt mit Beschriftung">
+<p:sldLayout xmlns:a="http://schemas.openxmlformats.org/drawingml/2006/main" xmlns:r="http://schemas.openxmlformats.org/officeDocument/2006/relationships" xmlns:p="http://schemas.openxmlformats.org/presentationml/2006/main" showMasterSp="0" type="objTx" preserve="1">
+  <p:cSld name="Content with Caption">
     <p:spTree>
       <p:nvGrpSpPr>
         <p:cNvPr id="1" name=""/>
@@ -2271,7 +2713,85 @@
       </p:grpSpPr>
       <p:sp>
         <p:nvSpPr>
-          <p:cNvPr id="2" name="Titel 1"/>
+          <p:cNvPr id="8" name="Rectangle 7"/>
+          <p:cNvSpPr/>
+          <p:nvPr/>
+        </p:nvSpPr>
+        <p:spPr>
+          <a:xfrm>
+            <a:off x="16" y="0"/>
+            <a:ext cx="4050791" cy="6858000"/>
+          </a:xfrm>
+          <a:prstGeom prst="rect">
+            <a:avLst/>
+          </a:prstGeom>
+          <a:solidFill>
+            <a:schemeClr val="accent4">
+              <a:lumMod val="75000"/>
+            </a:schemeClr>
+          </a:solidFill>
+          <a:ln>
+            <a:noFill/>
+          </a:ln>
+        </p:spPr>
+        <p:style>
+          <a:lnRef idx="2">
+            <a:schemeClr val="accent1">
+              <a:shade val="50000"/>
+            </a:schemeClr>
+          </a:lnRef>
+          <a:fillRef idx="1">
+            <a:schemeClr val="accent1"/>
+          </a:fillRef>
+          <a:effectRef idx="0">
+            <a:schemeClr val="accent1"/>
+          </a:effectRef>
+          <a:fontRef idx="minor">
+            <a:schemeClr val="lt1"/>
+          </a:fontRef>
+        </p:style>
+      </p:sp>
+      <p:sp>
+        <p:nvSpPr>
+          <p:cNvPr id="9" name="Rectangle 8"/>
+          <p:cNvSpPr/>
+          <p:nvPr/>
+        </p:nvSpPr>
+        <p:spPr>
+          <a:xfrm>
+            <a:off x="4040071" y="0"/>
+            <a:ext cx="64008" cy="6858000"/>
+          </a:xfrm>
+          <a:prstGeom prst="rect">
+            <a:avLst/>
+          </a:prstGeom>
+          <a:solidFill>
+            <a:schemeClr val="accent4"/>
+          </a:solidFill>
+          <a:ln>
+            <a:noFill/>
+          </a:ln>
+        </p:spPr>
+        <p:style>
+          <a:lnRef idx="2">
+            <a:schemeClr val="accent1">
+              <a:shade val="50000"/>
+            </a:schemeClr>
+          </a:lnRef>
+          <a:fillRef idx="1">
+            <a:schemeClr val="accent1"/>
+          </a:fillRef>
+          <a:effectRef idx="0">
+            <a:schemeClr val="accent1"/>
+          </a:effectRef>
+          <a:fontRef idx="minor">
+            <a:schemeClr val="lt1"/>
+          </a:fontRef>
+        </p:style>
+      </p:sp>
+      <p:sp>
+        <p:nvSpPr>
+          <p:cNvPr id="2" name="Title 1"/>
           <p:cNvSpPr>
             <a:spLocks noGrp="1"/>
           </p:cNvSpPr>
@@ -2281,29 +2801,35 @@
         </p:nvSpPr>
         <p:spPr>
           <a:xfrm>
-            <a:off x="839788" y="457200"/>
-            <a:ext cx="3932237" cy="1600200"/>
-          </a:xfrm>
-        </p:spPr>
-        <p:txBody>
-          <a:bodyPr anchor="b"/>
+            <a:off x="457200" y="594359"/>
+            <a:ext cx="3200400" cy="2286000"/>
+          </a:xfrm>
+        </p:spPr>
+        <p:txBody>
+          <a:bodyPr anchor="b">
+            <a:normAutofit/>
+          </a:bodyPr>
           <a:lstStyle>
             <a:lvl1pPr>
-              <a:defRPr sz="3200"/>
+              <a:defRPr sz="3600" b="0">
+                <a:solidFill>
+                  <a:srgbClr val="FFFFFF"/>
+                </a:solidFill>
+              </a:defRPr>
             </a:lvl1pPr>
           </a:lstStyle>
           <a:p>
             <a:r>
-              <a:rPr lang="de-DE"/>
-              <a:t>Mastertitelformat bearbeiten</a:t>
-            </a:r>
-            <a:endParaRPr lang="en-US"/>
-          </a:p>
-        </p:txBody>
-      </p:sp>
-      <p:sp>
-        <p:nvSpPr>
-          <p:cNvPr id="3" name="Inhaltsplatzhalter 2"/>
+              <a:rPr lang="en-US"/>
+              <a:t>Click to edit Master title style</a:t>
+            </a:r>
+            <a:endParaRPr lang="en-US" dirty="0"/>
+          </a:p>
+        </p:txBody>
+      </p:sp>
+      <p:sp>
+        <p:nvSpPr>
+          <p:cNvPr id="3" name="Content Placeholder 2"/>
           <p:cNvSpPr>
             <a:spLocks noGrp="1"/>
           </p:cNvSpPr>
@@ -2313,158 +2839,145 @@
         </p:nvSpPr>
         <p:spPr>
           <a:xfrm>
-            <a:off x="5183188" y="987425"/>
-            <a:ext cx="6172200" cy="4873625"/>
+            <a:off x="4800600" y="731520"/>
+            <a:ext cx="6492240" cy="5257800"/>
+          </a:xfrm>
+        </p:spPr>
+        <p:txBody>
+          <a:bodyPr/>
+          <a:lstStyle/>
+          <a:p>
+            <a:pPr lvl="0"/>
+            <a:r>
+              <a:rPr lang="en-US"/>
+              <a:t>Edit Master text styles</a:t>
+            </a:r>
+          </a:p>
+          <a:p>
+            <a:pPr lvl="1"/>
+            <a:r>
+              <a:rPr lang="en-US"/>
+              <a:t>Second level</a:t>
+            </a:r>
+          </a:p>
+          <a:p>
+            <a:pPr lvl="2"/>
+            <a:r>
+              <a:rPr lang="en-US"/>
+              <a:t>Third level</a:t>
+            </a:r>
+          </a:p>
+          <a:p>
+            <a:pPr lvl="3"/>
+            <a:r>
+              <a:rPr lang="en-US"/>
+              <a:t>Fourth level</a:t>
+            </a:r>
+          </a:p>
+          <a:p>
+            <a:pPr lvl="4"/>
+            <a:r>
+              <a:rPr lang="en-US"/>
+              <a:t>Fifth level</a:t>
+            </a:r>
+            <a:endParaRPr lang="en-US" dirty="0"/>
+          </a:p>
+        </p:txBody>
+      </p:sp>
+      <p:sp>
+        <p:nvSpPr>
+          <p:cNvPr id="4" name="Text Placeholder 3"/>
+          <p:cNvSpPr>
+            <a:spLocks noGrp="1"/>
+          </p:cNvSpPr>
+          <p:nvPr>
+            <p:ph type="body" sz="half" idx="2"/>
+          </p:nvPr>
+        </p:nvSpPr>
+        <p:spPr>
+          <a:xfrm>
+            <a:off x="457200" y="2926080"/>
+            <a:ext cx="3200400" cy="3379124"/>
+          </a:xfrm>
+        </p:spPr>
+        <p:txBody>
+          <a:bodyPr lIns="91440" rIns="91440">
+            <a:normAutofit/>
+          </a:bodyPr>
+          <a:lstStyle>
+            <a:lvl1pPr marL="0" indent="0">
+              <a:buNone/>
+              <a:defRPr sz="1500">
+                <a:solidFill>
+                  <a:srgbClr val="FFFFFF"/>
+                </a:solidFill>
+              </a:defRPr>
+            </a:lvl1pPr>
+            <a:lvl2pPr marL="457200" indent="0">
+              <a:buNone/>
+              <a:defRPr sz="1200"/>
+            </a:lvl2pPr>
+            <a:lvl3pPr marL="914400" indent="0">
+              <a:buNone/>
+              <a:defRPr sz="1000"/>
+            </a:lvl3pPr>
+            <a:lvl4pPr marL="1371600" indent="0">
+              <a:buNone/>
+              <a:defRPr sz="900"/>
+            </a:lvl4pPr>
+            <a:lvl5pPr marL="1828800" indent="0">
+              <a:buNone/>
+              <a:defRPr sz="900"/>
+            </a:lvl5pPr>
+            <a:lvl6pPr marL="2286000" indent="0">
+              <a:buNone/>
+              <a:defRPr sz="900"/>
+            </a:lvl6pPr>
+            <a:lvl7pPr marL="2743200" indent="0">
+              <a:buNone/>
+              <a:defRPr sz="900"/>
+            </a:lvl7pPr>
+            <a:lvl8pPr marL="3200400" indent="0">
+              <a:buNone/>
+              <a:defRPr sz="900"/>
+            </a:lvl8pPr>
+            <a:lvl9pPr marL="3657600" indent="0">
+              <a:buNone/>
+              <a:defRPr sz="900"/>
+            </a:lvl9pPr>
+          </a:lstStyle>
+          <a:p>
+            <a:pPr lvl="0"/>
+            <a:r>
+              <a:rPr lang="en-US"/>
+              <a:t>Edit Master text styles</a:t>
+            </a:r>
+          </a:p>
+        </p:txBody>
+      </p:sp>
+      <p:sp>
+        <p:nvSpPr>
+          <p:cNvPr id="5" name="Date Placeholder 4"/>
+          <p:cNvSpPr>
+            <a:spLocks noGrp="1"/>
+          </p:cNvSpPr>
+          <p:nvPr>
+            <p:ph type="dt" sz="half" idx="10"/>
+          </p:nvPr>
+        </p:nvSpPr>
+        <p:spPr>
+          <a:xfrm>
+            <a:off x="465512" y="6459785"/>
+            <a:ext cx="2618510" cy="365125"/>
           </a:xfrm>
         </p:spPr>
         <p:txBody>
           <a:bodyPr/>
           <a:lstStyle>
-            <a:lvl1pPr>
-              <a:defRPr sz="3200"/>
+            <a:lvl1pPr algn="l">
+              <a:defRPr/>
             </a:lvl1pPr>
-            <a:lvl2pPr>
-              <a:defRPr sz="2800"/>
-            </a:lvl2pPr>
-            <a:lvl3pPr>
-              <a:defRPr sz="2400"/>
-            </a:lvl3pPr>
-            <a:lvl4pPr>
-              <a:defRPr sz="2000"/>
-            </a:lvl4pPr>
-            <a:lvl5pPr>
-              <a:defRPr sz="2000"/>
-            </a:lvl5pPr>
-            <a:lvl6pPr>
-              <a:defRPr sz="2000"/>
-            </a:lvl6pPr>
-            <a:lvl7pPr>
-              <a:defRPr sz="2000"/>
-            </a:lvl7pPr>
-            <a:lvl8pPr>
-              <a:defRPr sz="2000"/>
-            </a:lvl8pPr>
-            <a:lvl9pPr>
-              <a:defRPr sz="2000"/>
-            </a:lvl9pPr>
           </a:lstStyle>
-          <a:p>
-            <a:pPr lvl="0"/>
-            <a:r>
-              <a:rPr lang="de-DE"/>
-              <a:t>Mastertextformat bearbeiten</a:t>
-            </a:r>
-          </a:p>
-          <a:p>
-            <a:pPr lvl="1"/>
-            <a:r>
-              <a:rPr lang="de-DE"/>
-              <a:t>Zweite Ebene</a:t>
-            </a:r>
-          </a:p>
-          <a:p>
-            <a:pPr lvl="2"/>
-            <a:r>
-              <a:rPr lang="de-DE"/>
-              <a:t>Dritte Ebene</a:t>
-            </a:r>
-          </a:p>
-          <a:p>
-            <a:pPr lvl="3"/>
-            <a:r>
-              <a:rPr lang="de-DE"/>
-              <a:t>Vierte Ebene</a:t>
-            </a:r>
-          </a:p>
-          <a:p>
-            <a:pPr lvl="4"/>
-            <a:r>
-              <a:rPr lang="de-DE"/>
-              <a:t>Fünfte Ebene</a:t>
-            </a:r>
-            <a:endParaRPr lang="en-US"/>
-          </a:p>
-        </p:txBody>
-      </p:sp>
-      <p:sp>
-        <p:nvSpPr>
-          <p:cNvPr id="4" name="Textplatzhalter 3"/>
-          <p:cNvSpPr>
-            <a:spLocks noGrp="1"/>
-          </p:cNvSpPr>
-          <p:nvPr>
-            <p:ph type="body" sz="half" idx="2"/>
-          </p:nvPr>
-        </p:nvSpPr>
-        <p:spPr>
-          <a:xfrm>
-            <a:off x="839788" y="2057400"/>
-            <a:ext cx="3932237" cy="3811588"/>
-          </a:xfrm>
-        </p:spPr>
-        <p:txBody>
-          <a:bodyPr/>
-          <a:lstStyle>
-            <a:lvl1pPr marL="0" indent="0">
-              <a:buNone/>
-              <a:defRPr sz="1600"/>
-            </a:lvl1pPr>
-            <a:lvl2pPr marL="457200" indent="0">
-              <a:buNone/>
-              <a:defRPr sz="1400"/>
-            </a:lvl2pPr>
-            <a:lvl3pPr marL="914400" indent="0">
-              <a:buNone/>
-              <a:defRPr sz="1200"/>
-            </a:lvl3pPr>
-            <a:lvl4pPr marL="1371600" indent="0">
-              <a:buNone/>
-              <a:defRPr sz="1000"/>
-            </a:lvl4pPr>
-            <a:lvl5pPr marL="1828800" indent="0">
-              <a:buNone/>
-              <a:defRPr sz="1000"/>
-            </a:lvl5pPr>
-            <a:lvl6pPr marL="2286000" indent="0">
-              <a:buNone/>
-              <a:defRPr sz="1000"/>
-            </a:lvl6pPr>
-            <a:lvl7pPr marL="2743200" indent="0">
-              <a:buNone/>
-              <a:defRPr sz="1000"/>
-            </a:lvl7pPr>
-            <a:lvl8pPr marL="3200400" indent="0">
-              <a:buNone/>
-              <a:defRPr sz="1000"/>
-            </a:lvl8pPr>
-            <a:lvl9pPr marL="3657600" indent="0">
-              <a:buNone/>
-              <a:defRPr sz="1000"/>
-            </a:lvl9pPr>
-          </a:lstStyle>
-          <a:p>
-            <a:pPr lvl="0"/>
-            <a:r>
-              <a:rPr lang="de-DE"/>
-              <a:t>Mastertextformat bearbeiten</a:t>
-            </a:r>
-          </a:p>
-        </p:txBody>
-      </p:sp>
-      <p:sp>
-        <p:nvSpPr>
-          <p:cNvPr id="5" name="Datumsplatzhalter 4"/>
-          <p:cNvSpPr>
-            <a:spLocks noGrp="1"/>
-          </p:cNvSpPr>
-          <p:nvPr>
-            <p:ph type="dt" sz="half" idx="10"/>
-          </p:nvPr>
-        </p:nvSpPr>
-        <p:spPr/>
-        <p:txBody>
-          <a:bodyPr/>
-          <a:lstStyle/>
           <a:p>
             <a:fld id="{15680C8E-BD82-6C46-BE23-AB0FD4D62C03}" type="datetimeFigureOut">
               <a:rPr lang="en-US" smtClean="0"/>
@@ -2476,7 +2989,7 @@
       </p:sp>
       <p:sp>
         <p:nvSpPr>
-          <p:cNvPr id="6" name="Fußzeilenplatzhalter 5"/>
+          <p:cNvPr id="6" name="Footer Placeholder 5"/>
           <p:cNvSpPr>
             <a:spLocks noGrp="1"/>
           </p:cNvSpPr>
@@ -2484,29 +2997,50 @@
             <p:ph type="ftr" sz="quarter" idx="11"/>
           </p:nvPr>
         </p:nvSpPr>
+        <p:spPr>
+          <a:xfrm>
+            <a:off x="4800600" y="6459785"/>
+            <a:ext cx="4648200" cy="365125"/>
+          </a:xfrm>
+        </p:spPr>
+        <p:txBody>
+          <a:bodyPr/>
+          <a:lstStyle>
+            <a:lvl1pPr algn="l">
+              <a:defRPr>
+                <a:solidFill>
+                  <a:schemeClr val="tx2"/>
+                </a:solidFill>
+              </a:defRPr>
+            </a:lvl1pPr>
+          </a:lstStyle>
+          <a:p>
+            <a:endParaRPr lang="en-US"/>
+          </a:p>
+        </p:txBody>
+      </p:sp>
+      <p:sp>
+        <p:nvSpPr>
+          <p:cNvPr id="7" name="Slide Number Placeholder 6"/>
+          <p:cNvSpPr>
+            <a:spLocks noGrp="1"/>
+          </p:cNvSpPr>
+          <p:nvPr>
+            <p:ph type="sldNum" sz="quarter" idx="12"/>
+          </p:nvPr>
+        </p:nvSpPr>
         <p:spPr/>
         <p:txBody>
           <a:bodyPr/>
-          <a:lstStyle/>
-          <a:p>
-            <a:endParaRPr lang="en-US"/>
-          </a:p>
-        </p:txBody>
-      </p:sp>
-      <p:sp>
-        <p:nvSpPr>
-          <p:cNvPr id="7" name="Foliennummernplatzhalter 6"/>
-          <p:cNvSpPr>
-            <a:spLocks noGrp="1"/>
-          </p:cNvSpPr>
-          <p:nvPr>
-            <p:ph type="sldNum" sz="quarter" idx="12"/>
-          </p:nvPr>
-        </p:nvSpPr>
-        <p:spPr/>
-        <p:txBody>
-          <a:bodyPr/>
-          <a:lstStyle/>
+          <a:lstStyle>
+            <a:lvl1pPr>
+              <a:defRPr>
+                <a:solidFill>
+                  <a:schemeClr val="tx2"/>
+                </a:solidFill>
+              </a:defRPr>
+            </a:lvl1pPr>
+          </a:lstStyle>
           <a:p>
             <a:fld id="{AF2E81B5-84F0-5748-9A41-0D00BEB73326}" type="slidenum">
               <a:rPr lang="en-US" smtClean="0"/>
@@ -2519,7 +3053,7 @@
     </p:spTree>
     <p:extLst>
       <p:ext uri="{BB962C8B-B14F-4D97-AF65-F5344CB8AC3E}">
-        <p14:creationId xmlns:p14="http://schemas.microsoft.com/office/powerpoint/2010/main" val="184462189"/>
+        <p14:creationId xmlns:p14="http://schemas.microsoft.com/office/powerpoint/2010/main" val="4100651167"/>
       </p:ext>
     </p:extLst>
   </p:cSld>
@@ -2530,8 +3064,8 @@
 </file>
 
 <file path=ppt/slideLayouts/slideLayout9.xml><?xml version="1.0" encoding="utf-8"?>
-<p:sldLayout xmlns:a="http://schemas.openxmlformats.org/drawingml/2006/main" xmlns:r="http://schemas.openxmlformats.org/officeDocument/2006/relationships" xmlns:p="http://schemas.openxmlformats.org/presentationml/2006/main" type="picTx" preserve="1">
-  <p:cSld name="Bild mit Beschriftung">
+<p:sldLayout xmlns:a="http://schemas.openxmlformats.org/drawingml/2006/main" xmlns:r="http://schemas.openxmlformats.org/officeDocument/2006/relationships" xmlns:p="http://schemas.openxmlformats.org/presentationml/2006/main" showMasterSp="0" type="picTx" preserve="1">
+  <p:cSld name="Picture with Caption">
     <p:spTree>
       <p:nvGrpSpPr>
         <p:cNvPr id="1" name=""/>
@@ -2548,7 +3082,85 @@
       </p:grpSpPr>
       <p:sp>
         <p:nvSpPr>
-          <p:cNvPr id="2" name="Titel 1"/>
+          <p:cNvPr id="8" name="Rectangle 7"/>
+          <p:cNvSpPr/>
+          <p:nvPr/>
+        </p:nvSpPr>
+        <p:spPr>
+          <a:xfrm>
+            <a:off x="0" y="4953000"/>
+            <a:ext cx="12188825" cy="1905000"/>
+          </a:xfrm>
+          <a:prstGeom prst="rect">
+            <a:avLst/>
+          </a:prstGeom>
+          <a:solidFill>
+            <a:schemeClr val="accent4">
+              <a:lumMod val="75000"/>
+            </a:schemeClr>
+          </a:solidFill>
+          <a:ln>
+            <a:noFill/>
+          </a:ln>
+        </p:spPr>
+        <p:style>
+          <a:lnRef idx="2">
+            <a:schemeClr val="accent1">
+              <a:shade val="50000"/>
+            </a:schemeClr>
+          </a:lnRef>
+          <a:fillRef idx="1">
+            <a:schemeClr val="accent1"/>
+          </a:fillRef>
+          <a:effectRef idx="0">
+            <a:schemeClr val="accent1"/>
+          </a:effectRef>
+          <a:fontRef idx="minor">
+            <a:schemeClr val="lt1"/>
+          </a:fontRef>
+        </p:style>
+      </p:sp>
+      <p:sp>
+        <p:nvSpPr>
+          <p:cNvPr id="9" name="Rectangle 8"/>
+          <p:cNvSpPr/>
+          <p:nvPr/>
+        </p:nvSpPr>
+        <p:spPr>
+          <a:xfrm>
+            <a:off x="15" y="4915076"/>
+            <a:ext cx="12188825" cy="64008"/>
+          </a:xfrm>
+          <a:prstGeom prst="rect">
+            <a:avLst/>
+          </a:prstGeom>
+          <a:solidFill>
+            <a:schemeClr val="accent4"/>
+          </a:solidFill>
+          <a:ln>
+            <a:noFill/>
+          </a:ln>
+        </p:spPr>
+        <p:style>
+          <a:lnRef idx="2">
+            <a:schemeClr val="accent1">
+              <a:shade val="50000"/>
+            </a:schemeClr>
+          </a:lnRef>
+          <a:fillRef idx="1">
+            <a:schemeClr val="accent1"/>
+          </a:fillRef>
+          <a:effectRef idx="0">
+            <a:schemeClr val="accent1"/>
+          </a:effectRef>
+          <a:fontRef idx="minor">
+            <a:schemeClr val="lt1"/>
+          </a:fontRef>
+        </p:style>
+      </p:sp>
+      <p:sp>
+        <p:nvSpPr>
+          <p:cNvPr id="2" name="Title 1"/>
           <p:cNvSpPr>
             <a:spLocks noGrp="1"/>
           </p:cNvSpPr>
@@ -2558,31 +3170,37 @@
         </p:nvSpPr>
         <p:spPr>
           <a:xfrm>
-            <a:off x="839788" y="457200"/>
-            <a:ext cx="3932237" cy="1600200"/>
-          </a:xfrm>
-        </p:spPr>
-        <p:txBody>
-          <a:bodyPr anchor="b"/>
+            <a:off x="1097280" y="5074920"/>
+            <a:ext cx="10113645" cy="822960"/>
+          </a:xfrm>
+        </p:spPr>
+        <p:txBody>
+          <a:bodyPr lIns="91440" tIns="0" rIns="91440" bIns="0" anchor="b">
+            <a:noAutofit/>
+          </a:bodyPr>
           <a:lstStyle>
             <a:lvl1pPr>
-              <a:defRPr sz="3200"/>
+              <a:defRPr sz="3600" b="0">
+                <a:solidFill>
+                  <a:srgbClr val="FFFFFF"/>
+                </a:solidFill>
+              </a:defRPr>
             </a:lvl1pPr>
           </a:lstStyle>
           <a:p>
             <a:r>
-              <a:rPr lang="de-DE"/>
-              <a:t>Mastertitelformat bearbeiten</a:t>
-            </a:r>
-            <a:endParaRPr lang="en-US"/>
-          </a:p>
-        </p:txBody>
-      </p:sp>
-      <p:sp>
-        <p:nvSpPr>
-          <p:cNvPr id="3" name="Bildplatzhalter 2"/>
-          <p:cNvSpPr>
-            <a:spLocks noGrp="1"/>
+              <a:rPr lang="en-US"/>
+              <a:t>Click to edit Master title style</a:t>
+            </a:r>
+            <a:endParaRPr lang="en-US" dirty="0"/>
+          </a:p>
+        </p:txBody>
+      </p:sp>
+      <p:sp>
+        <p:nvSpPr>
+          <p:cNvPr id="3" name="Picture Placeholder 2"/>
+          <p:cNvSpPr>
+            <a:spLocks noGrp="1" noChangeAspect="1"/>
           </p:cNvSpPr>
           <p:nvPr>
             <p:ph type="pic" idx="1"/>
@@ -2590,12 +3208,17 @@
         </p:nvSpPr>
         <p:spPr>
           <a:xfrm>
-            <a:off x="5183188" y="987425"/>
-            <a:ext cx="6172200" cy="4873625"/>
-          </a:xfrm>
-        </p:spPr>
-        <p:txBody>
-          <a:bodyPr/>
+            <a:off x="15" y="0"/>
+            <a:ext cx="12191985" cy="4915076"/>
+          </a:xfrm>
+          <a:solidFill>
+            <a:schemeClr val="bg2">
+              <a:lumMod val="90000"/>
+            </a:schemeClr>
+          </a:solidFill>
+        </p:spPr>
+        <p:txBody>
+          <a:bodyPr lIns="457200" tIns="457200" anchor="t"/>
           <a:lstStyle>
             <a:lvl1pPr marL="0" indent="0">
               <a:buNone/>
@@ -2635,13 +3258,17 @@
             </a:lvl9pPr>
           </a:lstStyle>
           <a:p>
-            <a:endParaRPr lang="en-US"/>
-          </a:p>
-        </p:txBody>
-      </p:sp>
-      <p:sp>
-        <p:nvSpPr>
-          <p:cNvPr id="4" name="Textplatzhalter 3"/>
+            <a:r>
+              <a:rPr lang="en-US"/>
+              <a:t>Click icon to add picture</a:t>
+            </a:r>
+            <a:endParaRPr lang="en-US" dirty="0"/>
+          </a:p>
+        </p:txBody>
+      </p:sp>
+      <p:sp>
+        <p:nvSpPr>
+          <p:cNvPr id="4" name="Text Placeholder 3"/>
           <p:cNvSpPr>
             <a:spLocks noGrp="1"/>
           </p:cNvSpPr>
@@ -2651,62 +3278,74 @@
         </p:nvSpPr>
         <p:spPr>
           <a:xfrm>
-            <a:off x="839788" y="2057400"/>
-            <a:ext cx="3932237" cy="3811588"/>
-          </a:xfrm>
-        </p:spPr>
-        <p:txBody>
-          <a:bodyPr/>
+            <a:off x="1097280" y="5907024"/>
+            <a:ext cx="10113264" cy="594360"/>
+          </a:xfrm>
+        </p:spPr>
+        <p:txBody>
+          <a:bodyPr lIns="91440" tIns="0" rIns="91440" bIns="0">
+            <a:normAutofit/>
+          </a:bodyPr>
           <a:lstStyle>
             <a:lvl1pPr marL="0" indent="0">
-              <a:buNone/>
-              <a:defRPr sz="1600"/>
+              <a:spcBef>
+                <a:spcPts val="0"/>
+              </a:spcBef>
+              <a:spcAft>
+                <a:spcPts val="600"/>
+              </a:spcAft>
+              <a:buNone/>
+              <a:defRPr sz="1500">
+                <a:solidFill>
+                  <a:srgbClr val="FFFFFF"/>
+                </a:solidFill>
+              </a:defRPr>
             </a:lvl1pPr>
             <a:lvl2pPr marL="457200" indent="0">
               <a:buNone/>
-              <a:defRPr sz="1400"/>
+              <a:defRPr sz="1200"/>
             </a:lvl2pPr>
             <a:lvl3pPr marL="914400" indent="0">
               <a:buNone/>
-              <a:defRPr sz="1200"/>
+              <a:defRPr sz="1000"/>
             </a:lvl3pPr>
             <a:lvl4pPr marL="1371600" indent="0">
               <a:buNone/>
-              <a:defRPr sz="1000"/>
+              <a:defRPr sz="900"/>
             </a:lvl4pPr>
             <a:lvl5pPr marL="1828800" indent="0">
               <a:buNone/>
-              <a:defRPr sz="1000"/>
+              <a:defRPr sz="900"/>
             </a:lvl5pPr>
             <a:lvl6pPr marL="2286000" indent="0">
               <a:buNone/>
-              <a:defRPr sz="1000"/>
+              <a:defRPr sz="900"/>
             </a:lvl6pPr>
             <a:lvl7pPr marL="2743200" indent="0">
               <a:buNone/>
-              <a:defRPr sz="1000"/>
+              <a:defRPr sz="900"/>
             </a:lvl7pPr>
             <a:lvl8pPr marL="3200400" indent="0">
               <a:buNone/>
-              <a:defRPr sz="1000"/>
+              <a:defRPr sz="900"/>
             </a:lvl8pPr>
             <a:lvl9pPr marL="3657600" indent="0">
               <a:buNone/>
-              <a:defRPr sz="1000"/>
+              <a:defRPr sz="900"/>
             </a:lvl9pPr>
           </a:lstStyle>
           <a:p>
             <a:pPr lvl="0"/>
             <a:r>
-              <a:rPr lang="de-DE"/>
-              <a:t>Mastertextformat bearbeiten</a:t>
-            </a:r>
-          </a:p>
-        </p:txBody>
-      </p:sp>
-      <p:sp>
-        <p:nvSpPr>
-          <p:cNvPr id="5" name="Datumsplatzhalter 4"/>
+              <a:rPr lang="en-US"/>
+              <a:t>Edit Master text styles</a:t>
+            </a:r>
+          </a:p>
+        </p:txBody>
+      </p:sp>
+      <p:sp>
+        <p:nvSpPr>
+          <p:cNvPr id="5" name="Date Placeholder 4"/>
           <p:cNvSpPr>
             <a:spLocks noGrp="1"/>
           </p:cNvSpPr>
@@ -2729,7 +3368,7 @@
       </p:sp>
       <p:sp>
         <p:nvSpPr>
-          <p:cNvPr id="6" name="Fußzeilenplatzhalter 5"/>
+          <p:cNvPr id="6" name="Footer Placeholder 5"/>
           <p:cNvSpPr>
             <a:spLocks noGrp="1"/>
           </p:cNvSpPr>
@@ -2748,7 +3387,7 @@
       </p:sp>
       <p:sp>
         <p:nvSpPr>
-          <p:cNvPr id="7" name="Foliennummernplatzhalter 6"/>
+          <p:cNvPr id="7" name="Slide Number Placeholder 6"/>
           <p:cNvSpPr>
             <a:spLocks noGrp="1"/>
           </p:cNvSpPr>
@@ -2772,7 +3411,7 @@
     </p:spTree>
     <p:extLst>
       <p:ext uri="{BB962C8B-B14F-4D97-AF65-F5344CB8AC3E}">
-        <p14:creationId xmlns:p14="http://schemas.microsoft.com/office/powerpoint/2010/main" val="1437107902"/>
+        <p14:creationId xmlns:p14="http://schemas.microsoft.com/office/powerpoint/2010/main" val="1239708855"/>
       </p:ext>
     </p:extLst>
   </p:cSld>
@@ -2787,7 +3426,7 @@
   <p:cSld>
     <p:bg>
       <p:bgRef idx="1001">
-        <a:schemeClr val="bg1"/>
+        <a:schemeClr val="bg2"/>
       </p:bgRef>
     </p:bg>
     <p:spTree>
@@ -2806,127 +3445,203 @@
       </p:grpSpPr>
       <p:sp>
         <p:nvSpPr>
-          <p:cNvPr id="2" name="Titelplatzhalter 1"/>
-          <p:cNvSpPr>
-            <a:spLocks noGrp="1"/>
-          </p:cNvSpPr>
-          <p:nvPr>
-            <p:ph type="title"/>
-          </p:nvPr>
-        </p:nvSpPr>
-        <p:spPr>
-          <a:xfrm>
-            <a:off x="838200" y="365125"/>
-            <a:ext cx="10515600" cy="1325563"/>
+          <p:cNvPr id="7" name="Rectangle 6"/>
+          <p:cNvSpPr/>
+          <p:nvPr/>
+        </p:nvSpPr>
+        <p:spPr>
+          <a:xfrm>
+            <a:off x="1" y="6400800"/>
+            <a:ext cx="12192000" cy="457200"/>
           </a:xfrm>
           <a:prstGeom prst="rect">
             <a:avLst/>
           </a:prstGeom>
-        </p:spPr>
-        <p:txBody>
-          <a:bodyPr vert="horz" lIns="91440" tIns="45720" rIns="91440" bIns="45720" rtlCol="0" anchor="ctr">
-            <a:normAutofit/>
-          </a:bodyPr>
-          <a:lstStyle/>
-          <a:p>
-            <a:r>
-              <a:rPr lang="de-DE"/>
-              <a:t>Mastertitelformat bearbeiten</a:t>
-            </a:r>
-            <a:endParaRPr lang="en-US"/>
-          </a:p>
-        </p:txBody>
-      </p:sp>
-      <p:sp>
-        <p:nvSpPr>
-          <p:cNvPr id="3" name="Textplatzhalter 2"/>
-          <p:cNvSpPr>
-            <a:spLocks noGrp="1"/>
-          </p:cNvSpPr>
-          <p:nvPr>
-            <p:ph type="body" idx="1"/>
-          </p:nvPr>
-        </p:nvSpPr>
-        <p:spPr>
-          <a:xfrm>
-            <a:off x="838200" y="1825625"/>
-            <a:ext cx="10515600" cy="4351338"/>
+          <a:solidFill>
+            <a:schemeClr val="accent4">
+              <a:lumMod val="75000"/>
+            </a:schemeClr>
+          </a:solidFill>
+          <a:ln>
+            <a:noFill/>
+          </a:ln>
+        </p:spPr>
+        <p:style>
+          <a:lnRef idx="2">
+            <a:schemeClr val="accent1">
+              <a:shade val="50000"/>
+            </a:schemeClr>
+          </a:lnRef>
+          <a:fillRef idx="1">
+            <a:schemeClr val="accent1"/>
+          </a:fillRef>
+          <a:effectRef idx="0">
+            <a:schemeClr val="accent1"/>
+          </a:effectRef>
+          <a:fontRef idx="minor">
+            <a:schemeClr val="lt1"/>
+          </a:fontRef>
+        </p:style>
+      </p:sp>
+      <p:sp>
+        <p:nvSpPr>
+          <p:cNvPr id="9" name="Rectangle 8"/>
+          <p:cNvSpPr/>
+          <p:nvPr/>
+        </p:nvSpPr>
+        <p:spPr>
+          <a:xfrm>
+            <a:off x="15" y="6334316"/>
+            <a:ext cx="12191985" cy="66484"/>
           </a:xfrm>
           <a:prstGeom prst="rect">
             <a:avLst/>
           </a:prstGeom>
-        </p:spPr>
-        <p:txBody>
-          <a:bodyPr vert="horz" lIns="91440" tIns="45720" rIns="91440" bIns="45720" rtlCol="0">
-            <a:normAutofit/>
-          </a:bodyPr>
-          <a:lstStyle/>
-          <a:p>
-            <a:pPr lvl="0"/>
-            <a:r>
-              <a:rPr lang="de-DE"/>
-              <a:t>Mastertextformat bearbeiten</a:t>
-            </a:r>
-          </a:p>
-          <a:p>
-            <a:pPr lvl="1"/>
-            <a:r>
-              <a:rPr lang="de-DE"/>
-              <a:t>Zweite Ebene</a:t>
-            </a:r>
-          </a:p>
-          <a:p>
-            <a:pPr lvl="2"/>
-            <a:r>
-              <a:rPr lang="de-DE"/>
-              <a:t>Dritte Ebene</a:t>
-            </a:r>
-          </a:p>
-          <a:p>
-            <a:pPr lvl="3"/>
-            <a:r>
-              <a:rPr lang="de-DE"/>
-              <a:t>Vierte Ebene</a:t>
-            </a:r>
-          </a:p>
-          <a:p>
-            <a:pPr lvl="4"/>
-            <a:r>
-              <a:rPr lang="de-DE"/>
-              <a:t>Fünfte Ebene</a:t>
-            </a:r>
-            <a:endParaRPr lang="en-US"/>
-          </a:p>
-        </p:txBody>
-      </p:sp>
-      <p:sp>
-        <p:nvSpPr>
-          <p:cNvPr id="4" name="Datumsplatzhalter 3"/>
-          <p:cNvSpPr>
-            <a:spLocks noGrp="1"/>
-          </p:cNvSpPr>
-          <p:nvPr>
-            <p:ph type="dt" sz="half" idx="2"/>
-          </p:nvPr>
-        </p:nvSpPr>
-        <p:spPr>
-          <a:xfrm>
-            <a:off x="838200" y="6356350"/>
-            <a:ext cx="2743200" cy="365125"/>
+          <a:solidFill>
+            <a:schemeClr val="accent4"/>
+          </a:solidFill>
+          <a:ln>
+            <a:noFill/>
+          </a:ln>
+        </p:spPr>
+        <p:style>
+          <a:lnRef idx="2">
+            <a:schemeClr val="accent1">
+              <a:shade val="50000"/>
+            </a:schemeClr>
+          </a:lnRef>
+          <a:fillRef idx="1">
+            <a:schemeClr val="accent1"/>
+          </a:fillRef>
+          <a:effectRef idx="0">
+            <a:schemeClr val="accent1"/>
+          </a:effectRef>
+          <a:fontRef idx="minor">
+            <a:schemeClr val="lt1"/>
+          </a:fontRef>
+        </p:style>
+      </p:sp>
+      <p:sp>
+        <p:nvSpPr>
+          <p:cNvPr id="2" name="Title Placeholder 1"/>
+          <p:cNvSpPr>
+            <a:spLocks noGrp="1"/>
+          </p:cNvSpPr>
+          <p:nvPr>
+            <p:ph type="title"/>
+          </p:nvPr>
+        </p:nvSpPr>
+        <p:spPr>
+          <a:xfrm>
+            <a:off x="1097280" y="286603"/>
+            <a:ext cx="10058400" cy="1450757"/>
           </a:xfrm>
           <a:prstGeom prst="rect">
             <a:avLst/>
           </a:prstGeom>
         </p:spPr>
         <p:txBody>
+          <a:bodyPr vert="horz" lIns="91440" tIns="45720" rIns="91440" bIns="45720" rtlCol="0" anchor="b">
+            <a:normAutofit/>
+          </a:bodyPr>
+          <a:lstStyle/>
+          <a:p>
+            <a:r>
+              <a:rPr lang="en-US"/>
+              <a:t>Click to edit Master title style</a:t>
+            </a:r>
+            <a:endParaRPr lang="en-US" dirty="0"/>
+          </a:p>
+        </p:txBody>
+      </p:sp>
+      <p:sp>
+        <p:nvSpPr>
+          <p:cNvPr id="3" name="Text Placeholder 2"/>
+          <p:cNvSpPr>
+            <a:spLocks noGrp="1"/>
+          </p:cNvSpPr>
+          <p:nvPr>
+            <p:ph type="body" idx="1"/>
+          </p:nvPr>
+        </p:nvSpPr>
+        <p:spPr>
+          <a:xfrm>
+            <a:off x="1097280" y="1845734"/>
+            <a:ext cx="10058400" cy="4023360"/>
+          </a:xfrm>
+          <a:prstGeom prst="rect">
+            <a:avLst/>
+          </a:prstGeom>
+        </p:spPr>
+        <p:txBody>
+          <a:bodyPr vert="horz" lIns="0" tIns="45720" rIns="0" bIns="45720" rtlCol="0">
+            <a:normAutofit/>
+          </a:bodyPr>
+          <a:lstStyle/>
+          <a:p>
+            <a:pPr lvl="0"/>
+            <a:r>
+              <a:rPr lang="en-US"/>
+              <a:t>Edit Master text styles</a:t>
+            </a:r>
+          </a:p>
+          <a:p>
+            <a:pPr lvl="1"/>
+            <a:r>
+              <a:rPr lang="en-US"/>
+              <a:t>Second level</a:t>
+            </a:r>
+          </a:p>
+          <a:p>
+            <a:pPr lvl="2"/>
+            <a:r>
+              <a:rPr lang="en-US"/>
+              <a:t>Third level</a:t>
+            </a:r>
+          </a:p>
+          <a:p>
+            <a:pPr lvl="3"/>
+            <a:r>
+              <a:rPr lang="en-US"/>
+              <a:t>Fourth level</a:t>
+            </a:r>
+          </a:p>
+          <a:p>
+            <a:pPr lvl="4"/>
+            <a:r>
+              <a:rPr lang="en-US"/>
+              <a:t>Fifth level</a:t>
+            </a:r>
+            <a:endParaRPr lang="en-US" dirty="0"/>
+          </a:p>
+        </p:txBody>
+      </p:sp>
+      <p:sp>
+        <p:nvSpPr>
+          <p:cNvPr id="4" name="Date Placeholder 3"/>
+          <p:cNvSpPr>
+            <a:spLocks noGrp="1"/>
+          </p:cNvSpPr>
+          <p:nvPr>
+            <p:ph type="dt" sz="half" idx="2"/>
+          </p:nvPr>
+        </p:nvSpPr>
+        <p:spPr>
+          <a:xfrm>
+            <a:off x="1097280" y="6459785"/>
+            <a:ext cx="2472271" cy="365125"/>
+          </a:xfrm>
+          <a:prstGeom prst="rect">
+            <a:avLst/>
+          </a:prstGeom>
+        </p:spPr>
+        <p:txBody>
           <a:bodyPr vert="horz" lIns="91440" tIns="45720" rIns="91440" bIns="45720" rtlCol="0" anchor="ctr"/>
           <a:lstStyle>
             <a:lvl1pPr algn="l">
-              <a:defRPr sz="1200">
+              <a:defRPr sz="900">
                 <a:solidFill>
-                  <a:schemeClr val="tx1">
-                    <a:tint val="75000"/>
-                  </a:schemeClr>
+                  <a:srgbClr val="FFFFFF"/>
                 </a:solidFill>
               </a:defRPr>
             </a:lvl1pPr>
@@ -2942,7 +3657,7 @@
       </p:sp>
       <p:sp>
         <p:nvSpPr>
-          <p:cNvPr id="5" name="Fußzeilenplatzhalter 4"/>
+          <p:cNvPr id="5" name="Footer Placeholder 4"/>
           <p:cNvSpPr>
             <a:spLocks noGrp="1"/>
           </p:cNvSpPr>
@@ -2952,8 +3667,8 @@
         </p:nvSpPr>
         <p:spPr>
           <a:xfrm>
-            <a:off x="4038600" y="6356350"/>
-            <a:ext cx="4114800" cy="365125"/>
+            <a:off x="3686185" y="6459785"/>
+            <a:ext cx="4822804" cy="365125"/>
           </a:xfrm>
           <a:prstGeom prst="rect">
             <a:avLst/>
@@ -2963,11 +3678,9 @@
           <a:bodyPr vert="horz" lIns="91440" tIns="45720" rIns="91440" bIns="45720" rtlCol="0" anchor="ctr"/>
           <a:lstStyle>
             <a:lvl1pPr algn="ctr">
-              <a:defRPr sz="1200">
+              <a:defRPr sz="900" cap="all" baseline="0">
                 <a:solidFill>
-                  <a:schemeClr val="tx1">
-                    <a:tint val="75000"/>
-                  </a:schemeClr>
+                  <a:srgbClr val="FFFFFF"/>
                 </a:solidFill>
               </a:defRPr>
             </a:lvl1pPr>
@@ -2979,7 +3692,7 @@
       </p:sp>
       <p:sp>
         <p:nvSpPr>
-          <p:cNvPr id="6" name="Foliennummernplatzhalter 5"/>
+          <p:cNvPr id="6" name="Slide Number Placeholder 5"/>
           <p:cNvSpPr>
             <a:spLocks noGrp="1"/>
           </p:cNvSpPr>
@@ -2989,8 +3702,8 @@
         </p:nvSpPr>
         <p:spPr>
           <a:xfrm>
-            <a:off x="8610600" y="6356350"/>
-            <a:ext cx="2743200" cy="365125"/>
+            <a:off x="9900458" y="6459785"/>
+            <a:ext cx="1312025" cy="365125"/>
           </a:xfrm>
           <a:prstGeom prst="rect">
             <a:avLst/>
@@ -3000,11 +3713,9 @@
           <a:bodyPr vert="horz" lIns="91440" tIns="45720" rIns="91440" bIns="45720" rtlCol="0" anchor="ctr"/>
           <a:lstStyle>
             <a:lvl1pPr algn="r">
-              <a:defRPr sz="1200">
+              <a:defRPr sz="1050">
                 <a:solidFill>
-                  <a:schemeClr val="tx1">
-                    <a:tint val="75000"/>
-                  </a:schemeClr>
+                  <a:srgbClr val="FFFFFF"/>
                 </a:solidFill>
               </a:defRPr>
             </a:lvl1pPr>
@@ -3018,40 +3729,81 @@
           </a:p>
         </p:txBody>
       </p:sp>
+      <p:cxnSp>
+        <p:nvCxnSpPr>
+          <p:cNvPr id="10" name="Straight Connector 9"/>
+          <p:cNvCxnSpPr/>
+          <p:nvPr/>
+        </p:nvCxnSpPr>
+        <p:spPr>
+          <a:xfrm>
+            <a:off x="1193532" y="1737845"/>
+            <a:ext cx="9966960" cy="0"/>
+          </a:xfrm>
+          <a:prstGeom prst="line">
+            <a:avLst/>
+          </a:prstGeom>
+          <a:ln w="6350">
+            <a:solidFill>
+              <a:schemeClr val="tx1">
+                <a:lumMod val="50000"/>
+                <a:lumOff val="50000"/>
+              </a:schemeClr>
+            </a:solidFill>
+          </a:ln>
+        </p:spPr>
+        <p:style>
+          <a:lnRef idx="1">
+            <a:schemeClr val="accent1"/>
+          </a:lnRef>
+          <a:fillRef idx="0">
+            <a:schemeClr val="accent1"/>
+          </a:fillRef>
+          <a:effectRef idx="0">
+            <a:schemeClr val="accent1"/>
+          </a:effectRef>
+          <a:fontRef idx="minor">
+            <a:schemeClr val="tx1"/>
+          </a:fontRef>
+        </p:style>
+      </p:cxnSp>
     </p:spTree>
     <p:extLst>
       <p:ext uri="{BB962C8B-B14F-4D97-AF65-F5344CB8AC3E}">
-        <p14:creationId xmlns:p14="http://schemas.microsoft.com/office/powerpoint/2010/main" val="289355514"/>
+        <p14:creationId xmlns:p14="http://schemas.microsoft.com/office/powerpoint/2010/main" val="2060400061"/>
       </p:ext>
     </p:extLst>
   </p:cSld>
   <p:clrMap bg1="lt1" tx1="dk1" bg2="lt2" tx2="dk2" accent1="accent1" accent2="accent2" accent3="accent3" accent4="accent4" accent5="accent5" accent6="accent6" hlink="hlink" folHlink="folHlink"/>
   <p:sldLayoutIdLst>
-    <p:sldLayoutId id="2147483649" r:id="rId1"/>
-    <p:sldLayoutId id="2147483650" r:id="rId2"/>
-    <p:sldLayoutId id="2147483651" r:id="rId3"/>
-    <p:sldLayoutId id="2147483652" r:id="rId4"/>
-    <p:sldLayoutId id="2147483653" r:id="rId5"/>
-    <p:sldLayoutId id="2147483654" r:id="rId6"/>
-    <p:sldLayoutId id="2147483655" r:id="rId7"/>
-    <p:sldLayoutId id="2147483656" r:id="rId8"/>
-    <p:sldLayoutId id="2147483657" r:id="rId9"/>
-    <p:sldLayoutId id="2147483658" r:id="rId10"/>
-    <p:sldLayoutId id="2147483659" r:id="rId11"/>
+    <p:sldLayoutId id="2147483745" r:id="rId1"/>
+    <p:sldLayoutId id="2147483746" r:id="rId2"/>
+    <p:sldLayoutId id="2147483747" r:id="rId3"/>
+    <p:sldLayoutId id="2147483748" r:id="rId4"/>
+    <p:sldLayoutId id="2147483749" r:id="rId5"/>
+    <p:sldLayoutId id="2147483750" r:id="rId6"/>
+    <p:sldLayoutId id="2147483751" r:id="rId7"/>
+    <p:sldLayoutId id="2147483752" r:id="rId8"/>
+    <p:sldLayoutId id="2147483753" r:id="rId9"/>
+    <p:sldLayoutId id="2147483754" r:id="rId10"/>
+    <p:sldLayoutId id="2147483755" r:id="rId11"/>
   </p:sldLayoutIdLst>
   <p:txStyles>
     <p:titleStyle>
       <a:lvl1pPr algn="l" defTabSz="914400" rtl="0" eaLnBrk="1" latinLnBrk="0" hangingPunct="1">
         <a:lnSpc>
-          <a:spcPct val="90000"/>
+          <a:spcPct val="85000"/>
         </a:lnSpc>
         <a:spcBef>
           <a:spcPct val="0"/>
         </a:spcBef>
         <a:buNone/>
-        <a:defRPr sz="4400" kern="1200">
+        <a:defRPr sz="4800" kern="1200" spc="-50" baseline="0">
           <a:solidFill>
-            <a:schemeClr val="tx1"/>
+            <a:schemeClr val="tx1">
+              <a:lumMod val="75000"/>
+              <a:lumOff val="25000"/>
+            </a:schemeClr>
           </a:solidFill>
           <a:latin typeface="+mj-lt"/>
           <a:ea typeface="+mj-ea"/>
@@ -3060,162 +3812,244 @@
       </a:lvl1pPr>
     </p:titleStyle>
     <p:bodyStyle>
-      <a:lvl1pPr marL="228600" indent="-228600" algn="l" defTabSz="914400" rtl="0" eaLnBrk="1" latinLnBrk="0" hangingPunct="1">
+      <a:lvl1pPr marL="91440" indent="-91440" algn="l" defTabSz="914400" rtl="0" eaLnBrk="1" latinLnBrk="0" hangingPunct="1">
         <a:lnSpc>
           <a:spcPct val="90000"/>
         </a:lnSpc>
         <a:spcBef>
-          <a:spcPts val="1000"/>
+          <a:spcPts val="1200"/>
         </a:spcBef>
-        <a:buFont typeface="Arial"/>
-        <a:buChar char="•"/>
-        <a:defRPr sz="2800" kern="1200">
+        <a:spcAft>
+          <a:spcPts val="200"/>
+        </a:spcAft>
+        <a:buClr>
+          <a:schemeClr val="accent1"/>
+        </a:buClr>
+        <a:buSzPct val="100000"/>
+        <a:buFont typeface="Calibri" panose="020F0502020204030204" pitchFamily="34" charset="0"/>
+        <a:buChar char=" "/>
+        <a:defRPr sz="2000" kern="1200">
           <a:solidFill>
-            <a:schemeClr val="tx1"/>
+            <a:schemeClr val="tx1">
+              <a:lumMod val="75000"/>
+              <a:lumOff val="25000"/>
+            </a:schemeClr>
           </a:solidFill>
           <a:latin typeface="+mn-lt"/>
           <a:ea typeface="+mn-ea"/>
           <a:cs typeface="+mn-cs"/>
         </a:defRPr>
       </a:lvl1pPr>
-      <a:lvl2pPr marL="685800" indent="-228600" algn="l" defTabSz="914400" rtl="0" eaLnBrk="1" latinLnBrk="0" hangingPunct="1">
+      <a:lvl2pPr marL="384048" indent="-182880" algn="l" defTabSz="914400" rtl="0" eaLnBrk="1" latinLnBrk="0" hangingPunct="1">
         <a:lnSpc>
           <a:spcPct val="90000"/>
         </a:lnSpc>
         <a:spcBef>
-          <a:spcPts val="500"/>
+          <a:spcPts val="200"/>
         </a:spcBef>
-        <a:buFont typeface="Arial"/>
-        <a:buChar char="•"/>
-        <a:defRPr sz="2400" kern="1200">
+        <a:spcAft>
+          <a:spcPts val="400"/>
+        </a:spcAft>
+        <a:buClr>
+          <a:schemeClr val="accent1"/>
+        </a:buClr>
+        <a:buFont typeface="Calibri" pitchFamily="34" charset="0"/>
+        <a:buChar char="◦"/>
+        <a:defRPr sz="1800" kern="1200">
           <a:solidFill>
-            <a:schemeClr val="tx1"/>
+            <a:schemeClr val="tx1">
+              <a:lumMod val="75000"/>
+              <a:lumOff val="25000"/>
+            </a:schemeClr>
           </a:solidFill>
           <a:latin typeface="+mn-lt"/>
           <a:ea typeface="+mn-ea"/>
           <a:cs typeface="+mn-cs"/>
         </a:defRPr>
       </a:lvl2pPr>
-      <a:lvl3pPr marL="1143000" indent="-228600" algn="l" defTabSz="914400" rtl="0" eaLnBrk="1" latinLnBrk="0" hangingPunct="1">
+      <a:lvl3pPr marL="566928" indent="-182880" algn="l" defTabSz="914400" rtl="0" eaLnBrk="1" latinLnBrk="0" hangingPunct="1">
         <a:lnSpc>
           <a:spcPct val="90000"/>
         </a:lnSpc>
         <a:spcBef>
-          <a:spcPts val="500"/>
+          <a:spcPts val="200"/>
         </a:spcBef>
-        <a:buFont typeface="Arial"/>
-        <a:buChar char="•"/>
-        <a:defRPr sz="2000" kern="1200">
+        <a:spcAft>
+          <a:spcPts val="400"/>
+        </a:spcAft>
+        <a:buClr>
+          <a:schemeClr val="accent1"/>
+        </a:buClr>
+        <a:buFont typeface="Calibri" pitchFamily="34" charset="0"/>
+        <a:buChar char="◦"/>
+        <a:defRPr sz="1400" kern="1200">
           <a:solidFill>
-            <a:schemeClr val="tx1"/>
+            <a:schemeClr val="tx1">
+              <a:lumMod val="75000"/>
+              <a:lumOff val="25000"/>
+            </a:schemeClr>
           </a:solidFill>
           <a:latin typeface="+mn-lt"/>
           <a:ea typeface="+mn-ea"/>
           <a:cs typeface="+mn-cs"/>
         </a:defRPr>
       </a:lvl3pPr>
-      <a:lvl4pPr marL="1600200" indent="-228600" algn="l" defTabSz="914400" rtl="0" eaLnBrk="1" latinLnBrk="0" hangingPunct="1">
+      <a:lvl4pPr marL="749808" indent="-182880" algn="l" defTabSz="914400" rtl="0" eaLnBrk="1" latinLnBrk="0" hangingPunct="1">
         <a:lnSpc>
           <a:spcPct val="90000"/>
         </a:lnSpc>
         <a:spcBef>
-          <a:spcPts val="500"/>
+          <a:spcPts val="200"/>
         </a:spcBef>
-        <a:buFont typeface="Arial"/>
-        <a:buChar char="•"/>
-        <a:defRPr sz="1800" kern="1200">
+        <a:spcAft>
+          <a:spcPts val="400"/>
+        </a:spcAft>
+        <a:buClr>
+          <a:schemeClr val="accent1"/>
+        </a:buClr>
+        <a:buFont typeface="Calibri" pitchFamily="34" charset="0"/>
+        <a:buChar char="◦"/>
+        <a:defRPr sz="1400" kern="1200">
           <a:solidFill>
-            <a:schemeClr val="tx1"/>
+            <a:schemeClr val="tx1">
+              <a:lumMod val="75000"/>
+              <a:lumOff val="25000"/>
+            </a:schemeClr>
           </a:solidFill>
           <a:latin typeface="+mn-lt"/>
           <a:ea typeface="+mn-ea"/>
           <a:cs typeface="+mn-cs"/>
         </a:defRPr>
       </a:lvl4pPr>
-      <a:lvl5pPr marL="2057400" indent="-228600" algn="l" defTabSz="914400" rtl="0" eaLnBrk="1" latinLnBrk="0" hangingPunct="1">
+      <a:lvl5pPr marL="932688" indent="-182880" algn="l" defTabSz="914400" rtl="0" eaLnBrk="1" latinLnBrk="0" hangingPunct="1">
         <a:lnSpc>
           <a:spcPct val="90000"/>
         </a:lnSpc>
         <a:spcBef>
-          <a:spcPts val="500"/>
+          <a:spcPts val="200"/>
         </a:spcBef>
-        <a:buFont typeface="Arial"/>
-        <a:buChar char="•"/>
-        <a:defRPr sz="1800" kern="1200">
+        <a:spcAft>
+          <a:spcPts val="400"/>
+        </a:spcAft>
+        <a:buClr>
+          <a:schemeClr val="accent1"/>
+        </a:buClr>
+        <a:buFont typeface="Calibri" pitchFamily="34" charset="0"/>
+        <a:buChar char="◦"/>
+        <a:defRPr sz="1400" kern="1200">
           <a:solidFill>
-            <a:schemeClr val="tx1"/>
+            <a:schemeClr val="tx1">
+              <a:lumMod val="75000"/>
+              <a:lumOff val="25000"/>
+            </a:schemeClr>
           </a:solidFill>
           <a:latin typeface="+mn-lt"/>
           <a:ea typeface="+mn-ea"/>
           <a:cs typeface="+mn-cs"/>
         </a:defRPr>
       </a:lvl5pPr>
-      <a:lvl6pPr marL="2514600" indent="-228600" algn="l" defTabSz="914400" rtl="0" eaLnBrk="1" latinLnBrk="0" hangingPunct="1">
+      <a:lvl6pPr marL="1100000" indent="-228600" algn="l" defTabSz="914400" rtl="0" eaLnBrk="1" latinLnBrk="0" hangingPunct="1">
         <a:lnSpc>
           <a:spcPct val="90000"/>
         </a:lnSpc>
         <a:spcBef>
-          <a:spcPts val="500"/>
+          <a:spcPts val="200"/>
         </a:spcBef>
-        <a:buFont typeface="Arial"/>
-        <a:buChar char="•"/>
-        <a:defRPr sz="1800" kern="1200">
+        <a:spcAft>
+          <a:spcPts val="400"/>
+        </a:spcAft>
+        <a:buClr>
+          <a:schemeClr val="accent1"/>
+        </a:buClr>
+        <a:buFont typeface="Calibri" pitchFamily="34" charset="0"/>
+        <a:buChar char="◦"/>
+        <a:defRPr sz="1400" kern="1200">
           <a:solidFill>
-            <a:schemeClr val="tx1"/>
+            <a:schemeClr val="tx1">
+              <a:lumMod val="75000"/>
+              <a:lumOff val="25000"/>
+            </a:schemeClr>
           </a:solidFill>
           <a:latin typeface="+mn-lt"/>
           <a:ea typeface="+mn-ea"/>
           <a:cs typeface="+mn-cs"/>
         </a:defRPr>
       </a:lvl6pPr>
-      <a:lvl7pPr marL="2971800" indent="-228600" algn="l" defTabSz="914400" rtl="0" eaLnBrk="1" latinLnBrk="0" hangingPunct="1">
+      <a:lvl7pPr marL="1300000" indent="-228600" algn="l" defTabSz="914400" rtl="0" eaLnBrk="1" latinLnBrk="0" hangingPunct="1">
         <a:lnSpc>
           <a:spcPct val="90000"/>
         </a:lnSpc>
         <a:spcBef>
-          <a:spcPts val="500"/>
+          <a:spcPts val="200"/>
         </a:spcBef>
-        <a:buFont typeface="Arial"/>
-        <a:buChar char="•"/>
-        <a:defRPr sz="1800" kern="1200">
+        <a:spcAft>
+          <a:spcPts val="400"/>
+        </a:spcAft>
+        <a:buClr>
+          <a:schemeClr val="accent1"/>
+        </a:buClr>
+        <a:buFont typeface="Calibri" pitchFamily="34" charset="0"/>
+        <a:buChar char="◦"/>
+        <a:defRPr sz="1400" kern="1200">
           <a:solidFill>
-            <a:schemeClr val="tx1"/>
+            <a:schemeClr val="tx1">
+              <a:lumMod val="75000"/>
+              <a:lumOff val="25000"/>
+            </a:schemeClr>
           </a:solidFill>
           <a:latin typeface="+mn-lt"/>
           <a:ea typeface="+mn-ea"/>
           <a:cs typeface="+mn-cs"/>
         </a:defRPr>
       </a:lvl7pPr>
-      <a:lvl8pPr marL="3429000" indent="-228600" algn="l" defTabSz="914400" rtl="0" eaLnBrk="1" latinLnBrk="0" hangingPunct="1">
+      <a:lvl8pPr marL="1500000" indent="-228600" algn="l" defTabSz="914400" rtl="0" eaLnBrk="1" latinLnBrk="0" hangingPunct="1">
         <a:lnSpc>
           <a:spcPct val="90000"/>
         </a:lnSpc>
         <a:spcBef>
-          <a:spcPts val="500"/>
+          <a:spcPts val="200"/>
         </a:spcBef>
-        <a:buFont typeface="Arial"/>
-        <a:buChar char="•"/>
-        <a:defRPr sz="1800" kern="1200">
+        <a:spcAft>
+          <a:spcPts val="400"/>
+        </a:spcAft>
+        <a:buClr>
+          <a:schemeClr val="accent1"/>
+        </a:buClr>
+        <a:buFont typeface="Calibri" pitchFamily="34" charset="0"/>
+        <a:buChar char="◦"/>
+        <a:defRPr sz="1400" kern="1200">
           <a:solidFill>
-            <a:schemeClr val="tx1"/>
+            <a:schemeClr val="tx1">
+              <a:lumMod val="75000"/>
+              <a:lumOff val="25000"/>
+            </a:schemeClr>
           </a:solidFill>
           <a:latin typeface="+mn-lt"/>
           <a:ea typeface="+mn-ea"/>
           <a:cs typeface="+mn-cs"/>
         </a:defRPr>
       </a:lvl8pPr>
-      <a:lvl9pPr marL="3886200" indent="-228600" algn="l" defTabSz="914400" rtl="0" eaLnBrk="1" latinLnBrk="0" hangingPunct="1">
+      <a:lvl9pPr marL="1700000" indent="-228600" algn="l" defTabSz="914400" rtl="0" eaLnBrk="1" latinLnBrk="0" hangingPunct="1">
         <a:lnSpc>
           <a:spcPct val="90000"/>
         </a:lnSpc>
         <a:spcBef>
-          <a:spcPts val="500"/>
+          <a:spcPts val="200"/>
         </a:spcBef>
-        <a:buFont typeface="Arial"/>
-        <a:buChar char="•"/>
-        <a:defRPr sz="1800" kern="1200">
+        <a:spcAft>
+          <a:spcPts val="400"/>
+        </a:spcAft>
+        <a:buClr>
+          <a:schemeClr val="accent1"/>
+        </a:buClr>
+        <a:buFont typeface="Calibri" pitchFamily="34" charset="0"/>
+        <a:buChar char="◦"/>
+        <a:defRPr sz="1400" kern="1200">
           <a:solidFill>
-            <a:schemeClr val="tx1"/>
+            <a:schemeClr val="tx1">
+              <a:lumMod val="75000"/>
+              <a:lumOff val="25000"/>
+            </a:schemeClr>
           </a:solidFill>
           <a:latin typeface="+mn-lt"/>
           <a:ea typeface="+mn-ea"/>
@@ -3225,7 +4059,7 @@
     </p:bodyStyle>
     <p:otherStyle>
       <a:defPPr>
-        <a:defRPr lang="de-DE"/>
+        <a:defRPr lang="en-US"/>
       </a:defPPr>
       <a:lvl1pPr marL="0" algn="l" defTabSz="914400" rtl="0" eaLnBrk="1" latinLnBrk="0" hangingPunct="1">
         <a:defRPr sz="1800" kern="1200">
@@ -3319,6 +4153,11 @@
       </a:lvl9pPr>
     </p:otherStyle>
   </p:txStyles>
+  <p:extLst>
+    <p:ext uri="{27BBF7A9-308A-43DC-89C8-2F10F3537804}">
+      <p15:sldGuideLst xmlns:p15="http://schemas.microsoft.com/office/powerpoint/2012/main"/>
+    </p:ext>
+  </p:extLst>
 </p:sldMaster>
 </file>
 
@@ -3357,14 +4196,20 @@
         </p:nvSpPr>
         <p:spPr/>
         <p:txBody>
-          <a:bodyPr/>
-          <a:lstStyle/>
-          <a:p>
-            <a:r>
-              <a:rPr lang="de-CH" b="1" dirty="0"/>
+          <a:bodyPr>
+            <a:normAutofit/>
+          </a:bodyPr>
+          <a:lstStyle/>
+          <a:p>
+            <a:r>
+              <a:rPr lang="de-CH" sz="9600" b="1" dirty="0">
+                <a:latin typeface="+mn-lt"/>
+              </a:rPr>
               <a:t>Smart Arosa</a:t>
             </a:r>
-            <a:endParaRPr lang="de-CH" dirty="0"/>
+            <a:endParaRPr lang="de-CH" sz="9600" dirty="0">
+              <a:latin typeface="+mn-lt"/>
+            </a:endParaRPr>
           </a:p>
         </p:txBody>
       </p:sp>
@@ -3427,44 +4272,6 @@
           <a:chExt cx="0" cy="0"/>
         </a:xfrm>
       </p:grpSpPr>
-      <p:sp>
-        <p:nvSpPr>
-          <p:cNvPr id="2" name="Titel 1"/>
-          <p:cNvSpPr>
-            <a:spLocks noGrp="1"/>
-          </p:cNvSpPr>
-          <p:nvPr>
-            <p:ph type="ctrTitle"/>
-          </p:nvPr>
-        </p:nvSpPr>
-        <p:spPr/>
-        <p:txBody>
-          <a:bodyPr/>
-          <a:lstStyle/>
-          <a:p>
-            <a:endParaRPr lang="en-US"/>
-          </a:p>
-        </p:txBody>
-      </p:sp>
-      <p:sp>
-        <p:nvSpPr>
-          <p:cNvPr id="3" name="Untertitel 2"/>
-          <p:cNvSpPr>
-            <a:spLocks noGrp="1"/>
-          </p:cNvSpPr>
-          <p:nvPr>
-            <p:ph type="subTitle" idx="1"/>
-          </p:nvPr>
-        </p:nvSpPr>
-        <p:spPr/>
-        <p:txBody>
-          <a:bodyPr/>
-          <a:lstStyle/>
-          <a:p>
-            <a:endParaRPr lang="en-US"/>
-          </a:p>
-        </p:txBody>
-      </p:sp>
       <p:pic>
         <p:nvPicPr>
           <p:cNvPr id="4" name="Bild 3"/>
@@ -3480,8 +4287,8 @@
         </p:blipFill>
         <p:spPr>
           <a:xfrm>
-            <a:off x="1285460" y="355600"/>
-            <a:ext cx="9512577" cy="6449440"/>
+            <a:off x="1367261" y="14661"/>
+            <a:ext cx="9319789" cy="6318732"/>
           </a:xfrm>
           <a:prstGeom prst="rect">
             <a:avLst/>
@@ -3931,44 +4738,6 @@
           <a:chExt cx="0" cy="0"/>
         </a:xfrm>
       </p:grpSpPr>
-      <p:sp>
-        <p:nvSpPr>
-          <p:cNvPr id="2" name="Titel 1"/>
-          <p:cNvSpPr>
-            <a:spLocks noGrp="1"/>
-          </p:cNvSpPr>
-          <p:nvPr>
-            <p:ph type="ctrTitle"/>
-          </p:nvPr>
-        </p:nvSpPr>
-        <p:spPr/>
-        <p:txBody>
-          <a:bodyPr/>
-          <a:lstStyle/>
-          <a:p>
-            <a:endParaRPr lang="en-US"/>
-          </a:p>
-        </p:txBody>
-      </p:sp>
-      <p:sp>
-        <p:nvSpPr>
-          <p:cNvPr id="3" name="Untertitel 2"/>
-          <p:cNvSpPr>
-            <a:spLocks noGrp="1"/>
-          </p:cNvSpPr>
-          <p:nvPr>
-            <p:ph type="subTitle" idx="1"/>
-          </p:nvPr>
-        </p:nvSpPr>
-        <p:spPr/>
-        <p:txBody>
-          <a:bodyPr/>
-          <a:lstStyle/>
-          <a:p>
-            <a:endParaRPr lang="en-US"/>
-          </a:p>
-        </p:txBody>
-      </p:sp>
       <p:pic>
         <p:nvPicPr>
           <p:cNvPr id="4" name="Bild 3"/>
@@ -3984,7 +4753,7 @@
         </p:blipFill>
         <p:spPr>
           <a:xfrm>
-            <a:off x="1285460" y="355600"/>
+            <a:off x="1282689" y="0"/>
             <a:ext cx="9512577" cy="6449440"/>
           </a:xfrm>
           <a:prstGeom prst="rect">
@@ -4008,7 +4777,7 @@
         </p:blipFill>
         <p:spPr>
           <a:xfrm>
-            <a:off x="2459401" y="5755287"/>
+            <a:off x="2456630" y="5399687"/>
             <a:ext cx="734372" cy="730527"/>
           </a:xfrm>
           <a:prstGeom prst="rect">
@@ -4031,7 +4800,7 @@
         </p:nvSpPr>
         <p:spPr>
           <a:xfrm>
-            <a:off x="2320469" y="2546647"/>
+            <a:off x="2317698" y="2191047"/>
             <a:ext cx="1296035" cy="1254760"/>
           </a:xfrm>
           <a:prstGeom prst="ellipse">
@@ -4088,7 +4857,7 @@
         </p:blipFill>
         <p:spPr>
           <a:xfrm>
-            <a:off x="7911935" y="757099"/>
+            <a:off x="7909164" y="401499"/>
             <a:ext cx="734372" cy="730527"/>
           </a:xfrm>
           <a:prstGeom prst="rect">
@@ -4112,7 +4881,7 @@
         </p:nvSpPr>
         <p:spPr>
           <a:xfrm>
-            <a:off x="4284137" y="3875227"/>
+            <a:off x="4281366" y="3519627"/>
             <a:ext cx="6412302" cy="2830375"/>
           </a:xfrm>
           <a:prstGeom prst="rect">
@@ -4163,7 +4932,7 @@
         </p:blipFill>
         <p:spPr>
           <a:xfrm>
-            <a:off x="4402668" y="4061840"/>
+            <a:off x="4399897" y="3706240"/>
             <a:ext cx="6197600" cy="2743200"/>
           </a:xfrm>
           <a:prstGeom prst="rect">
@@ -4175,182 +4944,6 @@
     <p:extLst>
       <p:ext uri="{BB962C8B-B14F-4D97-AF65-F5344CB8AC3E}">
         <p14:creationId xmlns:p14="http://schemas.microsoft.com/office/powerpoint/2010/main" val="933599951"/>
-      </p:ext>
-    </p:extLst>
-  </p:cSld>
-  <p:clrMapOvr>
-    <a:masterClrMapping/>
-  </p:clrMapOvr>
-</p:sld>
-</file>
-
-<file path=ppt/slides/slide12.xml><?xml version="1.0" encoding="utf-8"?>
-<p:sld xmlns:a="http://schemas.openxmlformats.org/drawingml/2006/main" xmlns:r="http://schemas.openxmlformats.org/officeDocument/2006/relationships" xmlns:p="http://schemas.openxmlformats.org/presentationml/2006/main">
-  <p:cSld>
-    <p:spTree>
-      <p:nvGrpSpPr>
-        <p:cNvPr id="1" name=""/>
-        <p:cNvGrpSpPr/>
-        <p:nvPr/>
-      </p:nvGrpSpPr>
-      <p:grpSpPr>
-        <a:xfrm>
-          <a:off x="0" y="0"/>
-          <a:ext cx="0" cy="0"/>
-          <a:chOff x="0" y="0"/>
-          <a:chExt cx="0" cy="0"/>
-        </a:xfrm>
-      </p:grpSpPr>
-      <p:sp>
-        <p:nvSpPr>
-          <p:cNvPr id="2" name="Titel 1"/>
-          <p:cNvSpPr>
-            <a:spLocks noGrp="1"/>
-          </p:cNvSpPr>
-          <p:nvPr>
-            <p:ph type="title"/>
-          </p:nvPr>
-        </p:nvSpPr>
-        <p:spPr/>
-        <p:txBody>
-          <a:bodyPr/>
-          <a:lstStyle/>
-          <a:p>
-            <a:endParaRPr lang="en-US"/>
-          </a:p>
-        </p:txBody>
-      </p:sp>
-      <p:sp>
-        <p:nvSpPr>
-          <p:cNvPr id="3" name="Inhaltsplatzhalter 2"/>
-          <p:cNvSpPr>
-            <a:spLocks noGrp="1"/>
-          </p:cNvSpPr>
-          <p:nvPr>
-            <p:ph idx="1"/>
-          </p:nvPr>
-        </p:nvSpPr>
-        <p:spPr/>
-        <p:txBody>
-          <a:bodyPr/>
-          <a:lstStyle/>
-          <a:p>
-            <a:endParaRPr lang="en-US" dirty="0"/>
-          </a:p>
-        </p:txBody>
-      </p:sp>
-    </p:spTree>
-    <p:extLst>
-      <p:ext uri="{BB962C8B-B14F-4D97-AF65-F5344CB8AC3E}">
-        <p14:creationId xmlns:p14="http://schemas.microsoft.com/office/powerpoint/2010/main" val="1472641318"/>
-      </p:ext>
-    </p:extLst>
-  </p:cSld>
-  <p:clrMapOvr>
-    <a:masterClrMapping/>
-  </p:clrMapOvr>
-</p:sld>
-</file>
-
-<file path=ppt/slides/slide13.xml><?xml version="1.0" encoding="utf-8"?>
-<p:sld xmlns:a="http://schemas.openxmlformats.org/drawingml/2006/main" xmlns:r="http://schemas.openxmlformats.org/officeDocument/2006/relationships" xmlns:p="http://schemas.openxmlformats.org/presentationml/2006/main">
-  <p:cSld>
-    <p:spTree>
-      <p:nvGrpSpPr>
-        <p:cNvPr id="1" name=""/>
-        <p:cNvGrpSpPr/>
-        <p:nvPr/>
-      </p:nvGrpSpPr>
-      <p:grpSpPr>
-        <a:xfrm>
-          <a:off x="0" y="0"/>
-          <a:ext cx="0" cy="0"/>
-          <a:chOff x="0" y="0"/>
-          <a:chExt cx="0" cy="0"/>
-        </a:xfrm>
-      </p:grpSpPr>
-      <p:pic>
-        <p:nvPicPr>
-          <p:cNvPr id="4" name="Bild 3"/>
-          <p:cNvPicPr>
-            <a:picLocks noChangeAspect="1"/>
-          </p:cNvPicPr>
-          <p:nvPr/>
-        </p:nvPicPr>
-        <p:blipFill>
-          <a:blip r:embed="rId2"/>
-          <a:stretch>
-            <a:fillRect/>
-          </a:stretch>
-        </p:blipFill>
-        <p:spPr>
-          <a:xfrm>
-            <a:off x="1924050" y="444500"/>
-            <a:ext cx="8343900" cy="5969000"/>
-          </a:xfrm>
-          <a:prstGeom prst="rect">
-            <a:avLst/>
-          </a:prstGeom>
-        </p:spPr>
-      </p:pic>
-    </p:spTree>
-    <p:extLst>
-      <p:ext uri="{BB962C8B-B14F-4D97-AF65-F5344CB8AC3E}">
-        <p14:creationId xmlns:p14="http://schemas.microsoft.com/office/powerpoint/2010/main" val="1521267405"/>
-      </p:ext>
-    </p:extLst>
-  </p:cSld>
-  <p:clrMapOvr>
-    <a:masterClrMapping/>
-  </p:clrMapOvr>
-</p:sld>
-</file>
-
-<file path=ppt/slides/slide14.xml><?xml version="1.0" encoding="utf-8"?>
-<p:sld xmlns:a="http://schemas.openxmlformats.org/drawingml/2006/main" xmlns:r="http://schemas.openxmlformats.org/officeDocument/2006/relationships" xmlns:p="http://schemas.openxmlformats.org/presentationml/2006/main">
-  <p:cSld>
-    <p:spTree>
-      <p:nvGrpSpPr>
-        <p:cNvPr id="1" name=""/>
-        <p:cNvGrpSpPr/>
-        <p:nvPr/>
-      </p:nvGrpSpPr>
-      <p:grpSpPr>
-        <a:xfrm>
-          <a:off x="0" y="0"/>
-          <a:ext cx="0" cy="0"/>
-          <a:chOff x="0" y="0"/>
-          <a:chExt cx="0" cy="0"/>
-        </a:xfrm>
-      </p:grpSpPr>
-      <p:pic>
-        <p:nvPicPr>
-          <p:cNvPr id="4" name="Bild 3"/>
-          <p:cNvPicPr>
-            <a:picLocks noChangeAspect="1"/>
-          </p:cNvPicPr>
-          <p:nvPr/>
-        </p:nvPicPr>
-        <p:blipFill>
-          <a:blip r:embed="rId2"/>
-          <a:stretch>
-            <a:fillRect/>
-          </a:stretch>
-        </p:blipFill>
-        <p:spPr>
-          <a:xfrm>
-            <a:off x="1924050" y="444500"/>
-            <a:ext cx="8343900" cy="5969000"/>
-          </a:xfrm>
-          <a:prstGeom prst="rect">
-            <a:avLst/>
-          </a:prstGeom>
-        </p:spPr>
-      </p:pic>
-    </p:spTree>
-    <p:extLst>
-      <p:ext uri="{BB962C8B-B14F-4D97-AF65-F5344CB8AC3E}">
-        <p14:creationId xmlns:p14="http://schemas.microsoft.com/office/powerpoint/2010/main" val="974653"/>
       </p:ext>
     </p:extLst>
   </p:cSld>
@@ -4422,32 +5015,48 @@
             <p:ph idx="1"/>
           </p:nvPr>
         </p:nvSpPr>
-        <p:spPr/>
-        <p:txBody>
-          <a:bodyPr/>
+        <p:spPr>
+          <a:xfrm>
+            <a:off x="1097280" y="1845734"/>
+            <a:ext cx="10058400" cy="4023360"/>
+          </a:xfrm>
+        </p:spPr>
+        <p:txBody>
+          <a:bodyPr>
+            <a:normAutofit/>
+          </a:bodyPr>
           <a:lstStyle/>
           <a:p>
             <a:pPr marL="0" indent="0">
               <a:buNone/>
             </a:pPr>
             <a:r>
-              <a:rPr lang="en-US" dirty="0"/>
+              <a:rPr lang="en-US" sz="2800" dirty="0"/>
               <a:t>Today's tourists </a:t>
             </a:r>
             <a:r>
-              <a:rPr lang="en-US" dirty="0" err="1"/>
+              <a:rPr lang="en-US" sz="2800" dirty="0" err="1"/>
               <a:t>arent</a:t>
             </a:r>
             <a:r>
-              <a:rPr lang="en-US" dirty="0"/>
-              <a:t> tourists they a </a:t>
-            </a:r>
-            <a:r>
-              <a:rPr lang="en-US" dirty="0" err="1"/>
+              <a:rPr lang="en-US" sz="2800" dirty="0"/>
+              <a:t> tourists.</a:t>
+            </a:r>
+          </a:p>
+          <a:p>
+            <a:pPr marL="0" indent="0">
+              <a:buNone/>
+            </a:pPr>
+            <a:r>
+              <a:rPr lang="en-US" sz="2800" dirty="0"/>
+              <a:t>They a </a:t>
+            </a:r>
+            <a:r>
+              <a:rPr lang="en-US" sz="2800" dirty="0" err="1"/>
               <a:t>webizens</a:t>
             </a:r>
             <a:r>
-              <a:rPr lang="en-US" dirty="0"/>
+              <a:rPr lang="en-US" sz="2800" dirty="0"/>
               <a:t> pilgrimaging and exploring the physical world.</a:t>
             </a:r>
           </a:p>
@@ -4501,18 +5110,20 @@
         </p:nvSpPr>
         <p:spPr/>
         <p:txBody>
-          <a:bodyPr/>
-          <a:lstStyle/>
-          <a:p>
-            <a:r>
-              <a:rPr lang="de-CH" b="1" dirty="0"/>
+          <a:bodyPr>
+            <a:normAutofit/>
+          </a:bodyPr>
+          <a:lstStyle/>
+          <a:p>
+            <a:r>
+              <a:rPr lang="de-CH" sz="4400" b="1" dirty="0"/>
               <a:t>Technological </a:t>
             </a:r>
             <a:r>
-              <a:rPr lang="de-CH" b="1" dirty="0" err="1"/>
+              <a:rPr lang="de-CH" sz="4400" b="1" dirty="0" err="1"/>
               <a:t>landscape</a:t>
             </a:r>
-            <a:endParaRPr lang="de-CH" dirty="0"/>
+            <a:endParaRPr lang="de-CH" sz="4400" dirty="0"/>
           </a:p>
         </p:txBody>
       </p:sp>
@@ -4534,41 +5145,61 @@
         </p:nvSpPr>
         <p:spPr/>
         <p:txBody>
-          <a:bodyPr/>
-          <a:lstStyle/>
-          <a:p>
-            <a:r>
-              <a:rPr lang="en-US" dirty="0"/>
+          <a:bodyPr>
+            <a:normAutofit/>
+          </a:bodyPr>
+          <a:lstStyle/>
+          <a:p>
+            <a:pPr marL="0" indent="0">
+              <a:buNone/>
+            </a:pPr>
+            <a:r>
+              <a:rPr lang="en-US" sz="2800" dirty="0"/>
               <a:t>From the web of documents to web of data</a:t>
             </a:r>
           </a:p>
           <a:p>
-            <a:r>
-              <a:rPr lang="en-US" dirty="0"/>
+            <a:pPr marL="0" indent="0">
+              <a:buNone/>
+            </a:pPr>
+            <a:r>
+              <a:rPr lang="en-US" sz="2800" dirty="0"/>
               <a:t>Linked data connecting persons, places, documents, ideas…</a:t>
             </a:r>
           </a:p>
           <a:p>
-            <a:r>
-              <a:rPr lang="en-US" dirty="0"/>
+            <a:pPr marL="0" indent="0">
+              <a:buNone/>
+            </a:pPr>
+            <a:r>
+              <a:rPr lang="en-US" sz="2800" dirty="0"/>
               <a:t>Virtually infinite amount of connected data</a:t>
             </a:r>
           </a:p>
           <a:p>
-            <a:r>
-              <a:rPr lang="en-US" dirty="0"/>
+            <a:pPr marL="0" indent="0">
+              <a:buNone/>
+            </a:pPr>
+            <a:r>
+              <a:rPr lang="en-US" sz="2800" dirty="0"/>
               <a:t>Individual interests, preferences and background</a:t>
             </a:r>
           </a:p>
           <a:p>
-            <a:r>
-              <a:rPr lang="en-US" dirty="0"/>
+            <a:pPr marL="0" indent="0">
+              <a:buNone/>
+            </a:pPr>
+            <a:r>
+              <a:rPr lang="en-US" sz="2800" dirty="0"/>
               <a:t>Geo-Location -&gt; Limitations in buildings</a:t>
             </a:r>
           </a:p>
           <a:p>
-            <a:r>
-              <a:rPr lang="en-US" dirty="0"/>
+            <a:pPr marL="0" indent="0">
+              <a:buNone/>
+            </a:pPr>
+            <a:r>
+              <a:rPr lang="en-US" sz="2800" dirty="0"/>
               <a:t>Mobile broadband -&gt; Limitations in the wilderness and when roaming</a:t>
             </a:r>
           </a:p>
@@ -4577,18 +5208,10 @@
               <a:buNone/>
             </a:pPr>
             <a:r>
-              <a:rPr lang="en-US" dirty="0"/>
-              <a:t>-&gt; Bluetooth Beacons to </a:t>
-            </a:r>
-            <a:r>
-              <a:rPr lang="en-US" i="1" dirty="0"/>
-              <a:t>annotate</a:t>
-            </a:r>
-            <a:r>
-              <a:rPr lang="en-US" dirty="0"/>
-              <a:t> the physical space</a:t>
-            </a:r>
-            <a:endParaRPr lang="de-CH" dirty="0"/>
+              <a:rPr lang="en-US" sz="2800" dirty="0"/>
+              <a:t>-&gt; Bluetooth Beacons to annotate the physical space</a:t>
+            </a:r>
+            <a:endParaRPr lang="de-CH" sz="2800" dirty="0"/>
           </a:p>
         </p:txBody>
       </p:sp>
@@ -4681,27 +5304,27 @@
           <a:lstStyle/>
           <a:p>
             <a:r>
-              <a:rPr lang="en-US" dirty="0"/>
+              <a:rPr lang="en-US" sz="2800" dirty="0"/>
               <a:t>Tourists stay longer</a:t>
             </a:r>
           </a:p>
           <a:p>
             <a:r>
-              <a:rPr lang="en-US" dirty="0"/>
+              <a:rPr lang="en-US" sz="2800" dirty="0"/>
               <a:t>Tourists learn about and visit more places</a:t>
             </a:r>
           </a:p>
           <a:p>
             <a:r>
-              <a:rPr lang="en-US" dirty="0"/>
+              <a:rPr lang="en-US" sz="2800" dirty="0"/>
               <a:t>More equally </a:t>
             </a:r>
             <a:r>
-              <a:rPr lang="en-US" dirty="0" err="1"/>
+              <a:rPr lang="en-US" sz="2800" dirty="0" err="1"/>
               <a:t>ditributed</a:t>
             </a:r>
             <a:r>
-              <a:rPr lang="en-US" dirty="0"/>
+              <a:rPr lang="en-US" sz="2800" dirty="0"/>
               <a:t> stream of visitors</a:t>
             </a:r>
           </a:p>
@@ -4806,19 +5429,19 @@
           <a:lstStyle/>
           <a:p>
             <a:r>
-              <a:rPr lang="en-US" dirty="0"/>
+              <a:rPr lang="en-US" sz="2800" dirty="0"/>
               <a:t>They aren't tourists: they discover on their own</a:t>
             </a:r>
           </a:p>
           <a:p>
             <a:r>
-              <a:rPr lang="en-US" dirty="0"/>
+              <a:rPr lang="en-US" sz="2800" dirty="0"/>
               <a:t>They can see through walls: thy can take see what other places there are behind the wall of the museum they're visiting</a:t>
             </a:r>
           </a:p>
           <a:p>
             <a:r>
-              <a:rPr lang="en-US" dirty="0"/>
+              <a:rPr lang="en-US" sz="2800" dirty="0"/>
               <a:t>They avoid they queue buy having real-time data and know on which ski lift there's not a lot of people</a:t>
             </a:r>
           </a:p>
@@ -4904,14 +5527,16 @@
         </p:nvSpPr>
         <p:spPr/>
         <p:txBody>
-          <a:bodyPr/>
-          <a:lstStyle/>
-          <a:p>
-            <a:r>
-              <a:rPr lang="en-US" dirty="0"/>
+          <a:bodyPr>
+            <a:normAutofit/>
+          </a:bodyPr>
+          <a:lstStyle/>
+          <a:p>
+            <a:r>
+              <a:rPr lang="en-US" sz="3200" b="1" dirty="0"/>
               <a:t>Data used</a:t>
             </a:r>
-            <a:endParaRPr lang="de-CH" dirty="0"/>
+            <a:endParaRPr lang="de-CH" sz="3200" b="1" dirty="0"/>
           </a:p>
         </p:txBody>
       </p:sp>
@@ -4937,18 +5562,18 @@
           <a:lstStyle/>
           <a:p>
             <a:r>
-              <a:rPr lang="en-US" dirty="0"/>
+              <a:rPr lang="en-US" sz="2800" dirty="0"/>
               <a:t>A small subset of </a:t>
             </a:r>
             <a:r>
-              <a:rPr lang="en-US" dirty="0" err="1"/>
+              <a:rPr lang="en-US" sz="2800" dirty="0" err="1"/>
               <a:t>wikidata</a:t>
             </a:r>
-            <a:endParaRPr lang="en-US" dirty="0"/>
-          </a:p>
-          <a:p>
-            <a:r>
-              <a:rPr lang="en-US" dirty="0"/>
+            <a:endParaRPr lang="en-US" sz="2800" dirty="0"/>
+          </a:p>
+          <a:p>
+            <a:r>
+              <a:rPr lang="en-US" sz="2800" dirty="0"/>
               <a:t>Transport data ("Where do I go next?")</a:t>
             </a:r>
           </a:p>
@@ -4975,14 +5600,16 @@
         </p:nvSpPr>
         <p:spPr/>
         <p:txBody>
-          <a:bodyPr/>
-          <a:lstStyle/>
-          <a:p>
-            <a:r>
-              <a:rPr lang="en-US" dirty="0"/>
+          <a:bodyPr>
+            <a:normAutofit/>
+          </a:bodyPr>
+          <a:lstStyle/>
+          <a:p>
+            <a:r>
+              <a:rPr lang="en-US" sz="3200" b="1" dirty="0"/>
               <a:t>Data we missed</a:t>
             </a:r>
-            <a:endParaRPr lang="de-CH" dirty="0"/>
+            <a:endParaRPr lang="de-CH" sz="3200" b="1" dirty="0"/>
           </a:p>
         </p:txBody>
       </p:sp>
@@ -5008,27 +5635,27 @@
           <a:lstStyle/>
           <a:p>
             <a:r>
-              <a:rPr lang="en-US" dirty="0"/>
+              <a:rPr lang="en-US" sz="2800" dirty="0"/>
               <a:t>Real time data on usage of facilities</a:t>
             </a:r>
           </a:p>
           <a:p>
             <a:r>
-              <a:rPr lang="en-US" dirty="0"/>
+              <a:rPr lang="en-US" sz="2800" dirty="0"/>
               <a:t>Geotagged pictures</a:t>
             </a:r>
           </a:p>
           <a:p>
             <a:r>
-              <a:rPr lang="en-US" dirty="0"/>
+              <a:rPr lang="en-US" sz="2800" dirty="0"/>
               <a:t>More </a:t>
             </a:r>
             <a:r>
-              <a:rPr lang="en-US" dirty="0" err="1"/>
+              <a:rPr lang="en-US" sz="2800" dirty="0" err="1"/>
               <a:t>informtaion</a:t>
             </a:r>
             <a:r>
-              <a:rPr lang="en-US" dirty="0"/>
+              <a:rPr lang="en-US" sz="2800" dirty="0"/>
               <a:t> about monuments/places</a:t>
             </a:r>
           </a:p>
@@ -5082,7 +5709,7 @@
         </p:blipFill>
         <p:spPr>
           <a:xfrm>
-            <a:off x="1924050" y="444500"/>
+            <a:off x="1924050" y="139700"/>
             <a:ext cx="8343900" cy="5969000"/>
           </a:xfrm>
           <a:prstGeom prst="rect">
@@ -5120,44 +5747,6 @@
           <a:chExt cx="0" cy="0"/>
         </a:xfrm>
       </p:grpSpPr>
-      <p:sp>
-        <p:nvSpPr>
-          <p:cNvPr id="2" name="Titel 1"/>
-          <p:cNvSpPr>
-            <a:spLocks noGrp="1"/>
-          </p:cNvSpPr>
-          <p:nvPr>
-            <p:ph type="ctrTitle"/>
-          </p:nvPr>
-        </p:nvSpPr>
-        <p:spPr/>
-        <p:txBody>
-          <a:bodyPr/>
-          <a:lstStyle/>
-          <a:p>
-            <a:endParaRPr lang="en-US"/>
-          </a:p>
-        </p:txBody>
-      </p:sp>
-      <p:sp>
-        <p:nvSpPr>
-          <p:cNvPr id="3" name="Untertitel 2"/>
-          <p:cNvSpPr>
-            <a:spLocks noGrp="1"/>
-          </p:cNvSpPr>
-          <p:nvPr>
-            <p:ph type="subTitle" idx="1"/>
-          </p:nvPr>
-        </p:nvSpPr>
-        <p:spPr/>
-        <p:txBody>
-          <a:bodyPr/>
-          <a:lstStyle/>
-          <a:p>
-            <a:endParaRPr lang="en-US"/>
-          </a:p>
-        </p:txBody>
-      </p:sp>
       <p:pic>
         <p:nvPicPr>
           <p:cNvPr id="4" name="Bild 3"/>
@@ -5173,8 +5762,8 @@
         </p:blipFill>
         <p:spPr>
           <a:xfrm>
-            <a:off x="1285460" y="389466"/>
-            <a:ext cx="9512577" cy="6415573"/>
+            <a:off x="1376155" y="-30654"/>
+            <a:ext cx="9348996" cy="6305249"/>
           </a:xfrm>
           <a:prstGeom prst="rect">
             <a:avLst/>
@@ -5189,7 +5778,7 @@
         </p:nvSpPr>
         <p:spPr>
           <a:xfrm>
-            <a:off x="5408226" y="2801620"/>
+            <a:off x="5408226" y="2260676"/>
             <a:ext cx="1296035" cy="1254760"/>
           </a:xfrm>
           <a:prstGeom prst="ellipse">
@@ -5238,7 +5827,7 @@
         </p:nvSpPr>
         <p:spPr>
           <a:xfrm>
-            <a:off x="4009469" y="3028823"/>
+            <a:off x="4009469" y="2487879"/>
             <a:ext cx="1296035" cy="1254760"/>
           </a:xfrm>
           <a:prstGeom prst="ellipse">
@@ -5287,7 +5876,7 @@
         </p:nvSpPr>
         <p:spPr>
           <a:xfrm>
-            <a:off x="2320469" y="2546647"/>
+            <a:off x="2320469" y="2005703"/>
             <a:ext cx="1296035" cy="1254760"/>
           </a:xfrm>
           <a:prstGeom prst="ellipse">
@@ -5336,7 +5925,7 @@
         </p:nvSpPr>
         <p:spPr>
           <a:xfrm>
-            <a:off x="7790972" y="1832831"/>
+            <a:off x="7790972" y="1291887"/>
             <a:ext cx="1296035" cy="1254760"/>
           </a:xfrm>
           <a:prstGeom prst="ellipse">
@@ -5385,7 +5974,7 @@
         </p:nvSpPr>
         <p:spPr>
           <a:xfrm>
-            <a:off x="2761774" y="4000776"/>
+            <a:off x="2761774" y="3459832"/>
             <a:ext cx="1296035" cy="1254760"/>
           </a:xfrm>
           <a:prstGeom prst="ellipse">
@@ -5434,7 +6023,7 @@
         </p:nvSpPr>
         <p:spPr>
           <a:xfrm>
-            <a:off x="7018365" y="4429919"/>
+            <a:off x="7018365" y="3888975"/>
             <a:ext cx="1296035" cy="1254760"/>
           </a:xfrm>
           <a:prstGeom prst="ellipse">
@@ -5483,7 +6072,7 @@
         </p:nvSpPr>
         <p:spPr>
           <a:xfrm>
-            <a:off x="6744017" y="2649220"/>
+            <a:off x="6744017" y="2108276"/>
             <a:ext cx="1296035" cy="1254760"/>
           </a:xfrm>
           <a:prstGeom prst="ellipse">
@@ -5532,7 +6121,7 @@
         </p:nvSpPr>
         <p:spPr>
           <a:xfrm>
-            <a:off x="2191930" y="5349875"/>
+            <a:off x="2191930" y="4808931"/>
             <a:ext cx="1296035" cy="1254760"/>
           </a:xfrm>
           <a:prstGeom prst="ellipse">
@@ -5581,7 +6170,7 @@
         </p:nvSpPr>
         <p:spPr>
           <a:xfrm>
-            <a:off x="4664765" y="4619342"/>
+            <a:off x="4664765" y="4078398"/>
             <a:ext cx="1296035" cy="1254760"/>
           </a:xfrm>
           <a:prstGeom prst="ellipse">
@@ -5630,7 +6219,7 @@
         </p:nvSpPr>
         <p:spPr>
           <a:xfrm>
-            <a:off x="2320468" y="1207125"/>
+            <a:off x="2320468" y="666181"/>
             <a:ext cx="1296035" cy="1254760"/>
           </a:xfrm>
           <a:prstGeom prst="ellipse">
@@ -5785,9 +6374,9 @@
 </file>
 
 <file path=ppt/theme/theme1.xml><?xml version="1.0" encoding="utf-8"?>
-<a:theme xmlns:a="http://schemas.openxmlformats.org/drawingml/2006/main" name="Office-Design">
+<a:theme xmlns:a="http://schemas.openxmlformats.org/drawingml/2006/main" name="Retrospect">
   <a:themeElements>
-    <a:clrScheme name="Office">
+    <a:clrScheme name="Retrospect">
       <a:dk1>
         <a:sysClr val="windowText" lastClr="000000"/>
       </a:dk1>
@@ -5795,44 +6384,44 @@
         <a:sysClr val="window" lastClr="FFFFFF"/>
       </a:lt1>
       <a:dk2>
-        <a:srgbClr val="44546A"/>
+        <a:srgbClr val="514949"/>
       </a:dk2>
       <a:lt2>
-        <a:srgbClr val="E7E6E6"/>
+        <a:srgbClr val="E1E1DB"/>
       </a:lt2>
       <a:accent1>
-        <a:srgbClr val="4472C4"/>
+        <a:srgbClr val="9DBFBE"/>
       </a:accent1>
       <a:accent2>
-        <a:srgbClr val="ED7D31"/>
+        <a:srgbClr val="DB8631"/>
       </a:accent2>
       <a:accent3>
-        <a:srgbClr val="A5A5A5"/>
+        <a:srgbClr val="E3CC5A"/>
       </a:accent3>
       <a:accent4>
-        <a:srgbClr val="FFC000"/>
+        <a:srgbClr val="ACADA8"/>
       </a:accent4>
       <a:accent5>
-        <a:srgbClr val="5B9BD5"/>
+        <a:srgbClr val="927C61"/>
       </a:accent5>
       <a:accent6>
-        <a:srgbClr val="70AD47"/>
+        <a:srgbClr val="B3B435"/>
       </a:accent6>
       <a:hlink>
-        <a:srgbClr val="0563C1"/>
+        <a:srgbClr val="0000FF"/>
       </a:hlink>
       <a:folHlink>
-        <a:srgbClr val="954F72"/>
+        <a:srgbClr val="800080"/>
       </a:folHlink>
     </a:clrScheme>
-    <a:fontScheme name="Office">
+    <a:fontScheme name="Retrospect">
       <a:majorFont>
         <a:latin typeface="Calibri Light" panose="020F0302020204030204"/>
         <a:ea typeface=""/>
         <a:cs typeface=""/>
-        <a:font script="Jpan" typeface="Yu Gothic Light"/>
+        <a:font script="Jpan" typeface="ＭＳ Ｐゴシック"/>
         <a:font script="Hang" typeface="맑은 고딕"/>
-        <a:font script="Hans" typeface="DengXian Light"/>
+        <a:font script="Hans" typeface="宋体"/>
         <a:font script="Hant" typeface="新細明體"/>
         <a:font script="Arab" typeface="Times New Roman"/>
         <a:font script="Hebr" typeface="Times New Roman"/>
@@ -5865,9 +6454,9 @@
         <a:latin typeface="Calibri" panose="020F0502020204030204"/>
         <a:ea typeface=""/>
         <a:cs typeface=""/>
-        <a:font script="Jpan" typeface="Yu Gothic"/>
+        <a:font script="Jpan" typeface="ＭＳ Ｐゴシック"/>
         <a:font script="Hang" typeface="맑은 고딕"/>
-        <a:font script="Hans" typeface="DengXian"/>
+        <a:font script="Hans" typeface="宋体"/>
         <a:font script="Hant" typeface="新細明體"/>
         <a:font script="Arab" typeface="Arial"/>
         <a:font script="Hebr" typeface="Arial"/>
@@ -5897,7 +6486,7 @@
         <a:font script="Geor" typeface="Sylfaen"/>
       </a:minorFont>
     </a:fontScheme>
-    <a:fmtScheme name="Office">
+    <a:fmtScheme name="Retrospect">
       <a:fillStyleLst>
         <a:solidFill>
           <a:schemeClr val="phClr"/>
@@ -5906,76 +6495,81 @@
           <a:gsLst>
             <a:gs pos="0">
               <a:schemeClr val="phClr">
-                <a:lumMod val="110000"/>
-                <a:satMod val="105000"/>
-                <a:tint val="67000"/>
+                <a:tint val="65000"/>
+                <a:shade val="92000"/>
+                <a:satMod val="130000"/>
               </a:schemeClr>
             </a:gs>
-            <a:gs pos="50000">
+            <a:gs pos="45000">
               <a:schemeClr val="phClr">
-                <a:lumMod val="105000"/>
-                <a:satMod val="103000"/>
-                <a:tint val="73000"/>
+                <a:tint val="60000"/>
+                <a:shade val="99000"/>
+                <a:satMod val="120000"/>
               </a:schemeClr>
             </a:gs>
             <a:gs pos="100000">
               <a:schemeClr val="phClr">
-                <a:lumMod val="105000"/>
-                <a:satMod val="109000"/>
-                <a:tint val="81000"/>
+                <a:tint val="55000"/>
+                <a:satMod val="140000"/>
               </a:schemeClr>
             </a:gs>
           </a:gsLst>
-          <a:lin ang="5400000" scaled="0"/>
+          <a:path path="circle">
+            <a:fillToRect l="100000" t="100000" r="100000" b="100000"/>
+          </a:path>
         </a:gradFill>
         <a:gradFill rotWithShape="1">
           <a:gsLst>
             <a:gs pos="0">
               <a:schemeClr val="phClr">
-                <a:satMod val="103000"/>
-                <a:lumMod val="102000"/>
-                <a:tint val="94000"/>
+                <a:shade val="85000"/>
+                <a:satMod val="130000"/>
               </a:schemeClr>
             </a:gs>
-            <a:gs pos="50000">
+            <a:gs pos="34000">
               <a:schemeClr val="phClr">
-                <a:satMod val="110000"/>
-                <a:lumMod val="100000"/>
-                <a:shade val="100000"/>
+                <a:shade val="87000"/>
+                <a:satMod val="125000"/>
+              </a:schemeClr>
+            </a:gs>
+            <a:gs pos="70000">
+              <a:schemeClr val="phClr">
+                <a:tint val="100000"/>
+                <a:shade val="90000"/>
+                <a:satMod val="130000"/>
               </a:schemeClr>
             </a:gs>
             <a:gs pos="100000">
               <a:schemeClr val="phClr">
-                <a:lumMod val="99000"/>
-                <a:satMod val="120000"/>
-                <a:shade val="78000"/>
+                <a:tint val="100000"/>
+                <a:shade val="100000"/>
+                <a:satMod val="110000"/>
               </a:schemeClr>
             </a:gs>
           </a:gsLst>
-          <a:lin ang="5400000" scaled="0"/>
+          <a:path path="circle">
+            <a:fillToRect l="100000" t="100000" r="100000" b="100000"/>
+          </a:path>
         </a:gradFill>
       </a:fillStyleLst>
       <a:lnStyleLst>
-        <a:ln w="6350" cap="flat" cmpd="sng" algn="ctr">
-          <a:solidFill>
-            <a:schemeClr val="phClr"/>
-          </a:solidFill>
-          <a:prstDash val="solid"/>
-          <a:miter lim="800000"/>
-        </a:ln>
         <a:ln w="12700" cap="flat" cmpd="sng" algn="ctr">
           <a:solidFill>
             <a:schemeClr val="phClr"/>
           </a:solidFill>
           <a:prstDash val="solid"/>
-          <a:miter lim="800000"/>
         </a:ln>
-        <a:ln w="19050" cap="flat" cmpd="sng" algn="ctr">
+        <a:ln w="15875" cap="flat" cmpd="sng" algn="ctr">
           <a:solidFill>
             <a:schemeClr val="phClr"/>
           </a:solidFill>
           <a:prstDash val="solid"/>
-          <a:miter lim="800000"/>
+        </a:ln>
+        <a:ln w="25400" cap="flat" cmpd="sng" algn="ctr">
+          <a:solidFill>
+            <a:schemeClr val="phClr"/>
+          </a:solidFill>
+          <a:prstDash val="solid"/>
         </a:ln>
       </a:lnStyleLst>
       <a:effectStyleLst>
@@ -5983,16 +6577,33 @@
           <a:effectLst/>
         </a:effectStyle>
         <a:effectStyle>
-          <a:effectLst/>
+          <a:effectLst>
+            <a:outerShdw blurRad="38100" dist="25400" dir="2700000" algn="br" rotWithShape="0">
+              <a:srgbClr val="000000">
+                <a:alpha val="60000"/>
+              </a:srgbClr>
+            </a:outerShdw>
+          </a:effectLst>
         </a:effectStyle>
         <a:effectStyle>
           <a:effectLst>
-            <a:outerShdw blurRad="57150" dist="19050" dir="5400000" algn="ctr" rotWithShape="0">
+            <a:outerShdw blurRad="44450" dist="25400" dir="2700000" algn="br" rotWithShape="0">
               <a:srgbClr val="000000">
-                <a:alpha val="63000"/>
+                <a:alpha val="60000"/>
               </a:srgbClr>
             </a:outerShdw>
           </a:effectLst>
+          <a:scene3d>
+            <a:camera prst="orthographicFront">
+              <a:rot lat="0" lon="0" rev="0"/>
+            </a:camera>
+            <a:lightRig rig="threePt" dir="t">
+              <a:rot lat="0" lon="0" rev="19800000"/>
+            </a:lightRig>
+          </a:scene3d>
+          <a:sp3d prstMaterial="flat">
+            <a:bevelT w="25400" h="31750"/>
+          </a:sp3d>
         </a:effectStyle>
       </a:effectStyleLst>
       <a:bgFillStyleLst>
@@ -6001,36 +6612,36 @@
         </a:solidFill>
         <a:solidFill>
           <a:schemeClr val="phClr">
-            <a:tint val="95000"/>
-            <a:satMod val="170000"/>
+            <a:tint val="90000"/>
+            <a:shade val="97000"/>
+            <a:satMod val="130000"/>
           </a:schemeClr>
         </a:solidFill>
         <a:gradFill rotWithShape="1">
           <a:gsLst>
             <a:gs pos="0">
               <a:schemeClr val="phClr">
-                <a:tint val="93000"/>
-                <a:satMod val="150000"/>
-                <a:shade val="98000"/>
-                <a:lumMod val="102000"/>
+                <a:tint val="96000"/>
+                <a:shade val="99000"/>
+                <a:satMod val="140000"/>
               </a:schemeClr>
             </a:gs>
-            <a:gs pos="50000">
+            <a:gs pos="65000">
               <a:schemeClr val="phClr">
-                <a:tint val="98000"/>
+                <a:tint val="100000"/>
+                <a:shade val="80000"/>
                 <a:satMod val="130000"/>
-                <a:shade val="90000"/>
-                <a:lumMod val="103000"/>
               </a:schemeClr>
             </a:gs>
             <a:gs pos="100000">
               <a:schemeClr val="phClr">
-                <a:shade val="63000"/>
+                <a:tint val="100000"/>
+                <a:shade val="48000"/>
                 <a:satMod val="120000"/>
               </a:schemeClr>
             </a:gs>
           </a:gsLst>
-          <a:lin ang="5400000" scaled="0"/>
+          <a:lin ang="16200000" scaled="0"/>
         </a:gradFill>
       </a:bgFillStyleLst>
     </a:fmtScheme>
@@ -6039,7 +6650,7 @@
   <a:extraClrSchemeLst/>
   <a:extLst>
     <a:ext uri="{05A4C25C-085E-4340-85A3-A5531E510DB2}">
-      <thm15:themeFamily xmlns:thm15="http://schemas.microsoft.com/office/thememl/2012/main" name="Office Theme" id="{62F939B6-93AF-4DB8-9C6B-D6C7DFDC589F}" vid="{4A3C46E8-61CC-4603-A589-7422A47A8E4A}"/>
+      <thm15:themeFamily xmlns:thm15="http://schemas.microsoft.com/office/thememl/2012/main" name="Retrospect" id="{5F128B03-DCCA-4EEB-AB3B-CF2899314A46}" vid="{243AF7DC-D15B-41C0-AE81-23980D1B9FC4}"/>
     </a:ext>
   </a:extLst>
 </a:theme>

--- a/beacon.pptx
+++ b/beacon.pptx
@@ -5,20 +5,22 @@
     <p:sldMasterId id="2147483744" r:id="rId1"/>
   </p:sldMasterIdLst>
   <p:notesMasterIdLst>
-    <p:notesMasterId r:id="rId13"/>
+    <p:notesMasterId r:id="rId15"/>
   </p:notesMasterIdLst>
   <p:sldIdLst>
     <p:sldId id="265" r:id="rId2"/>
     <p:sldId id="266" r:id="rId3"/>
-    <p:sldId id="267" r:id="rId4"/>
-    <p:sldId id="268" r:id="rId5"/>
-    <p:sldId id="269" r:id="rId6"/>
-    <p:sldId id="270" r:id="rId7"/>
-    <p:sldId id="258" r:id="rId8"/>
-    <p:sldId id="256" r:id="rId9"/>
-    <p:sldId id="261" r:id="rId10"/>
-    <p:sldId id="262" r:id="rId11"/>
-    <p:sldId id="264" r:id="rId12"/>
+    <p:sldId id="271" r:id="rId4"/>
+    <p:sldId id="272" r:id="rId5"/>
+    <p:sldId id="273" r:id="rId6"/>
+    <p:sldId id="268" r:id="rId7"/>
+    <p:sldId id="269" r:id="rId8"/>
+    <p:sldId id="270" r:id="rId9"/>
+    <p:sldId id="258" r:id="rId10"/>
+    <p:sldId id="256" r:id="rId11"/>
+    <p:sldId id="261" r:id="rId12"/>
+    <p:sldId id="262" r:id="rId13"/>
+    <p:sldId id="264" r:id="rId14"/>
   </p:sldIdLst>
   <p:sldSz cx="12192000" cy="6858000"/>
   <p:notesSz cx="6858000" cy="9144000"/>
@@ -4282,6 +4284,649 @@
         </p:nvPicPr>
         <p:blipFill rotWithShape="1">
           <a:blip r:embed="rId2"/>
+          <a:srcRect t="5723"/>
+          <a:stretch/>
+        </p:blipFill>
+        <p:spPr>
+          <a:xfrm>
+            <a:off x="1376155" y="-30654"/>
+            <a:ext cx="9348996" cy="6305249"/>
+          </a:xfrm>
+          <a:prstGeom prst="rect">
+            <a:avLst/>
+          </a:prstGeom>
+        </p:spPr>
+      </p:pic>
+      <p:sp>
+        <p:nvSpPr>
+          <p:cNvPr id="5" name="Oval 4"/>
+          <p:cNvSpPr/>
+          <p:nvPr/>
+        </p:nvSpPr>
+        <p:spPr>
+          <a:xfrm>
+            <a:off x="5408226" y="2260676"/>
+            <a:ext cx="1296035" cy="1254760"/>
+          </a:xfrm>
+          <a:prstGeom prst="ellipse">
+            <a:avLst/>
+          </a:prstGeom>
+          <a:solidFill>
+            <a:schemeClr val="accent1">
+              <a:alpha val="20000"/>
+            </a:schemeClr>
+          </a:solidFill>
+        </p:spPr>
+        <p:style>
+          <a:lnRef idx="2">
+            <a:schemeClr val="accent1">
+              <a:shade val="50000"/>
+            </a:schemeClr>
+          </a:lnRef>
+          <a:fillRef idx="1">
+            <a:schemeClr val="accent1"/>
+          </a:fillRef>
+          <a:effectRef idx="0">
+            <a:schemeClr val="accent1"/>
+          </a:effectRef>
+          <a:fontRef idx="minor">
+            <a:schemeClr val="lt1"/>
+          </a:fontRef>
+        </p:style>
+        <p:txBody>
+          <a:bodyPr rot="0" spcFirstLastPara="0" vert="horz" wrap="square" lIns="91440" tIns="45720" rIns="91440" bIns="45720" numCol="1" spcCol="0" rtlCol="0" fromWordArt="0" anchor="ctr" anchorCtr="0" forceAA="0" compatLnSpc="1">
+            <a:prstTxWarp prst="textNoShape">
+              <a:avLst/>
+            </a:prstTxWarp>
+            <a:noAutofit/>
+          </a:bodyPr>
+          <a:lstStyle/>
+          <a:p>
+            <a:endParaRPr lang="de-DE"/>
+          </a:p>
+        </p:txBody>
+      </p:sp>
+      <p:sp>
+        <p:nvSpPr>
+          <p:cNvPr id="6" name="Oval 5"/>
+          <p:cNvSpPr/>
+          <p:nvPr/>
+        </p:nvSpPr>
+        <p:spPr>
+          <a:xfrm>
+            <a:off x="4009469" y="2487879"/>
+            <a:ext cx="1296035" cy="1254760"/>
+          </a:xfrm>
+          <a:prstGeom prst="ellipse">
+            <a:avLst/>
+          </a:prstGeom>
+          <a:solidFill>
+            <a:schemeClr val="accent1">
+              <a:alpha val="20000"/>
+            </a:schemeClr>
+          </a:solidFill>
+        </p:spPr>
+        <p:style>
+          <a:lnRef idx="2">
+            <a:schemeClr val="accent1">
+              <a:shade val="50000"/>
+            </a:schemeClr>
+          </a:lnRef>
+          <a:fillRef idx="1">
+            <a:schemeClr val="accent1"/>
+          </a:fillRef>
+          <a:effectRef idx="0">
+            <a:schemeClr val="accent1"/>
+          </a:effectRef>
+          <a:fontRef idx="minor">
+            <a:schemeClr val="lt1"/>
+          </a:fontRef>
+        </p:style>
+        <p:txBody>
+          <a:bodyPr rot="0" spcFirstLastPara="0" vert="horz" wrap="square" lIns="91440" tIns="45720" rIns="91440" bIns="45720" numCol="1" spcCol="0" rtlCol="0" fromWordArt="0" anchor="ctr" anchorCtr="0" forceAA="0" compatLnSpc="1">
+            <a:prstTxWarp prst="textNoShape">
+              <a:avLst/>
+            </a:prstTxWarp>
+            <a:noAutofit/>
+          </a:bodyPr>
+          <a:lstStyle/>
+          <a:p>
+            <a:endParaRPr lang="de-DE"/>
+          </a:p>
+        </p:txBody>
+      </p:sp>
+      <p:sp>
+        <p:nvSpPr>
+          <p:cNvPr id="7" name="Oval 6"/>
+          <p:cNvSpPr/>
+          <p:nvPr/>
+        </p:nvSpPr>
+        <p:spPr>
+          <a:xfrm>
+            <a:off x="2320469" y="2005703"/>
+            <a:ext cx="1296035" cy="1254760"/>
+          </a:xfrm>
+          <a:prstGeom prst="ellipse">
+            <a:avLst/>
+          </a:prstGeom>
+          <a:solidFill>
+            <a:schemeClr val="accent1">
+              <a:alpha val="20000"/>
+            </a:schemeClr>
+          </a:solidFill>
+        </p:spPr>
+        <p:style>
+          <a:lnRef idx="2">
+            <a:schemeClr val="accent1">
+              <a:shade val="50000"/>
+            </a:schemeClr>
+          </a:lnRef>
+          <a:fillRef idx="1">
+            <a:schemeClr val="accent1"/>
+          </a:fillRef>
+          <a:effectRef idx="0">
+            <a:schemeClr val="accent1"/>
+          </a:effectRef>
+          <a:fontRef idx="minor">
+            <a:schemeClr val="lt1"/>
+          </a:fontRef>
+        </p:style>
+        <p:txBody>
+          <a:bodyPr rot="0" spcFirstLastPara="0" vert="horz" wrap="square" lIns="91440" tIns="45720" rIns="91440" bIns="45720" numCol="1" spcCol="0" rtlCol="0" fromWordArt="0" anchor="ctr" anchorCtr="0" forceAA="0" compatLnSpc="1">
+            <a:prstTxWarp prst="textNoShape">
+              <a:avLst/>
+            </a:prstTxWarp>
+            <a:noAutofit/>
+          </a:bodyPr>
+          <a:lstStyle/>
+          <a:p>
+            <a:endParaRPr lang="de-DE"/>
+          </a:p>
+        </p:txBody>
+      </p:sp>
+      <p:sp>
+        <p:nvSpPr>
+          <p:cNvPr id="8" name="Oval 7"/>
+          <p:cNvSpPr/>
+          <p:nvPr/>
+        </p:nvSpPr>
+        <p:spPr>
+          <a:xfrm>
+            <a:off x="7790972" y="1291887"/>
+            <a:ext cx="1296035" cy="1254760"/>
+          </a:xfrm>
+          <a:prstGeom prst="ellipse">
+            <a:avLst/>
+          </a:prstGeom>
+          <a:solidFill>
+            <a:schemeClr val="accent1">
+              <a:alpha val="20000"/>
+            </a:schemeClr>
+          </a:solidFill>
+        </p:spPr>
+        <p:style>
+          <a:lnRef idx="2">
+            <a:schemeClr val="accent1">
+              <a:shade val="50000"/>
+            </a:schemeClr>
+          </a:lnRef>
+          <a:fillRef idx="1">
+            <a:schemeClr val="accent1"/>
+          </a:fillRef>
+          <a:effectRef idx="0">
+            <a:schemeClr val="accent1"/>
+          </a:effectRef>
+          <a:fontRef idx="minor">
+            <a:schemeClr val="lt1"/>
+          </a:fontRef>
+        </p:style>
+        <p:txBody>
+          <a:bodyPr rot="0" spcFirstLastPara="0" vert="horz" wrap="square" lIns="91440" tIns="45720" rIns="91440" bIns="45720" numCol="1" spcCol="0" rtlCol="0" fromWordArt="0" anchor="ctr" anchorCtr="0" forceAA="0" compatLnSpc="1">
+            <a:prstTxWarp prst="textNoShape">
+              <a:avLst/>
+            </a:prstTxWarp>
+            <a:noAutofit/>
+          </a:bodyPr>
+          <a:lstStyle/>
+          <a:p>
+            <a:endParaRPr lang="de-DE"/>
+          </a:p>
+        </p:txBody>
+      </p:sp>
+      <p:sp>
+        <p:nvSpPr>
+          <p:cNvPr id="9" name="Oval 8"/>
+          <p:cNvSpPr/>
+          <p:nvPr/>
+        </p:nvSpPr>
+        <p:spPr>
+          <a:xfrm>
+            <a:off x="2761774" y="3459832"/>
+            <a:ext cx="1296035" cy="1254760"/>
+          </a:xfrm>
+          <a:prstGeom prst="ellipse">
+            <a:avLst/>
+          </a:prstGeom>
+          <a:solidFill>
+            <a:schemeClr val="accent1">
+              <a:alpha val="20000"/>
+            </a:schemeClr>
+          </a:solidFill>
+        </p:spPr>
+        <p:style>
+          <a:lnRef idx="2">
+            <a:schemeClr val="accent1">
+              <a:shade val="50000"/>
+            </a:schemeClr>
+          </a:lnRef>
+          <a:fillRef idx="1">
+            <a:schemeClr val="accent1"/>
+          </a:fillRef>
+          <a:effectRef idx="0">
+            <a:schemeClr val="accent1"/>
+          </a:effectRef>
+          <a:fontRef idx="minor">
+            <a:schemeClr val="lt1"/>
+          </a:fontRef>
+        </p:style>
+        <p:txBody>
+          <a:bodyPr rot="0" spcFirstLastPara="0" vert="horz" wrap="square" lIns="91440" tIns="45720" rIns="91440" bIns="45720" numCol="1" spcCol="0" rtlCol="0" fromWordArt="0" anchor="ctr" anchorCtr="0" forceAA="0" compatLnSpc="1">
+            <a:prstTxWarp prst="textNoShape">
+              <a:avLst/>
+            </a:prstTxWarp>
+            <a:noAutofit/>
+          </a:bodyPr>
+          <a:lstStyle/>
+          <a:p>
+            <a:endParaRPr lang="de-DE"/>
+          </a:p>
+        </p:txBody>
+      </p:sp>
+      <p:sp>
+        <p:nvSpPr>
+          <p:cNvPr id="10" name="Oval 9"/>
+          <p:cNvSpPr/>
+          <p:nvPr/>
+        </p:nvSpPr>
+        <p:spPr>
+          <a:xfrm>
+            <a:off x="7018365" y="3888975"/>
+            <a:ext cx="1296035" cy="1254760"/>
+          </a:xfrm>
+          <a:prstGeom prst="ellipse">
+            <a:avLst/>
+          </a:prstGeom>
+          <a:solidFill>
+            <a:schemeClr val="accent1">
+              <a:alpha val="20000"/>
+            </a:schemeClr>
+          </a:solidFill>
+        </p:spPr>
+        <p:style>
+          <a:lnRef idx="2">
+            <a:schemeClr val="accent1">
+              <a:shade val="50000"/>
+            </a:schemeClr>
+          </a:lnRef>
+          <a:fillRef idx="1">
+            <a:schemeClr val="accent1"/>
+          </a:fillRef>
+          <a:effectRef idx="0">
+            <a:schemeClr val="accent1"/>
+          </a:effectRef>
+          <a:fontRef idx="minor">
+            <a:schemeClr val="lt1"/>
+          </a:fontRef>
+        </p:style>
+        <p:txBody>
+          <a:bodyPr rot="0" spcFirstLastPara="0" vert="horz" wrap="square" lIns="91440" tIns="45720" rIns="91440" bIns="45720" numCol="1" spcCol="0" rtlCol="0" fromWordArt="0" anchor="ctr" anchorCtr="0" forceAA="0" compatLnSpc="1">
+            <a:prstTxWarp prst="textNoShape">
+              <a:avLst/>
+            </a:prstTxWarp>
+            <a:noAutofit/>
+          </a:bodyPr>
+          <a:lstStyle/>
+          <a:p>
+            <a:endParaRPr lang="de-DE"/>
+          </a:p>
+        </p:txBody>
+      </p:sp>
+      <p:sp>
+        <p:nvSpPr>
+          <p:cNvPr id="11" name="Oval 10"/>
+          <p:cNvSpPr/>
+          <p:nvPr/>
+        </p:nvSpPr>
+        <p:spPr>
+          <a:xfrm>
+            <a:off x="6744017" y="2108276"/>
+            <a:ext cx="1296035" cy="1254760"/>
+          </a:xfrm>
+          <a:prstGeom prst="ellipse">
+            <a:avLst/>
+          </a:prstGeom>
+          <a:solidFill>
+            <a:schemeClr val="accent1">
+              <a:alpha val="20000"/>
+            </a:schemeClr>
+          </a:solidFill>
+        </p:spPr>
+        <p:style>
+          <a:lnRef idx="2">
+            <a:schemeClr val="accent1">
+              <a:shade val="50000"/>
+            </a:schemeClr>
+          </a:lnRef>
+          <a:fillRef idx="1">
+            <a:schemeClr val="accent1"/>
+          </a:fillRef>
+          <a:effectRef idx="0">
+            <a:schemeClr val="accent1"/>
+          </a:effectRef>
+          <a:fontRef idx="minor">
+            <a:schemeClr val="lt1"/>
+          </a:fontRef>
+        </p:style>
+        <p:txBody>
+          <a:bodyPr rot="0" spcFirstLastPara="0" vert="horz" wrap="square" lIns="91440" tIns="45720" rIns="91440" bIns="45720" numCol="1" spcCol="0" rtlCol="0" fromWordArt="0" anchor="ctr" anchorCtr="0" forceAA="0" compatLnSpc="1">
+            <a:prstTxWarp prst="textNoShape">
+              <a:avLst/>
+            </a:prstTxWarp>
+            <a:noAutofit/>
+          </a:bodyPr>
+          <a:lstStyle/>
+          <a:p>
+            <a:endParaRPr lang="de-DE"/>
+          </a:p>
+        </p:txBody>
+      </p:sp>
+      <p:sp>
+        <p:nvSpPr>
+          <p:cNvPr id="12" name="Oval 11"/>
+          <p:cNvSpPr/>
+          <p:nvPr/>
+        </p:nvSpPr>
+        <p:spPr>
+          <a:xfrm>
+            <a:off x="2191930" y="4808931"/>
+            <a:ext cx="1296035" cy="1254760"/>
+          </a:xfrm>
+          <a:prstGeom prst="ellipse">
+            <a:avLst/>
+          </a:prstGeom>
+          <a:solidFill>
+            <a:schemeClr val="accent1">
+              <a:alpha val="20000"/>
+            </a:schemeClr>
+          </a:solidFill>
+        </p:spPr>
+        <p:style>
+          <a:lnRef idx="2">
+            <a:schemeClr val="accent1">
+              <a:shade val="50000"/>
+            </a:schemeClr>
+          </a:lnRef>
+          <a:fillRef idx="1">
+            <a:schemeClr val="accent1"/>
+          </a:fillRef>
+          <a:effectRef idx="0">
+            <a:schemeClr val="accent1"/>
+          </a:effectRef>
+          <a:fontRef idx="minor">
+            <a:schemeClr val="lt1"/>
+          </a:fontRef>
+        </p:style>
+        <p:txBody>
+          <a:bodyPr rot="0" spcFirstLastPara="0" vert="horz" wrap="square" lIns="91440" tIns="45720" rIns="91440" bIns="45720" numCol="1" spcCol="0" rtlCol="0" fromWordArt="0" anchor="ctr" anchorCtr="0" forceAA="0" compatLnSpc="1">
+            <a:prstTxWarp prst="textNoShape">
+              <a:avLst/>
+            </a:prstTxWarp>
+            <a:noAutofit/>
+          </a:bodyPr>
+          <a:lstStyle/>
+          <a:p>
+            <a:endParaRPr lang="de-DE"/>
+          </a:p>
+        </p:txBody>
+      </p:sp>
+      <p:sp>
+        <p:nvSpPr>
+          <p:cNvPr id="13" name="Oval 12"/>
+          <p:cNvSpPr/>
+          <p:nvPr/>
+        </p:nvSpPr>
+        <p:spPr>
+          <a:xfrm>
+            <a:off x="4664765" y="4078398"/>
+            <a:ext cx="1296035" cy="1254760"/>
+          </a:xfrm>
+          <a:prstGeom prst="ellipse">
+            <a:avLst/>
+          </a:prstGeom>
+          <a:solidFill>
+            <a:schemeClr val="accent1">
+              <a:alpha val="20000"/>
+            </a:schemeClr>
+          </a:solidFill>
+        </p:spPr>
+        <p:style>
+          <a:lnRef idx="2">
+            <a:schemeClr val="accent1">
+              <a:shade val="50000"/>
+            </a:schemeClr>
+          </a:lnRef>
+          <a:fillRef idx="1">
+            <a:schemeClr val="accent1"/>
+          </a:fillRef>
+          <a:effectRef idx="0">
+            <a:schemeClr val="accent1"/>
+          </a:effectRef>
+          <a:fontRef idx="minor">
+            <a:schemeClr val="lt1"/>
+          </a:fontRef>
+        </p:style>
+        <p:txBody>
+          <a:bodyPr rot="0" spcFirstLastPara="0" vert="horz" wrap="square" lIns="91440" tIns="45720" rIns="91440" bIns="45720" numCol="1" spcCol="0" rtlCol="0" fromWordArt="0" anchor="ctr" anchorCtr="0" forceAA="0" compatLnSpc="1">
+            <a:prstTxWarp prst="textNoShape">
+              <a:avLst/>
+            </a:prstTxWarp>
+            <a:noAutofit/>
+          </a:bodyPr>
+          <a:lstStyle/>
+          <a:p>
+            <a:endParaRPr lang="de-DE"/>
+          </a:p>
+        </p:txBody>
+      </p:sp>
+      <p:sp>
+        <p:nvSpPr>
+          <p:cNvPr id="14" name="Oval 13"/>
+          <p:cNvSpPr/>
+          <p:nvPr/>
+        </p:nvSpPr>
+        <p:spPr>
+          <a:xfrm>
+            <a:off x="2320468" y="666181"/>
+            <a:ext cx="1296035" cy="1254760"/>
+          </a:xfrm>
+          <a:prstGeom prst="ellipse">
+            <a:avLst/>
+          </a:prstGeom>
+          <a:solidFill>
+            <a:schemeClr val="accent1">
+              <a:alpha val="20000"/>
+            </a:schemeClr>
+          </a:solidFill>
+        </p:spPr>
+        <p:style>
+          <a:lnRef idx="2">
+            <a:schemeClr val="accent1">
+              <a:shade val="50000"/>
+            </a:schemeClr>
+          </a:lnRef>
+          <a:fillRef idx="1">
+            <a:schemeClr val="accent1"/>
+          </a:fillRef>
+          <a:effectRef idx="0">
+            <a:schemeClr val="accent1"/>
+          </a:effectRef>
+          <a:fontRef idx="minor">
+            <a:schemeClr val="lt1"/>
+          </a:fontRef>
+        </p:style>
+        <p:txBody>
+          <a:bodyPr rot="0" spcFirstLastPara="0" vert="horz" wrap="square" lIns="91440" tIns="45720" rIns="91440" bIns="45720" numCol="1" spcCol="0" rtlCol="0" fromWordArt="0" anchor="ctr" anchorCtr="0" forceAA="0" compatLnSpc="1">
+            <a:prstTxWarp prst="textNoShape">
+              <a:avLst/>
+            </a:prstTxWarp>
+            <a:noAutofit/>
+          </a:bodyPr>
+          <a:lstStyle/>
+          <a:p>
+            <a:endParaRPr lang="de-DE"/>
+          </a:p>
+        </p:txBody>
+      </p:sp>
+    </p:spTree>
+    <p:extLst>
+      <p:ext uri="{BB962C8B-B14F-4D97-AF65-F5344CB8AC3E}">
+        <p14:creationId xmlns:p14="http://schemas.microsoft.com/office/powerpoint/2010/main" val="686632633"/>
+      </p:ext>
+    </p:extLst>
+  </p:cSld>
+  <p:clrMapOvr>
+    <a:masterClrMapping/>
+  </p:clrMapOvr>
+</p:sld>
+</file>
+
+<file path=ppt/slides/slide11.xml><?xml version="1.0" encoding="utf-8"?>
+<p:sld xmlns:a="http://schemas.openxmlformats.org/drawingml/2006/main" xmlns:r="http://schemas.openxmlformats.org/officeDocument/2006/relationships" xmlns:p="http://schemas.openxmlformats.org/presentationml/2006/main">
+  <p:cSld>
+    <p:spTree>
+      <p:nvGrpSpPr>
+        <p:cNvPr id="1" name=""/>
+        <p:cNvGrpSpPr/>
+        <p:nvPr/>
+      </p:nvGrpSpPr>
+      <p:grpSpPr>
+        <a:xfrm>
+          <a:off x="0" y="0"/>
+          <a:ext cx="0" cy="0"/>
+          <a:chOff x="0" y="0"/>
+          <a:chExt cx="0" cy="0"/>
+        </a:xfrm>
+      </p:grpSpPr>
+      <p:sp>
+        <p:nvSpPr>
+          <p:cNvPr id="2" name="Titel 1"/>
+          <p:cNvSpPr>
+            <a:spLocks noGrp="1"/>
+          </p:cNvSpPr>
+          <p:nvPr>
+            <p:ph type="title"/>
+          </p:nvPr>
+        </p:nvSpPr>
+        <p:spPr/>
+        <p:txBody>
+          <a:bodyPr/>
+          <a:lstStyle/>
+          <a:p>
+            <a:r>
+              <a:rPr lang="en-US" dirty="0"/>
+              <a:t>Notification Preferences</a:t>
+            </a:r>
+          </a:p>
+        </p:txBody>
+      </p:sp>
+      <p:pic>
+        <p:nvPicPr>
+          <p:cNvPr id="4" name="Bild 3"/>
+          <p:cNvPicPr>
+            <a:picLocks noChangeAspect="1"/>
+          </p:cNvPicPr>
+          <p:nvPr/>
+        </p:nvPicPr>
+        <p:blipFill>
+          <a:blip r:embed="rId2"/>
+          <a:stretch>
+            <a:fillRect/>
+          </a:stretch>
+        </p:blipFill>
+        <p:spPr>
+          <a:xfrm>
+            <a:off x="838199" y="1825625"/>
+            <a:ext cx="4575483" cy="3753540"/>
+          </a:xfrm>
+          <a:prstGeom prst="rect">
+            <a:avLst/>
+          </a:prstGeom>
+        </p:spPr>
+      </p:pic>
+      <p:pic>
+        <p:nvPicPr>
+          <p:cNvPr id="5" name="Bild 4"/>
+          <p:cNvPicPr>
+            <a:picLocks noChangeAspect="1"/>
+          </p:cNvPicPr>
+          <p:nvPr/>
+        </p:nvPicPr>
+        <p:blipFill>
+          <a:blip r:embed="rId3"/>
+          <a:stretch>
+            <a:fillRect/>
+          </a:stretch>
+        </p:blipFill>
+        <p:spPr>
+          <a:xfrm>
+            <a:off x="6641326" y="1825625"/>
+            <a:ext cx="4712474" cy="3753540"/>
+          </a:xfrm>
+          <a:prstGeom prst="rect">
+            <a:avLst/>
+          </a:prstGeom>
+        </p:spPr>
+      </p:pic>
+    </p:spTree>
+    <p:extLst>
+      <p:ext uri="{BB962C8B-B14F-4D97-AF65-F5344CB8AC3E}">
+        <p14:creationId xmlns:p14="http://schemas.microsoft.com/office/powerpoint/2010/main" val="504889330"/>
+      </p:ext>
+    </p:extLst>
+  </p:cSld>
+  <p:clrMapOvr>
+    <a:masterClrMapping/>
+  </p:clrMapOvr>
+</p:sld>
+</file>
+
+<file path=ppt/slides/slide12.xml><?xml version="1.0" encoding="utf-8"?>
+<p:sld xmlns:a="http://schemas.openxmlformats.org/drawingml/2006/main" xmlns:r="http://schemas.openxmlformats.org/officeDocument/2006/relationships" xmlns:p="http://schemas.openxmlformats.org/presentationml/2006/main">
+  <p:cSld>
+    <p:spTree>
+      <p:nvGrpSpPr>
+        <p:cNvPr id="1" name=""/>
+        <p:cNvGrpSpPr/>
+        <p:nvPr/>
+      </p:nvGrpSpPr>
+      <p:grpSpPr>
+        <a:xfrm>
+          <a:off x="0" y="0"/>
+          <a:ext cx="0" cy="0"/>
+          <a:chOff x="0" y="0"/>
+          <a:chExt cx="0" cy="0"/>
+        </a:xfrm>
+      </p:grpSpPr>
+      <p:pic>
+        <p:nvPicPr>
+          <p:cNvPr id="4" name="Bild 3"/>
+          <p:cNvPicPr>
+            <a:picLocks noChangeAspect="1"/>
+          </p:cNvPicPr>
+          <p:nvPr/>
+        </p:nvPicPr>
+        <p:blipFill rotWithShape="1">
+          <a:blip r:embed="rId2"/>
           <a:srcRect t="5226"/>
           <a:stretch/>
         </p:blipFill>
@@ -4721,7 +5366,7 @@
 </p:sld>
 </file>
 
-<file path=ppt/slides/slide11.xml><?xml version="1.0" encoding="utf-8"?>
+<file path=ppt/slides/slide13.xml><?xml version="1.0" encoding="utf-8"?>
 <p:sld xmlns:a="http://schemas.openxmlformats.org/drawingml/2006/main" xmlns:r="http://schemas.openxmlformats.org/officeDocument/2006/relationships" xmlns:p="http://schemas.openxmlformats.org/presentationml/2006/main">
   <p:cSld>
     <p:spTree>
@@ -5120,8 +5765,12 @@
               <a:t>Technological </a:t>
             </a:r>
             <a:r>
+              <a:rPr lang="de-CH" b="1" dirty="0" err="1"/>
+              <a:t>L</a:t>
+            </a:r>
+            <a:r>
               <a:rPr lang="de-CH" sz="4400" b="1" dirty="0" err="1"/>
-              <a:t>landscape</a:t>
+              <a:t>andscape</a:t>
             </a:r>
             <a:endParaRPr lang="de-CH" sz="4400" dirty="0"/>
           </a:p>
@@ -5155,7 +5804,15 @@
             </a:pPr>
             <a:r>
               <a:rPr lang="en-US" sz="2800" dirty="0"/>
-              <a:t>From the web of documents to web of data</a:t>
+              <a:t>web of documents </a:t>
+            </a:r>
+            <a:r>
+              <a:rPr lang="en-US" dirty="0"/>
+              <a:t>-&gt;</a:t>
+            </a:r>
+            <a:r>
+              <a:rPr lang="en-US" sz="2800" dirty="0"/>
+              <a:t> web of data</a:t>
             </a:r>
           </a:p>
           <a:p>
@@ -5164,16 +5821,7 @@
             </a:pPr>
             <a:r>
               <a:rPr lang="en-US" sz="2800" dirty="0"/>
-              <a:t>Linked data connecting persons, places, documents, ideas…</a:t>
-            </a:r>
-          </a:p>
-          <a:p>
-            <a:pPr marL="0" indent="0">
-              <a:buNone/>
-            </a:pPr>
-            <a:r>
-              <a:rPr lang="en-US" sz="2800" dirty="0"/>
-              <a:t>Virtually infinite amount of connected data</a:t>
+              <a:t>Persons, places, documents, ideas…</a:t>
             </a:r>
           </a:p>
           <a:p>
@@ -5191,34 +5839,15 @@
             </a:pPr>
             <a:r>
               <a:rPr lang="en-US" sz="2800" dirty="0"/>
-              <a:t>Geo-Location -&gt; Limitations in buildings</a:t>
-            </a:r>
-          </a:p>
-          <a:p>
-            <a:pPr marL="0" indent="0">
-              <a:buNone/>
-            </a:pPr>
-            <a:r>
-              <a:rPr lang="en-US" sz="2800" dirty="0"/>
-              <a:t>Mobile broadband -&gt; Limitations in the wilderness and when roaming</a:t>
-            </a:r>
-          </a:p>
-          <a:p>
-            <a:pPr marL="0" indent="0">
-              <a:buNone/>
-            </a:pPr>
-            <a:r>
-              <a:rPr lang="en-US" sz="2800" dirty="0"/>
-              <a:t>-&gt; Bluetooth Beacons to annotate the physical space</a:t>
-            </a:r>
-            <a:endParaRPr lang="de-CH" sz="2800" dirty="0"/>
+              <a:t>Geo-Location</a:t>
+            </a:r>
           </a:p>
         </p:txBody>
       </p:sp>
     </p:spTree>
     <p:extLst>
       <p:ext uri="{BB962C8B-B14F-4D97-AF65-F5344CB8AC3E}">
-        <p14:creationId xmlns:p14="http://schemas.microsoft.com/office/powerpoint/2010/main" val="2410705375"/>
+        <p14:creationId xmlns:p14="http://schemas.microsoft.com/office/powerpoint/2010/main" val="1370415757"/>
       </p:ext>
     </p:extLst>
   </p:cSld>
@@ -5250,7 +5879,7 @@
           <p:cNvPr id="2" name="Title 1">
             <a:extLst>
               <a:ext uri="{FF2B5EF4-FFF2-40B4-BE49-F238E27FC236}">
-                <a16:creationId xmlns:a16="http://schemas.microsoft.com/office/drawing/2014/main" id="{5F3D2C60-8B13-47EC-8520-4DFEA1E35057}"/>
+                <a16:creationId xmlns:a16="http://schemas.microsoft.com/office/drawing/2014/main" id="{294855B8-231E-4436-9C8D-B818E47FEC09}"/>
               </a:ext>
             </a:extLst>
           </p:cNvPr>
@@ -5263,22 +5892,16 @@
         </p:nvSpPr>
         <p:spPr/>
         <p:txBody>
-          <a:bodyPr/>
-          <a:lstStyle/>
-          <a:p>
-            <a:r>
-              <a:rPr lang="de-CH" b="1" dirty="0"/>
-              <a:t>Advantages </a:t>
-            </a:r>
-            <a:r>
-              <a:rPr lang="de-CH" b="1" dirty="0" err="1"/>
-              <a:t>for</a:t>
-            </a:r>
-            <a:r>
-              <a:rPr lang="de-CH" b="1" dirty="0"/>
-              <a:t> Providers</a:t>
-            </a:r>
-            <a:endParaRPr lang="de-CH" dirty="0"/>
+          <a:bodyPr>
+            <a:normAutofit/>
+          </a:bodyPr>
+          <a:lstStyle/>
+          <a:p>
+            <a:r>
+              <a:rPr lang="de-CH" sz="4400" b="1" dirty="0" err="1"/>
+              <a:t>Limitations</a:t>
+            </a:r>
+            <a:endParaRPr lang="de-CH" sz="4400" dirty="0"/>
           </a:p>
         </p:txBody>
       </p:sp>
@@ -5287,7 +5910,7 @@
           <p:cNvPr id="3" name="Content Placeholder 2">
             <a:extLst>
               <a:ext uri="{FF2B5EF4-FFF2-40B4-BE49-F238E27FC236}">
-                <a16:creationId xmlns:a16="http://schemas.microsoft.com/office/drawing/2014/main" id="{7C82A1DD-4B53-430D-8291-39B733F9DAEC}"/>
+                <a16:creationId xmlns:a16="http://schemas.microsoft.com/office/drawing/2014/main" id="{2EEEF804-2A07-4576-8666-6A2A22AA3FF2}"/>
               </a:ext>
             </a:extLst>
           </p:cNvPr>
@@ -5300,46 +5923,44 @@
         </p:nvSpPr>
         <p:spPr/>
         <p:txBody>
-          <a:bodyPr/>
-          <a:lstStyle/>
-          <a:p>
+          <a:bodyPr>
+            <a:normAutofit/>
+          </a:bodyPr>
+          <a:lstStyle/>
+          <a:p>
+            <a:pPr marL="0" indent="0">
+              <a:buNone/>
+            </a:pPr>
             <a:r>
               <a:rPr lang="en-US" sz="2800" dirty="0"/>
-              <a:t>Tourists stay longer</a:t>
-            </a:r>
-          </a:p>
-          <a:p>
+              <a:t>Geo-Location -&gt; Limitations in buildings</a:t>
+            </a:r>
+          </a:p>
+          <a:p>
+            <a:pPr marL="0" indent="0">
+              <a:buNone/>
+            </a:pPr>
             <a:r>
               <a:rPr lang="en-US" sz="2800" dirty="0"/>
-              <a:t>Tourists learn about and visit more places</a:t>
-            </a:r>
-          </a:p>
-          <a:p>
+              <a:t>Mobile broadband -&gt; Limitations in the wilderness and when roaming</a:t>
+            </a:r>
+          </a:p>
+          <a:p>
+            <a:pPr marL="0" indent="0">
+              <a:buNone/>
+            </a:pPr>
             <a:r>
               <a:rPr lang="en-US" sz="2800" dirty="0"/>
-              <a:t>More equally </a:t>
-            </a:r>
-            <a:r>
-              <a:rPr lang="en-US" sz="2800" dirty="0" err="1"/>
-              <a:t>ditributed</a:t>
-            </a:r>
-            <a:r>
-              <a:rPr lang="en-US" sz="2800" dirty="0"/>
-              <a:t> stream of visitors</a:t>
-            </a:r>
-          </a:p>
-          <a:p>
-            <a:pPr marL="0" indent="0">
-              <a:buNone/>
-            </a:pPr>
-            <a:endParaRPr lang="de-CH" dirty="0"/>
+              <a:t>-&gt; Bluetooth Beacons to annotate the physical space</a:t>
+            </a:r>
+            <a:endParaRPr lang="de-CH" sz="2800" dirty="0"/>
           </a:p>
         </p:txBody>
       </p:sp>
     </p:spTree>
     <p:extLst>
       <p:ext uri="{BB962C8B-B14F-4D97-AF65-F5344CB8AC3E}">
-        <p14:creationId xmlns:p14="http://schemas.microsoft.com/office/powerpoint/2010/main" val="3007267876"/>
+        <p14:creationId xmlns:p14="http://schemas.microsoft.com/office/powerpoint/2010/main" val="2966910348"/>
       </p:ext>
     </p:extLst>
   </p:cSld>
@@ -5371,7 +5992,7 @@
           <p:cNvPr id="2" name="Title 1">
             <a:extLst>
               <a:ext uri="{FF2B5EF4-FFF2-40B4-BE49-F238E27FC236}">
-                <a16:creationId xmlns:a16="http://schemas.microsoft.com/office/drawing/2014/main" id="{D956F271-0BCC-4362-85C0-9A9F5CE5EB0D}"/>
+                <a16:creationId xmlns:a16="http://schemas.microsoft.com/office/drawing/2014/main" id="{294855B8-231E-4436-9C8D-B818E47FEC09}"/>
               </a:ext>
             </a:extLst>
           </p:cNvPr>
@@ -5384,26 +6005,16 @@
         </p:nvSpPr>
         <p:spPr/>
         <p:txBody>
-          <a:bodyPr/>
-          <a:lstStyle/>
-          <a:p>
-            <a:r>
-              <a:rPr lang="de-CH" b="1" dirty="0"/>
-              <a:t>Advantages </a:t>
-            </a:r>
-            <a:r>
-              <a:rPr lang="de-CH" b="1" dirty="0" err="1"/>
-              <a:t>for</a:t>
-            </a:r>
-            <a:r>
-              <a:rPr lang="de-CH" b="1" dirty="0"/>
-              <a:t> </a:t>
-            </a:r>
-            <a:r>
-              <a:rPr lang="de-CH" b="1" dirty="0" err="1"/>
-              <a:t>Tourists</a:t>
-            </a:r>
-            <a:endParaRPr lang="de-CH" dirty="0"/>
+          <a:bodyPr>
+            <a:normAutofit/>
+          </a:bodyPr>
+          <a:lstStyle/>
+          <a:p>
+            <a:r>
+              <a:rPr lang="en-US" dirty="0"/>
+              <a:t>Bluetooth Beacons</a:t>
+            </a:r>
+            <a:endParaRPr lang="de-CH" sz="4400" dirty="0"/>
           </a:p>
         </p:txBody>
       </p:sp>
@@ -5412,7 +6023,7 @@
           <p:cNvPr id="3" name="Content Placeholder 2">
             <a:extLst>
               <a:ext uri="{FF2B5EF4-FFF2-40B4-BE49-F238E27FC236}">
-                <a16:creationId xmlns:a16="http://schemas.microsoft.com/office/drawing/2014/main" id="{028BD986-F847-4D4D-8BE2-19DA7F16BA0F}"/>
+                <a16:creationId xmlns:a16="http://schemas.microsoft.com/office/drawing/2014/main" id="{2EEEF804-2A07-4576-8666-6A2A22AA3FF2}"/>
               </a:ext>
             </a:extLst>
           </p:cNvPr>
@@ -5425,35 +6036,26 @@
         </p:nvSpPr>
         <p:spPr/>
         <p:txBody>
-          <a:bodyPr/>
-          <a:lstStyle/>
-          <a:p>
+          <a:bodyPr>
+            <a:normAutofit/>
+          </a:bodyPr>
+          <a:lstStyle/>
+          <a:p>
+            <a:pPr marL="0" indent="0">
+              <a:buNone/>
+            </a:pPr>
             <a:r>
               <a:rPr lang="en-US" sz="2800" dirty="0"/>
-              <a:t>They aren't tourists: they discover on their own</a:t>
-            </a:r>
-          </a:p>
-          <a:p>
-            <a:r>
-              <a:rPr lang="en-US" sz="2800" dirty="0"/>
-              <a:t>They can see through walls: thy can take see what other places there are behind the wall of the museum they're visiting</a:t>
-            </a:r>
-          </a:p>
-          <a:p>
-            <a:r>
-              <a:rPr lang="en-US" sz="2800" dirty="0"/>
-              <a:t>They avoid they queue buy having real-time data and know on which ski lift there's not a lot of people</a:t>
-            </a:r>
-          </a:p>
-          <a:p>
-            <a:endParaRPr lang="de-CH" dirty="0"/>
+              <a:t>Bluetooth Low Energy Beacon technology allows to annotate the physical space</a:t>
+            </a:r>
+            <a:endParaRPr lang="de-CH" sz="2800" dirty="0"/>
           </a:p>
         </p:txBody>
       </p:sp>
     </p:spTree>
     <p:extLst>
       <p:ext uri="{BB962C8B-B14F-4D97-AF65-F5344CB8AC3E}">
-        <p14:creationId xmlns:p14="http://schemas.microsoft.com/office/powerpoint/2010/main" val="4076089706"/>
+        <p14:creationId xmlns:p14="http://schemas.microsoft.com/office/powerpoint/2010/main" val="979070805"/>
       </p:ext>
     </p:extLst>
   </p:cSld>
@@ -5482,6 +6084,241 @@
       </p:grpSpPr>
       <p:sp>
         <p:nvSpPr>
+          <p:cNvPr id="2" name="Title 1">
+            <a:extLst>
+              <a:ext uri="{FF2B5EF4-FFF2-40B4-BE49-F238E27FC236}">
+                <a16:creationId xmlns:a16="http://schemas.microsoft.com/office/drawing/2014/main" id="{5F3D2C60-8B13-47EC-8520-4DFEA1E35057}"/>
+              </a:ext>
+            </a:extLst>
+          </p:cNvPr>
+          <p:cNvSpPr>
+            <a:spLocks noGrp="1"/>
+          </p:cNvSpPr>
+          <p:nvPr>
+            <p:ph type="title"/>
+          </p:nvPr>
+        </p:nvSpPr>
+        <p:spPr/>
+        <p:txBody>
+          <a:bodyPr/>
+          <a:lstStyle/>
+          <a:p>
+            <a:r>
+              <a:rPr lang="de-CH" b="1" dirty="0"/>
+              <a:t>Advantages </a:t>
+            </a:r>
+            <a:r>
+              <a:rPr lang="de-CH" b="1" dirty="0" err="1"/>
+              <a:t>for</a:t>
+            </a:r>
+            <a:r>
+              <a:rPr lang="de-CH" b="1" dirty="0"/>
+              <a:t> Providers</a:t>
+            </a:r>
+            <a:endParaRPr lang="de-CH" dirty="0"/>
+          </a:p>
+        </p:txBody>
+      </p:sp>
+      <p:sp>
+        <p:nvSpPr>
+          <p:cNvPr id="3" name="Content Placeholder 2">
+            <a:extLst>
+              <a:ext uri="{FF2B5EF4-FFF2-40B4-BE49-F238E27FC236}">
+                <a16:creationId xmlns:a16="http://schemas.microsoft.com/office/drawing/2014/main" id="{7C82A1DD-4B53-430D-8291-39B733F9DAEC}"/>
+              </a:ext>
+            </a:extLst>
+          </p:cNvPr>
+          <p:cNvSpPr>
+            <a:spLocks noGrp="1"/>
+          </p:cNvSpPr>
+          <p:nvPr>
+            <p:ph idx="1"/>
+          </p:nvPr>
+        </p:nvSpPr>
+        <p:spPr/>
+        <p:txBody>
+          <a:bodyPr/>
+          <a:lstStyle/>
+          <a:p>
+            <a:r>
+              <a:rPr lang="en-US" sz="2800" dirty="0"/>
+              <a:t>Tourists stay longer</a:t>
+            </a:r>
+          </a:p>
+          <a:p>
+            <a:r>
+              <a:rPr lang="en-US" sz="2800" dirty="0"/>
+              <a:t>Tourists learn about and visit more places</a:t>
+            </a:r>
+          </a:p>
+          <a:p>
+            <a:r>
+              <a:rPr lang="en-US" sz="2800" dirty="0"/>
+              <a:t>More equally </a:t>
+            </a:r>
+            <a:r>
+              <a:rPr lang="en-US" sz="2800" dirty="0" err="1"/>
+              <a:t>ditributed</a:t>
+            </a:r>
+            <a:r>
+              <a:rPr lang="en-US" sz="2800" dirty="0"/>
+              <a:t> stream of visitors</a:t>
+            </a:r>
+          </a:p>
+          <a:p>
+            <a:pPr marL="0" indent="0">
+              <a:buNone/>
+            </a:pPr>
+            <a:endParaRPr lang="de-CH" dirty="0"/>
+          </a:p>
+        </p:txBody>
+      </p:sp>
+    </p:spTree>
+    <p:extLst>
+      <p:ext uri="{BB962C8B-B14F-4D97-AF65-F5344CB8AC3E}">
+        <p14:creationId xmlns:p14="http://schemas.microsoft.com/office/powerpoint/2010/main" val="3007267876"/>
+      </p:ext>
+    </p:extLst>
+  </p:cSld>
+  <p:clrMapOvr>
+    <a:masterClrMapping/>
+  </p:clrMapOvr>
+</p:sld>
+</file>
+
+<file path=ppt/slides/slide7.xml><?xml version="1.0" encoding="utf-8"?>
+<p:sld xmlns:a="http://schemas.openxmlformats.org/drawingml/2006/main" xmlns:r="http://schemas.openxmlformats.org/officeDocument/2006/relationships" xmlns:p="http://schemas.openxmlformats.org/presentationml/2006/main">
+  <p:cSld>
+    <p:spTree>
+      <p:nvGrpSpPr>
+        <p:cNvPr id="1" name=""/>
+        <p:cNvGrpSpPr/>
+        <p:nvPr/>
+      </p:nvGrpSpPr>
+      <p:grpSpPr>
+        <a:xfrm>
+          <a:off x="0" y="0"/>
+          <a:ext cx="0" cy="0"/>
+          <a:chOff x="0" y="0"/>
+          <a:chExt cx="0" cy="0"/>
+        </a:xfrm>
+      </p:grpSpPr>
+      <p:sp>
+        <p:nvSpPr>
+          <p:cNvPr id="2" name="Title 1">
+            <a:extLst>
+              <a:ext uri="{FF2B5EF4-FFF2-40B4-BE49-F238E27FC236}">
+                <a16:creationId xmlns:a16="http://schemas.microsoft.com/office/drawing/2014/main" id="{D956F271-0BCC-4362-85C0-9A9F5CE5EB0D}"/>
+              </a:ext>
+            </a:extLst>
+          </p:cNvPr>
+          <p:cNvSpPr>
+            <a:spLocks noGrp="1"/>
+          </p:cNvSpPr>
+          <p:nvPr>
+            <p:ph type="title"/>
+          </p:nvPr>
+        </p:nvSpPr>
+        <p:spPr/>
+        <p:txBody>
+          <a:bodyPr/>
+          <a:lstStyle/>
+          <a:p>
+            <a:r>
+              <a:rPr lang="de-CH" b="1" dirty="0"/>
+              <a:t>Advantages </a:t>
+            </a:r>
+            <a:r>
+              <a:rPr lang="de-CH" b="1" dirty="0" err="1"/>
+              <a:t>for</a:t>
+            </a:r>
+            <a:r>
+              <a:rPr lang="de-CH" b="1" dirty="0"/>
+              <a:t> </a:t>
+            </a:r>
+            <a:r>
+              <a:rPr lang="de-CH" b="1" dirty="0" err="1"/>
+              <a:t>Tourists</a:t>
+            </a:r>
+            <a:endParaRPr lang="de-CH" dirty="0"/>
+          </a:p>
+        </p:txBody>
+      </p:sp>
+      <p:sp>
+        <p:nvSpPr>
+          <p:cNvPr id="3" name="Content Placeholder 2">
+            <a:extLst>
+              <a:ext uri="{FF2B5EF4-FFF2-40B4-BE49-F238E27FC236}">
+                <a16:creationId xmlns:a16="http://schemas.microsoft.com/office/drawing/2014/main" id="{028BD986-F847-4D4D-8BE2-19DA7F16BA0F}"/>
+              </a:ext>
+            </a:extLst>
+          </p:cNvPr>
+          <p:cNvSpPr>
+            <a:spLocks noGrp="1"/>
+          </p:cNvSpPr>
+          <p:nvPr>
+            <p:ph idx="1"/>
+          </p:nvPr>
+        </p:nvSpPr>
+        <p:spPr/>
+        <p:txBody>
+          <a:bodyPr/>
+          <a:lstStyle/>
+          <a:p>
+            <a:r>
+              <a:rPr lang="en-US" sz="2800" dirty="0"/>
+              <a:t>They aren't tourists: they discover on their own</a:t>
+            </a:r>
+          </a:p>
+          <a:p>
+            <a:r>
+              <a:rPr lang="en-US" sz="2800" dirty="0"/>
+              <a:t>They can see through walls: thy can take see what other places there are behind the wall of the museum they're visiting</a:t>
+            </a:r>
+          </a:p>
+          <a:p>
+            <a:r>
+              <a:rPr lang="en-US" sz="2800" dirty="0"/>
+              <a:t>They avoid they queue buy having real-time data and know on which ski lift there's not a lot of people</a:t>
+            </a:r>
+          </a:p>
+          <a:p>
+            <a:endParaRPr lang="de-CH" dirty="0"/>
+          </a:p>
+        </p:txBody>
+      </p:sp>
+    </p:spTree>
+    <p:extLst>
+      <p:ext uri="{BB962C8B-B14F-4D97-AF65-F5344CB8AC3E}">
+        <p14:creationId xmlns:p14="http://schemas.microsoft.com/office/powerpoint/2010/main" val="4076089706"/>
+      </p:ext>
+    </p:extLst>
+  </p:cSld>
+  <p:clrMapOvr>
+    <a:masterClrMapping/>
+  </p:clrMapOvr>
+</p:sld>
+</file>
+
+<file path=ppt/slides/slide8.xml><?xml version="1.0" encoding="utf-8"?>
+<p:sld xmlns:a="http://schemas.openxmlformats.org/drawingml/2006/main" xmlns:r="http://schemas.openxmlformats.org/officeDocument/2006/relationships" xmlns:p="http://schemas.openxmlformats.org/presentationml/2006/main">
+  <p:cSld>
+    <p:spTree>
+      <p:nvGrpSpPr>
+        <p:cNvPr id="1" name=""/>
+        <p:cNvGrpSpPr/>
+        <p:nvPr/>
+      </p:nvGrpSpPr>
+      <p:grpSpPr>
+        <a:xfrm>
+          <a:off x="0" y="0"/>
+          <a:ext cx="0" cy="0"/>
+          <a:chOff x="0" y="0"/>
+          <a:chExt cx="0" cy="0"/>
+        </a:xfrm>
+      </p:grpSpPr>
+      <p:sp>
+        <p:nvSpPr>
           <p:cNvPr id="7" name="Title 6">
             <a:extLst>
               <a:ext uri="{FF2B5EF4-FFF2-40B4-BE49-F238E27FC236}">
@@ -5677,7 +6514,7 @@
 </p:sld>
 </file>
 
-<file path=ppt/slides/slide7.xml><?xml version="1.0" encoding="utf-8"?>
+<file path=ppt/slides/slide9.xml><?xml version="1.0" encoding="utf-8"?>
 <p:sld xmlns:a="http://schemas.openxmlformats.org/drawingml/2006/main" xmlns:r="http://schemas.openxmlformats.org/officeDocument/2006/relationships" xmlns:p="http://schemas.openxmlformats.org/presentationml/2006/main">
   <p:cSld>
     <p:spTree>
@@ -5721,649 +6558,6 @@
     <p:extLst>
       <p:ext uri="{BB962C8B-B14F-4D97-AF65-F5344CB8AC3E}">
         <p14:creationId xmlns:p14="http://schemas.microsoft.com/office/powerpoint/2010/main" val="1906082872"/>
-      </p:ext>
-    </p:extLst>
-  </p:cSld>
-  <p:clrMapOvr>
-    <a:masterClrMapping/>
-  </p:clrMapOvr>
-</p:sld>
-</file>
-
-<file path=ppt/slides/slide8.xml><?xml version="1.0" encoding="utf-8"?>
-<p:sld xmlns:a="http://schemas.openxmlformats.org/drawingml/2006/main" xmlns:r="http://schemas.openxmlformats.org/officeDocument/2006/relationships" xmlns:p="http://schemas.openxmlformats.org/presentationml/2006/main">
-  <p:cSld>
-    <p:spTree>
-      <p:nvGrpSpPr>
-        <p:cNvPr id="1" name=""/>
-        <p:cNvGrpSpPr/>
-        <p:nvPr/>
-      </p:nvGrpSpPr>
-      <p:grpSpPr>
-        <a:xfrm>
-          <a:off x="0" y="0"/>
-          <a:ext cx="0" cy="0"/>
-          <a:chOff x="0" y="0"/>
-          <a:chExt cx="0" cy="0"/>
-        </a:xfrm>
-      </p:grpSpPr>
-      <p:pic>
-        <p:nvPicPr>
-          <p:cNvPr id="4" name="Bild 3"/>
-          <p:cNvPicPr>
-            <a:picLocks noChangeAspect="1"/>
-          </p:cNvPicPr>
-          <p:nvPr/>
-        </p:nvPicPr>
-        <p:blipFill rotWithShape="1">
-          <a:blip r:embed="rId2"/>
-          <a:srcRect t="5723"/>
-          <a:stretch/>
-        </p:blipFill>
-        <p:spPr>
-          <a:xfrm>
-            <a:off x="1376155" y="-30654"/>
-            <a:ext cx="9348996" cy="6305249"/>
-          </a:xfrm>
-          <a:prstGeom prst="rect">
-            <a:avLst/>
-          </a:prstGeom>
-        </p:spPr>
-      </p:pic>
-      <p:sp>
-        <p:nvSpPr>
-          <p:cNvPr id="5" name="Oval 4"/>
-          <p:cNvSpPr/>
-          <p:nvPr/>
-        </p:nvSpPr>
-        <p:spPr>
-          <a:xfrm>
-            <a:off x="5408226" y="2260676"/>
-            <a:ext cx="1296035" cy="1254760"/>
-          </a:xfrm>
-          <a:prstGeom prst="ellipse">
-            <a:avLst/>
-          </a:prstGeom>
-          <a:solidFill>
-            <a:schemeClr val="accent1">
-              <a:alpha val="20000"/>
-            </a:schemeClr>
-          </a:solidFill>
-        </p:spPr>
-        <p:style>
-          <a:lnRef idx="2">
-            <a:schemeClr val="accent1">
-              <a:shade val="50000"/>
-            </a:schemeClr>
-          </a:lnRef>
-          <a:fillRef idx="1">
-            <a:schemeClr val="accent1"/>
-          </a:fillRef>
-          <a:effectRef idx="0">
-            <a:schemeClr val="accent1"/>
-          </a:effectRef>
-          <a:fontRef idx="minor">
-            <a:schemeClr val="lt1"/>
-          </a:fontRef>
-        </p:style>
-        <p:txBody>
-          <a:bodyPr rot="0" spcFirstLastPara="0" vert="horz" wrap="square" lIns="91440" tIns="45720" rIns="91440" bIns="45720" numCol="1" spcCol="0" rtlCol="0" fromWordArt="0" anchor="ctr" anchorCtr="0" forceAA="0" compatLnSpc="1">
-            <a:prstTxWarp prst="textNoShape">
-              <a:avLst/>
-            </a:prstTxWarp>
-            <a:noAutofit/>
-          </a:bodyPr>
-          <a:lstStyle/>
-          <a:p>
-            <a:endParaRPr lang="de-DE"/>
-          </a:p>
-        </p:txBody>
-      </p:sp>
-      <p:sp>
-        <p:nvSpPr>
-          <p:cNvPr id="6" name="Oval 5"/>
-          <p:cNvSpPr/>
-          <p:nvPr/>
-        </p:nvSpPr>
-        <p:spPr>
-          <a:xfrm>
-            <a:off x="4009469" y="2487879"/>
-            <a:ext cx="1296035" cy="1254760"/>
-          </a:xfrm>
-          <a:prstGeom prst="ellipse">
-            <a:avLst/>
-          </a:prstGeom>
-          <a:solidFill>
-            <a:schemeClr val="accent1">
-              <a:alpha val="20000"/>
-            </a:schemeClr>
-          </a:solidFill>
-        </p:spPr>
-        <p:style>
-          <a:lnRef idx="2">
-            <a:schemeClr val="accent1">
-              <a:shade val="50000"/>
-            </a:schemeClr>
-          </a:lnRef>
-          <a:fillRef idx="1">
-            <a:schemeClr val="accent1"/>
-          </a:fillRef>
-          <a:effectRef idx="0">
-            <a:schemeClr val="accent1"/>
-          </a:effectRef>
-          <a:fontRef idx="minor">
-            <a:schemeClr val="lt1"/>
-          </a:fontRef>
-        </p:style>
-        <p:txBody>
-          <a:bodyPr rot="0" spcFirstLastPara="0" vert="horz" wrap="square" lIns="91440" tIns="45720" rIns="91440" bIns="45720" numCol="1" spcCol="0" rtlCol="0" fromWordArt="0" anchor="ctr" anchorCtr="0" forceAA="0" compatLnSpc="1">
-            <a:prstTxWarp prst="textNoShape">
-              <a:avLst/>
-            </a:prstTxWarp>
-            <a:noAutofit/>
-          </a:bodyPr>
-          <a:lstStyle/>
-          <a:p>
-            <a:endParaRPr lang="de-DE"/>
-          </a:p>
-        </p:txBody>
-      </p:sp>
-      <p:sp>
-        <p:nvSpPr>
-          <p:cNvPr id="7" name="Oval 6"/>
-          <p:cNvSpPr/>
-          <p:nvPr/>
-        </p:nvSpPr>
-        <p:spPr>
-          <a:xfrm>
-            <a:off x="2320469" y="2005703"/>
-            <a:ext cx="1296035" cy="1254760"/>
-          </a:xfrm>
-          <a:prstGeom prst="ellipse">
-            <a:avLst/>
-          </a:prstGeom>
-          <a:solidFill>
-            <a:schemeClr val="accent1">
-              <a:alpha val="20000"/>
-            </a:schemeClr>
-          </a:solidFill>
-        </p:spPr>
-        <p:style>
-          <a:lnRef idx="2">
-            <a:schemeClr val="accent1">
-              <a:shade val="50000"/>
-            </a:schemeClr>
-          </a:lnRef>
-          <a:fillRef idx="1">
-            <a:schemeClr val="accent1"/>
-          </a:fillRef>
-          <a:effectRef idx="0">
-            <a:schemeClr val="accent1"/>
-          </a:effectRef>
-          <a:fontRef idx="minor">
-            <a:schemeClr val="lt1"/>
-          </a:fontRef>
-        </p:style>
-        <p:txBody>
-          <a:bodyPr rot="0" spcFirstLastPara="0" vert="horz" wrap="square" lIns="91440" tIns="45720" rIns="91440" bIns="45720" numCol="1" spcCol="0" rtlCol="0" fromWordArt="0" anchor="ctr" anchorCtr="0" forceAA="0" compatLnSpc="1">
-            <a:prstTxWarp prst="textNoShape">
-              <a:avLst/>
-            </a:prstTxWarp>
-            <a:noAutofit/>
-          </a:bodyPr>
-          <a:lstStyle/>
-          <a:p>
-            <a:endParaRPr lang="de-DE"/>
-          </a:p>
-        </p:txBody>
-      </p:sp>
-      <p:sp>
-        <p:nvSpPr>
-          <p:cNvPr id="8" name="Oval 7"/>
-          <p:cNvSpPr/>
-          <p:nvPr/>
-        </p:nvSpPr>
-        <p:spPr>
-          <a:xfrm>
-            <a:off x="7790972" y="1291887"/>
-            <a:ext cx="1296035" cy="1254760"/>
-          </a:xfrm>
-          <a:prstGeom prst="ellipse">
-            <a:avLst/>
-          </a:prstGeom>
-          <a:solidFill>
-            <a:schemeClr val="accent1">
-              <a:alpha val="20000"/>
-            </a:schemeClr>
-          </a:solidFill>
-        </p:spPr>
-        <p:style>
-          <a:lnRef idx="2">
-            <a:schemeClr val="accent1">
-              <a:shade val="50000"/>
-            </a:schemeClr>
-          </a:lnRef>
-          <a:fillRef idx="1">
-            <a:schemeClr val="accent1"/>
-          </a:fillRef>
-          <a:effectRef idx="0">
-            <a:schemeClr val="accent1"/>
-          </a:effectRef>
-          <a:fontRef idx="minor">
-            <a:schemeClr val="lt1"/>
-          </a:fontRef>
-        </p:style>
-        <p:txBody>
-          <a:bodyPr rot="0" spcFirstLastPara="0" vert="horz" wrap="square" lIns="91440" tIns="45720" rIns="91440" bIns="45720" numCol="1" spcCol="0" rtlCol="0" fromWordArt="0" anchor="ctr" anchorCtr="0" forceAA="0" compatLnSpc="1">
-            <a:prstTxWarp prst="textNoShape">
-              <a:avLst/>
-            </a:prstTxWarp>
-            <a:noAutofit/>
-          </a:bodyPr>
-          <a:lstStyle/>
-          <a:p>
-            <a:endParaRPr lang="de-DE"/>
-          </a:p>
-        </p:txBody>
-      </p:sp>
-      <p:sp>
-        <p:nvSpPr>
-          <p:cNvPr id="9" name="Oval 8"/>
-          <p:cNvSpPr/>
-          <p:nvPr/>
-        </p:nvSpPr>
-        <p:spPr>
-          <a:xfrm>
-            <a:off x="2761774" y="3459832"/>
-            <a:ext cx="1296035" cy="1254760"/>
-          </a:xfrm>
-          <a:prstGeom prst="ellipse">
-            <a:avLst/>
-          </a:prstGeom>
-          <a:solidFill>
-            <a:schemeClr val="accent1">
-              <a:alpha val="20000"/>
-            </a:schemeClr>
-          </a:solidFill>
-        </p:spPr>
-        <p:style>
-          <a:lnRef idx="2">
-            <a:schemeClr val="accent1">
-              <a:shade val="50000"/>
-            </a:schemeClr>
-          </a:lnRef>
-          <a:fillRef idx="1">
-            <a:schemeClr val="accent1"/>
-          </a:fillRef>
-          <a:effectRef idx="0">
-            <a:schemeClr val="accent1"/>
-          </a:effectRef>
-          <a:fontRef idx="minor">
-            <a:schemeClr val="lt1"/>
-          </a:fontRef>
-        </p:style>
-        <p:txBody>
-          <a:bodyPr rot="0" spcFirstLastPara="0" vert="horz" wrap="square" lIns="91440" tIns="45720" rIns="91440" bIns="45720" numCol="1" spcCol="0" rtlCol="0" fromWordArt="0" anchor="ctr" anchorCtr="0" forceAA="0" compatLnSpc="1">
-            <a:prstTxWarp prst="textNoShape">
-              <a:avLst/>
-            </a:prstTxWarp>
-            <a:noAutofit/>
-          </a:bodyPr>
-          <a:lstStyle/>
-          <a:p>
-            <a:endParaRPr lang="de-DE"/>
-          </a:p>
-        </p:txBody>
-      </p:sp>
-      <p:sp>
-        <p:nvSpPr>
-          <p:cNvPr id="10" name="Oval 9"/>
-          <p:cNvSpPr/>
-          <p:nvPr/>
-        </p:nvSpPr>
-        <p:spPr>
-          <a:xfrm>
-            <a:off x="7018365" y="3888975"/>
-            <a:ext cx="1296035" cy="1254760"/>
-          </a:xfrm>
-          <a:prstGeom prst="ellipse">
-            <a:avLst/>
-          </a:prstGeom>
-          <a:solidFill>
-            <a:schemeClr val="accent1">
-              <a:alpha val="20000"/>
-            </a:schemeClr>
-          </a:solidFill>
-        </p:spPr>
-        <p:style>
-          <a:lnRef idx="2">
-            <a:schemeClr val="accent1">
-              <a:shade val="50000"/>
-            </a:schemeClr>
-          </a:lnRef>
-          <a:fillRef idx="1">
-            <a:schemeClr val="accent1"/>
-          </a:fillRef>
-          <a:effectRef idx="0">
-            <a:schemeClr val="accent1"/>
-          </a:effectRef>
-          <a:fontRef idx="minor">
-            <a:schemeClr val="lt1"/>
-          </a:fontRef>
-        </p:style>
-        <p:txBody>
-          <a:bodyPr rot="0" spcFirstLastPara="0" vert="horz" wrap="square" lIns="91440" tIns="45720" rIns="91440" bIns="45720" numCol="1" spcCol="0" rtlCol="0" fromWordArt="0" anchor="ctr" anchorCtr="0" forceAA="0" compatLnSpc="1">
-            <a:prstTxWarp prst="textNoShape">
-              <a:avLst/>
-            </a:prstTxWarp>
-            <a:noAutofit/>
-          </a:bodyPr>
-          <a:lstStyle/>
-          <a:p>
-            <a:endParaRPr lang="de-DE"/>
-          </a:p>
-        </p:txBody>
-      </p:sp>
-      <p:sp>
-        <p:nvSpPr>
-          <p:cNvPr id="11" name="Oval 10"/>
-          <p:cNvSpPr/>
-          <p:nvPr/>
-        </p:nvSpPr>
-        <p:spPr>
-          <a:xfrm>
-            <a:off x="6744017" y="2108276"/>
-            <a:ext cx="1296035" cy="1254760"/>
-          </a:xfrm>
-          <a:prstGeom prst="ellipse">
-            <a:avLst/>
-          </a:prstGeom>
-          <a:solidFill>
-            <a:schemeClr val="accent1">
-              <a:alpha val="20000"/>
-            </a:schemeClr>
-          </a:solidFill>
-        </p:spPr>
-        <p:style>
-          <a:lnRef idx="2">
-            <a:schemeClr val="accent1">
-              <a:shade val="50000"/>
-            </a:schemeClr>
-          </a:lnRef>
-          <a:fillRef idx="1">
-            <a:schemeClr val="accent1"/>
-          </a:fillRef>
-          <a:effectRef idx="0">
-            <a:schemeClr val="accent1"/>
-          </a:effectRef>
-          <a:fontRef idx="minor">
-            <a:schemeClr val="lt1"/>
-          </a:fontRef>
-        </p:style>
-        <p:txBody>
-          <a:bodyPr rot="0" spcFirstLastPara="0" vert="horz" wrap="square" lIns="91440" tIns="45720" rIns="91440" bIns="45720" numCol="1" spcCol="0" rtlCol="0" fromWordArt="0" anchor="ctr" anchorCtr="0" forceAA="0" compatLnSpc="1">
-            <a:prstTxWarp prst="textNoShape">
-              <a:avLst/>
-            </a:prstTxWarp>
-            <a:noAutofit/>
-          </a:bodyPr>
-          <a:lstStyle/>
-          <a:p>
-            <a:endParaRPr lang="de-DE"/>
-          </a:p>
-        </p:txBody>
-      </p:sp>
-      <p:sp>
-        <p:nvSpPr>
-          <p:cNvPr id="12" name="Oval 11"/>
-          <p:cNvSpPr/>
-          <p:nvPr/>
-        </p:nvSpPr>
-        <p:spPr>
-          <a:xfrm>
-            <a:off x="2191930" y="4808931"/>
-            <a:ext cx="1296035" cy="1254760"/>
-          </a:xfrm>
-          <a:prstGeom prst="ellipse">
-            <a:avLst/>
-          </a:prstGeom>
-          <a:solidFill>
-            <a:schemeClr val="accent1">
-              <a:alpha val="20000"/>
-            </a:schemeClr>
-          </a:solidFill>
-        </p:spPr>
-        <p:style>
-          <a:lnRef idx="2">
-            <a:schemeClr val="accent1">
-              <a:shade val="50000"/>
-            </a:schemeClr>
-          </a:lnRef>
-          <a:fillRef idx="1">
-            <a:schemeClr val="accent1"/>
-          </a:fillRef>
-          <a:effectRef idx="0">
-            <a:schemeClr val="accent1"/>
-          </a:effectRef>
-          <a:fontRef idx="minor">
-            <a:schemeClr val="lt1"/>
-          </a:fontRef>
-        </p:style>
-        <p:txBody>
-          <a:bodyPr rot="0" spcFirstLastPara="0" vert="horz" wrap="square" lIns="91440" tIns="45720" rIns="91440" bIns="45720" numCol="1" spcCol="0" rtlCol="0" fromWordArt="0" anchor="ctr" anchorCtr="0" forceAA="0" compatLnSpc="1">
-            <a:prstTxWarp prst="textNoShape">
-              <a:avLst/>
-            </a:prstTxWarp>
-            <a:noAutofit/>
-          </a:bodyPr>
-          <a:lstStyle/>
-          <a:p>
-            <a:endParaRPr lang="de-DE"/>
-          </a:p>
-        </p:txBody>
-      </p:sp>
-      <p:sp>
-        <p:nvSpPr>
-          <p:cNvPr id="13" name="Oval 12"/>
-          <p:cNvSpPr/>
-          <p:nvPr/>
-        </p:nvSpPr>
-        <p:spPr>
-          <a:xfrm>
-            <a:off x="4664765" y="4078398"/>
-            <a:ext cx="1296035" cy="1254760"/>
-          </a:xfrm>
-          <a:prstGeom prst="ellipse">
-            <a:avLst/>
-          </a:prstGeom>
-          <a:solidFill>
-            <a:schemeClr val="accent1">
-              <a:alpha val="20000"/>
-            </a:schemeClr>
-          </a:solidFill>
-        </p:spPr>
-        <p:style>
-          <a:lnRef idx="2">
-            <a:schemeClr val="accent1">
-              <a:shade val="50000"/>
-            </a:schemeClr>
-          </a:lnRef>
-          <a:fillRef idx="1">
-            <a:schemeClr val="accent1"/>
-          </a:fillRef>
-          <a:effectRef idx="0">
-            <a:schemeClr val="accent1"/>
-          </a:effectRef>
-          <a:fontRef idx="minor">
-            <a:schemeClr val="lt1"/>
-          </a:fontRef>
-        </p:style>
-        <p:txBody>
-          <a:bodyPr rot="0" spcFirstLastPara="0" vert="horz" wrap="square" lIns="91440" tIns="45720" rIns="91440" bIns="45720" numCol="1" spcCol="0" rtlCol="0" fromWordArt="0" anchor="ctr" anchorCtr="0" forceAA="0" compatLnSpc="1">
-            <a:prstTxWarp prst="textNoShape">
-              <a:avLst/>
-            </a:prstTxWarp>
-            <a:noAutofit/>
-          </a:bodyPr>
-          <a:lstStyle/>
-          <a:p>
-            <a:endParaRPr lang="de-DE"/>
-          </a:p>
-        </p:txBody>
-      </p:sp>
-      <p:sp>
-        <p:nvSpPr>
-          <p:cNvPr id="14" name="Oval 13"/>
-          <p:cNvSpPr/>
-          <p:nvPr/>
-        </p:nvSpPr>
-        <p:spPr>
-          <a:xfrm>
-            <a:off x="2320468" y="666181"/>
-            <a:ext cx="1296035" cy="1254760"/>
-          </a:xfrm>
-          <a:prstGeom prst="ellipse">
-            <a:avLst/>
-          </a:prstGeom>
-          <a:solidFill>
-            <a:schemeClr val="accent1">
-              <a:alpha val="20000"/>
-            </a:schemeClr>
-          </a:solidFill>
-        </p:spPr>
-        <p:style>
-          <a:lnRef idx="2">
-            <a:schemeClr val="accent1">
-              <a:shade val="50000"/>
-            </a:schemeClr>
-          </a:lnRef>
-          <a:fillRef idx="1">
-            <a:schemeClr val="accent1"/>
-          </a:fillRef>
-          <a:effectRef idx="0">
-            <a:schemeClr val="accent1"/>
-          </a:effectRef>
-          <a:fontRef idx="minor">
-            <a:schemeClr val="lt1"/>
-          </a:fontRef>
-        </p:style>
-        <p:txBody>
-          <a:bodyPr rot="0" spcFirstLastPara="0" vert="horz" wrap="square" lIns="91440" tIns="45720" rIns="91440" bIns="45720" numCol="1" spcCol="0" rtlCol="0" fromWordArt="0" anchor="ctr" anchorCtr="0" forceAA="0" compatLnSpc="1">
-            <a:prstTxWarp prst="textNoShape">
-              <a:avLst/>
-            </a:prstTxWarp>
-            <a:noAutofit/>
-          </a:bodyPr>
-          <a:lstStyle/>
-          <a:p>
-            <a:endParaRPr lang="de-DE"/>
-          </a:p>
-        </p:txBody>
-      </p:sp>
-    </p:spTree>
-    <p:extLst>
-      <p:ext uri="{BB962C8B-B14F-4D97-AF65-F5344CB8AC3E}">
-        <p14:creationId xmlns:p14="http://schemas.microsoft.com/office/powerpoint/2010/main" val="686632633"/>
-      </p:ext>
-    </p:extLst>
-  </p:cSld>
-  <p:clrMapOvr>
-    <a:masterClrMapping/>
-  </p:clrMapOvr>
-</p:sld>
-</file>
-
-<file path=ppt/slides/slide9.xml><?xml version="1.0" encoding="utf-8"?>
-<p:sld xmlns:a="http://schemas.openxmlformats.org/drawingml/2006/main" xmlns:r="http://schemas.openxmlformats.org/officeDocument/2006/relationships" xmlns:p="http://schemas.openxmlformats.org/presentationml/2006/main">
-  <p:cSld>
-    <p:spTree>
-      <p:nvGrpSpPr>
-        <p:cNvPr id="1" name=""/>
-        <p:cNvGrpSpPr/>
-        <p:nvPr/>
-      </p:nvGrpSpPr>
-      <p:grpSpPr>
-        <a:xfrm>
-          <a:off x="0" y="0"/>
-          <a:ext cx="0" cy="0"/>
-          <a:chOff x="0" y="0"/>
-          <a:chExt cx="0" cy="0"/>
-        </a:xfrm>
-      </p:grpSpPr>
-      <p:sp>
-        <p:nvSpPr>
-          <p:cNvPr id="2" name="Titel 1"/>
-          <p:cNvSpPr>
-            <a:spLocks noGrp="1"/>
-          </p:cNvSpPr>
-          <p:nvPr>
-            <p:ph type="title"/>
-          </p:nvPr>
-        </p:nvSpPr>
-        <p:spPr/>
-        <p:txBody>
-          <a:bodyPr/>
-          <a:lstStyle/>
-          <a:p>
-            <a:r>
-              <a:rPr lang="en-US" dirty="0"/>
-              <a:t>Notification Preferences</a:t>
-            </a:r>
-          </a:p>
-        </p:txBody>
-      </p:sp>
-      <p:pic>
-        <p:nvPicPr>
-          <p:cNvPr id="4" name="Bild 3"/>
-          <p:cNvPicPr>
-            <a:picLocks noChangeAspect="1"/>
-          </p:cNvPicPr>
-          <p:nvPr/>
-        </p:nvPicPr>
-        <p:blipFill>
-          <a:blip r:embed="rId2"/>
-          <a:stretch>
-            <a:fillRect/>
-          </a:stretch>
-        </p:blipFill>
-        <p:spPr>
-          <a:xfrm>
-            <a:off x="838199" y="1825625"/>
-            <a:ext cx="4575483" cy="3753540"/>
-          </a:xfrm>
-          <a:prstGeom prst="rect">
-            <a:avLst/>
-          </a:prstGeom>
-        </p:spPr>
-      </p:pic>
-      <p:pic>
-        <p:nvPicPr>
-          <p:cNvPr id="5" name="Bild 4"/>
-          <p:cNvPicPr>
-            <a:picLocks noChangeAspect="1"/>
-          </p:cNvPicPr>
-          <p:nvPr/>
-        </p:nvPicPr>
-        <p:blipFill>
-          <a:blip r:embed="rId3"/>
-          <a:stretch>
-            <a:fillRect/>
-          </a:stretch>
-        </p:blipFill>
-        <p:spPr>
-          <a:xfrm>
-            <a:off x="6641326" y="1825625"/>
-            <a:ext cx="4712474" cy="3753540"/>
-          </a:xfrm>
-          <a:prstGeom prst="rect">
-            <a:avLst/>
-          </a:prstGeom>
-        </p:spPr>
-      </p:pic>
-    </p:spTree>
-    <p:extLst>
-      <p:ext uri="{BB962C8B-B14F-4D97-AF65-F5344CB8AC3E}">
-        <p14:creationId xmlns:p14="http://schemas.microsoft.com/office/powerpoint/2010/main" val="504889330"/>
       </p:ext>
     </p:extLst>
   </p:cSld>

--- a/beacon.pptx
+++ b/beacon.pptx
@@ -5839,8 +5839,13 @@
             </a:pPr>
             <a:r>
               <a:rPr lang="en-US" sz="2800" dirty="0"/>
-              <a:t>Geo-Location</a:t>
-            </a:r>
+              <a:t>Pervasive geo-located </a:t>
+            </a:r>
+            <a:r>
+              <a:rPr lang="en-US" sz="2800"/>
+              <a:t>mobile devices</a:t>
+            </a:r>
+            <a:endParaRPr lang="en-US" sz="2800" dirty="0"/>
           </a:p>
         </p:txBody>
       </p:sp>

--- a/beacon.pptx
+++ b/beacon.pptx
@@ -5677,15 +5677,7 @@
             </a:pPr>
             <a:r>
               <a:rPr lang="en-US" sz="2800" dirty="0"/>
-              <a:t>Today's tourists </a:t>
-            </a:r>
-            <a:r>
-              <a:rPr lang="en-US" sz="2800" dirty="0" err="1"/>
-              <a:t>arent</a:t>
-            </a:r>
-            <a:r>
-              <a:rPr lang="en-US" sz="2800" dirty="0"/>
-              <a:t> tourists.</a:t>
+              <a:t>Today's tourists aren’t tourists.</a:t>
             </a:r>
           </a:p>
           <a:p>
@@ -5804,7 +5796,7 @@
             </a:pPr>
             <a:r>
               <a:rPr lang="en-US" sz="2800" dirty="0"/>
-              <a:t>web of documents </a:t>
+              <a:t>Web of documents </a:t>
             </a:r>
             <a:r>
               <a:rPr lang="en-US" dirty="0"/>
@@ -5812,7 +5804,7 @@
             </a:r>
             <a:r>
               <a:rPr lang="en-US" sz="2800" dirty="0"/>
-              <a:t> web of data</a:t>
+              <a:t> Web of data</a:t>
             </a:r>
           </a:p>
           <a:p>
@@ -5839,13 +5831,8 @@
             </a:pPr>
             <a:r>
               <a:rPr lang="en-US" sz="2800" dirty="0"/>
-              <a:t>Pervasive geo-located </a:t>
-            </a:r>
-            <a:r>
-              <a:rPr lang="en-US" sz="2800"/>
-              <a:t>mobile devices</a:t>
-            </a:r>
-            <a:endParaRPr lang="en-US" sz="2800" dirty="0"/>
+              <a:t>Pervasive geo-located mobile devices</a:t>
+            </a:r>
           </a:p>
         </p:txBody>
       </p:sp>
@@ -6109,6 +6096,10 @@
           <a:lstStyle/>
           <a:p>
             <a:r>
+              <a:rPr lang="de-CH" b="1"/>
+              <a:t>Smart Arosa </a:t>
+            </a:r>
+            <a:r>
               <a:rPr lang="de-CH" b="1" dirty="0"/>
               <a:t>Advantages </a:t>
             </a:r>
@@ -6231,7 +6222,7 @@
           <a:p>
             <a:r>
               <a:rPr lang="de-CH" b="1" dirty="0"/>
-              <a:t>Advantages </a:t>
+              <a:t>Smart Arosa Advantages </a:t>
             </a:r>
             <a:r>
               <a:rPr lang="de-CH" b="1" dirty="0" err="1"/>
